--- a/ManagingAgileDevs.pptx
+++ b/ManagingAgileDevs.pptx
@@ -5,34 +5,31 @@
     <p:sldMasterId id="2147483780" r:id="rId1"/>
   </p:sldMasterIdLst>
   <p:notesMasterIdLst>
-    <p:notesMasterId r:id="rId27"/>
+    <p:notesMasterId r:id="rId24"/>
   </p:notesMasterIdLst>
   <p:sldIdLst>
     <p:sldId id="256" r:id="rId2"/>
-    <p:sldId id="287" r:id="rId3"/>
-    <p:sldId id="288" r:id="rId4"/>
-    <p:sldId id="289" r:id="rId5"/>
-    <p:sldId id="286" r:id="rId6"/>
-    <p:sldId id="275" r:id="rId7"/>
-    <p:sldId id="268" r:id="rId8"/>
-    <p:sldId id="269" r:id="rId9"/>
-    <p:sldId id="273" r:id="rId10"/>
-    <p:sldId id="271" r:id="rId11"/>
-    <p:sldId id="274" r:id="rId12"/>
-    <p:sldId id="257" r:id="rId13"/>
-    <p:sldId id="258" r:id="rId14"/>
-    <p:sldId id="283" r:id="rId15"/>
-    <p:sldId id="266" r:id="rId16"/>
-    <p:sldId id="267" r:id="rId17"/>
-    <p:sldId id="259" r:id="rId18"/>
-    <p:sldId id="260" r:id="rId19"/>
-    <p:sldId id="261" r:id="rId20"/>
-    <p:sldId id="262" r:id="rId21"/>
-    <p:sldId id="280" r:id="rId22"/>
-    <p:sldId id="263" r:id="rId23"/>
-    <p:sldId id="264" r:id="rId24"/>
-    <p:sldId id="276" r:id="rId25"/>
-    <p:sldId id="284" r:id="rId26"/>
+    <p:sldId id="275" r:id="rId3"/>
+    <p:sldId id="268" r:id="rId4"/>
+    <p:sldId id="269" r:id="rId5"/>
+    <p:sldId id="273" r:id="rId6"/>
+    <p:sldId id="271" r:id="rId7"/>
+    <p:sldId id="274" r:id="rId8"/>
+    <p:sldId id="257" r:id="rId9"/>
+    <p:sldId id="258" r:id="rId10"/>
+    <p:sldId id="283" r:id="rId11"/>
+    <p:sldId id="266" r:id="rId12"/>
+    <p:sldId id="267" r:id="rId13"/>
+    <p:sldId id="259" r:id="rId14"/>
+    <p:sldId id="260" r:id="rId15"/>
+    <p:sldId id="261" r:id="rId16"/>
+    <p:sldId id="262" r:id="rId17"/>
+    <p:sldId id="280" r:id="rId18"/>
+    <p:sldId id="263" r:id="rId19"/>
+    <p:sldId id="264" r:id="rId20"/>
+    <p:sldId id="285" r:id="rId21"/>
+    <p:sldId id="276" r:id="rId22"/>
+    <p:sldId id="284" r:id="rId23"/>
   </p:sldIdLst>
   <p:sldSz cx="9144000" cy="6858000" type="screen4x3"/>
   <p:notesSz cx="6858000" cy="9144000"/>
@@ -216,7 +213,7 @@
           <a:p>
             <a:fld id="{1C11A1B3-FEFF-4213-8A56-C6B5675647F9}" type="datetimeFigureOut">
               <a:rPr lang="en-US" smtClean="0"/>
-              <a:t>11/15/14</a:t>
+              <a:t>12/3/14</a:t>
             </a:fld>
             <a:endParaRPr lang="en-US"/>
           </a:p>
@@ -511,12 +508,7 @@
             <p:ph type="sldImg"/>
           </p:nvPr>
         </p:nvSpPr>
-        <p:spPr>
-          <a:xfrm>
-            <a:off x="1371600" y="1143000"/>
-            <a:ext cx="4114800" cy="3086100"/>
-          </a:xfrm>
-        </p:spPr>
+        <p:spPr/>
       </p:sp>
       <p:sp>
         <p:nvSpPr>
@@ -533,6 +525,36 @@
           <a:bodyPr/>
           <a:lstStyle/>
           <a:p>
+            <a:r>
+              <a:rPr lang="en-US" dirty="0" smtClean="0"/>
+              <a:t>Who is </a:t>
+            </a:r>
+            <a:r>
+              <a:rPr lang="en-US" smtClean="0"/>
+              <a:t>the audience?</a:t>
+            </a:r>
+            <a:endParaRPr lang="en-US" dirty="0" smtClean="0"/>
+          </a:p>
+          <a:p>
+            <a:endParaRPr lang="en-US" dirty="0" smtClean="0"/>
+          </a:p>
+          <a:p>
+            <a:r>
+              <a:rPr lang="en-US" dirty="0" smtClean="0"/>
+              <a:t>It’s the Good people that you want to focus on</a:t>
+            </a:r>
+          </a:p>
+          <a:p>
+            <a:r>
+              <a:rPr lang="en-US" dirty="0" smtClean="0"/>
+              <a:t>So often we spend</a:t>
+            </a:r>
+            <a:r>
+              <a:rPr lang="en-US" baseline="0" dirty="0" smtClean="0"/>
+              <a:t> all of our time on the problem people, we ignore the good ones, and that’s not the way it should be.</a:t>
+            </a:r>
+          </a:p>
+          <a:p>
             <a:endParaRPr lang="en-US" dirty="0"/>
           </a:p>
         </p:txBody>
@@ -552,7 +574,7 @@
           <a:bodyPr/>
           <a:lstStyle/>
           <a:p>
-            <a:fld id="{15F9F7C0-00AA-4E3A-B7E0-B829C5F69B60}" type="slidenum">
+            <a:fld id="{5736ACDF-04FC-4DBB-B953-CCA52D382957}" type="slidenum">
               <a:rPr lang="en-US" smtClean="0"/>
               <a:t>2</a:t>
             </a:fld>
@@ -563,7 +585,7 @@
     </p:spTree>
     <p:extLst>
       <p:ext uri="{BB962C8B-B14F-4D97-AF65-F5344CB8AC3E}">
-        <p14:creationId xmlns:p14="http://schemas.microsoft.com/office/powerpoint/2010/main" val="277712772"/>
+        <p14:creationId xmlns:p14="http://schemas.microsoft.com/office/powerpoint/2010/main" val="2640546209"/>
       </p:ext>
     </p:extLst>
   </p:cSld>
@@ -617,26 +639,132 @@
           <a:bodyPr/>
           <a:lstStyle/>
           <a:p>
-            <a:r>
-              <a:rPr lang="en-US" dirty="0" smtClean="0"/>
-              <a:t>Let people know how they are doing</a:t>
-            </a:r>
-            <a:r>
-              <a:rPr lang="en-US" baseline="0" dirty="0" smtClean="0"/>
-              <a:t> at all times.</a:t>
-            </a:r>
-          </a:p>
-          <a:p>
-            <a:r>
-              <a:rPr lang="en-US" baseline="0" dirty="0" smtClean="0"/>
-              <a:t>One on Ones are the most important thing you can do as a manager. </a:t>
-            </a:r>
-          </a:p>
-          <a:p>
-            <a:r>
-              <a:rPr lang="en-US" baseline="0" dirty="0" smtClean="0"/>
-              <a:t>Don’t ask a wide receiver to improve their throwing skills. </a:t>
-            </a:r>
+            <a:pPr marL="0" marR="0" lvl="0" indent="0" algn="l" defTabSz="914400" rtl="0" eaLnBrk="1" fontAlgn="auto" latinLnBrk="0" hangingPunct="1">
+              <a:lnSpc>
+                <a:spcPct val="100000"/>
+              </a:lnSpc>
+              <a:spcBef>
+                <a:spcPts val="0"/>
+              </a:spcBef>
+              <a:spcAft>
+                <a:spcPts val="0"/>
+              </a:spcAft>
+              <a:buClrTx/>
+              <a:buSzTx/>
+              <a:buFontTx/>
+              <a:buNone/>
+              <a:tabLst/>
+              <a:defRPr/>
+            </a:pPr>
+            <a:r>
+              <a:rPr lang="en-US" sz="1200" b="0" kern="1200" dirty="0" smtClean="0">
+                <a:solidFill>
+                  <a:schemeClr val="tx1"/>
+                </a:solidFill>
+                <a:effectLst/>
+                <a:latin typeface="+mn-lt"/>
+                <a:ea typeface="+mn-ea"/>
+                <a:cs typeface="+mn-cs"/>
+              </a:rPr>
+              <a:t>Be Productive and Results Oriented</a:t>
+            </a:r>
+            <a:r>
+              <a:rPr lang="en-US" sz="1200" kern="1200" dirty="0" smtClean="0">
+                <a:solidFill>
+                  <a:schemeClr val="tx1"/>
+                </a:solidFill>
+                <a:effectLst/>
+                <a:latin typeface="+mn-lt"/>
+                <a:ea typeface="+mn-ea"/>
+                <a:cs typeface="+mn-cs"/>
+              </a:rPr>
+              <a:t> Focus on what you want to achieve, and help achieve it; help employees prioritize.</a:t>
+            </a:r>
+          </a:p>
+          <a:p>
+            <a:pPr marL="0" marR="0" lvl="0" indent="0" algn="l" defTabSz="914400" rtl="0" eaLnBrk="1" fontAlgn="auto" latinLnBrk="0" hangingPunct="1">
+              <a:lnSpc>
+                <a:spcPct val="100000"/>
+              </a:lnSpc>
+              <a:spcBef>
+                <a:spcPts val="0"/>
+              </a:spcBef>
+              <a:spcAft>
+                <a:spcPts val="0"/>
+              </a:spcAft>
+              <a:buClrTx/>
+              <a:buSzTx/>
+              <a:buFontTx/>
+              <a:buNone/>
+              <a:tabLst/>
+              <a:defRPr/>
+            </a:pPr>
+            <a:r>
+              <a:rPr lang="en-US" sz="1200" kern="1200" dirty="0" smtClean="0">
+                <a:solidFill>
+                  <a:schemeClr val="tx1"/>
+                </a:solidFill>
+                <a:effectLst/>
+                <a:latin typeface="+mn-lt"/>
+                <a:ea typeface="+mn-ea"/>
+                <a:cs typeface="+mn-cs"/>
+              </a:rPr>
+              <a:t>Don’t be afraid to</a:t>
+            </a:r>
+            <a:r>
+              <a:rPr lang="en-US" sz="1200" kern="1200" baseline="0" dirty="0" smtClean="0">
+                <a:solidFill>
+                  <a:schemeClr val="tx1"/>
+                </a:solidFill>
+                <a:effectLst/>
+                <a:latin typeface="+mn-lt"/>
+                <a:ea typeface="+mn-ea"/>
+                <a:cs typeface="+mn-cs"/>
+              </a:rPr>
+              <a:t> make a decision.</a:t>
+            </a:r>
+          </a:p>
+          <a:p>
+            <a:pPr marL="0" marR="0" lvl="0" indent="0" algn="l" defTabSz="914400" rtl="0" eaLnBrk="1" fontAlgn="auto" latinLnBrk="0" hangingPunct="1">
+              <a:lnSpc>
+                <a:spcPct val="100000"/>
+              </a:lnSpc>
+              <a:spcBef>
+                <a:spcPts val="0"/>
+              </a:spcBef>
+              <a:spcAft>
+                <a:spcPts val="0"/>
+              </a:spcAft>
+              <a:buClrTx/>
+              <a:buSzTx/>
+              <a:buFontTx/>
+              <a:buNone/>
+              <a:tabLst/>
+              <a:defRPr/>
+            </a:pPr>
+            <a:r>
+              <a:rPr lang="en-US" sz="1200" kern="1200" baseline="0" dirty="0" smtClean="0">
+                <a:solidFill>
+                  <a:schemeClr val="tx1"/>
+                </a:solidFill>
+                <a:effectLst/>
+                <a:latin typeface="+mn-lt"/>
+                <a:ea typeface="+mn-ea"/>
+                <a:cs typeface="+mn-cs"/>
+              </a:rPr>
+              <a:t>Nothing frustrates your team more than a manager that cant fight battles for them.</a:t>
+            </a:r>
+            <a:endParaRPr lang="en-US" sz="1200" kern="1200" dirty="0" smtClean="0">
+              <a:solidFill>
+                <a:schemeClr val="tx1"/>
+              </a:solidFill>
+              <a:effectLst/>
+              <a:latin typeface="+mn-lt"/>
+              <a:ea typeface="+mn-ea"/>
+              <a:cs typeface="+mn-cs"/>
+            </a:endParaRPr>
+          </a:p>
+          <a:p>
             <a:endParaRPr lang="en-US" dirty="0"/>
           </a:p>
         </p:txBody>
@@ -658,7 +786,7 @@
           <a:p>
             <a:fld id="{5736ACDF-04FC-4DBB-B953-CCA52D382957}" type="slidenum">
               <a:rPr lang="en-US" smtClean="0"/>
-              <a:t>13</a:t>
+              <a:t>14</a:t>
             </a:fld>
             <a:endParaRPr lang="en-US"/>
           </a:p>
@@ -667,7 +795,7 @@
     </p:spTree>
     <p:extLst>
       <p:ext uri="{BB962C8B-B14F-4D97-AF65-F5344CB8AC3E}">
-        <p14:creationId xmlns:p14="http://schemas.microsoft.com/office/powerpoint/2010/main" val="236956821"/>
+        <p14:creationId xmlns:p14="http://schemas.microsoft.com/office/powerpoint/2010/main" val="2461763237"/>
       </p:ext>
     </p:extLst>
   </p:cSld>
@@ -722,56 +850,59 @@
           <a:lstStyle/>
           <a:p>
             <a:r>
-              <a:rPr lang="en-US" sz="1200" b="0" kern="1200" dirty="0" smtClean="0">
-                <a:solidFill>
-                  <a:schemeClr val="tx1"/>
-                </a:solidFill>
-                <a:effectLst/>
-                <a:latin typeface="+mn-lt"/>
-                <a:ea typeface="+mn-ea"/>
-                <a:cs typeface="+mn-cs"/>
-              </a:rPr>
-              <a:t>Empower your team and don’t micromanage.</a:t>
-            </a:r>
-          </a:p>
-          <a:p>
-            <a:r>
-              <a:rPr lang="en-US" sz="1200" b="0" kern="1200" dirty="0" smtClean="0">
-                <a:solidFill>
-                  <a:schemeClr val="tx1"/>
-                </a:solidFill>
-                <a:effectLst/>
-                <a:latin typeface="+mn-lt"/>
-                <a:ea typeface="+mn-ea"/>
-                <a:cs typeface="+mn-cs"/>
-              </a:rPr>
-              <a:t>Self Directing teams</a:t>
-            </a:r>
-            <a:r>
-              <a:rPr lang="en-US" sz="1200" b="0" kern="1200" baseline="0" dirty="0" smtClean="0">
-                <a:solidFill>
-                  <a:schemeClr val="tx1"/>
-                </a:solidFill>
-                <a:effectLst/>
-                <a:latin typeface="+mn-lt"/>
-                <a:ea typeface="+mn-ea"/>
-                <a:cs typeface="+mn-cs"/>
-              </a:rPr>
-              <a:t> </a:t>
-            </a:r>
-          </a:p>
-          <a:p>
-            <a:r>
-              <a:rPr lang="en-US" sz="1200" b="0" kern="1200" baseline="0" dirty="0" smtClean="0">
-                <a:solidFill>
-                  <a:schemeClr val="tx1"/>
-                </a:solidFill>
-                <a:effectLst/>
-                <a:latin typeface="+mn-lt"/>
-                <a:ea typeface="+mn-ea"/>
-                <a:cs typeface="+mn-cs"/>
-              </a:rPr>
-              <a:t>Coach them well, then let them play the game</a:t>
+              <a:rPr lang="en-US" dirty="0" smtClean="0"/>
+              <a:t>Be open and transparent.</a:t>
+            </a:r>
+          </a:p>
+          <a:p>
+            <a:pPr marL="0" marR="0" indent="0" algn="l" defTabSz="914400" rtl="0" eaLnBrk="1" fontAlgn="auto" latinLnBrk="0" hangingPunct="1">
+              <a:lnSpc>
+                <a:spcPct val="100000"/>
+              </a:lnSpc>
+              <a:spcBef>
+                <a:spcPts val="0"/>
+              </a:spcBef>
+              <a:spcAft>
+                <a:spcPts val="0"/>
+              </a:spcAft>
+              <a:buClrTx/>
+              <a:buSzTx/>
+              <a:buFontTx/>
+              <a:buNone/>
+              <a:tabLst/>
+              <a:defRPr/>
+            </a:pPr>
+            <a:r>
+              <a:rPr lang="en-US" dirty="0" smtClean="0"/>
+              <a:t>Communication is two way. </a:t>
+            </a:r>
+          </a:p>
+          <a:p>
+            <a:r>
+              <a:rPr lang="en-US" dirty="0" smtClean="0"/>
+              <a:t>Active</a:t>
+            </a:r>
+            <a:r>
+              <a:rPr lang="en-US" baseline="0" dirty="0" smtClean="0"/>
+              <a:t> listen.</a:t>
+            </a:r>
+          </a:p>
+          <a:p>
+            <a:r>
+              <a:rPr lang="en-US" baseline="0" dirty="0" smtClean="0"/>
+              <a:t>Put your phone away and listen to what they are saying</a:t>
+            </a:r>
+          </a:p>
+          <a:p>
+            <a:r>
+              <a:rPr lang="en-US" baseline="0" dirty="0" smtClean="0"/>
+              <a:t>Sometimes they don’t want the answer, they just want to know you heard. </a:t>
+            </a:r>
+          </a:p>
+          <a:p>
+            <a:r>
+              <a:rPr lang="en-US" baseline="0" dirty="0" smtClean="0"/>
+              <a:t>Ask them what they need from you.</a:t>
             </a:r>
             <a:endParaRPr lang="en-US" dirty="0"/>
           </a:p>
@@ -794,7 +925,7 @@
           <a:p>
             <a:fld id="{5736ACDF-04FC-4DBB-B953-CCA52D382957}" type="slidenum">
               <a:rPr lang="en-US" smtClean="0"/>
-              <a:t>16</a:t>
+              <a:t>15</a:t>
             </a:fld>
             <a:endParaRPr lang="en-US"/>
           </a:p>
@@ -803,7 +934,7 @@
     </p:spTree>
     <p:extLst>
       <p:ext uri="{BB962C8B-B14F-4D97-AF65-F5344CB8AC3E}">
-        <p14:creationId xmlns:p14="http://schemas.microsoft.com/office/powerpoint/2010/main" val="2032757864"/>
+        <p14:creationId xmlns:p14="http://schemas.microsoft.com/office/powerpoint/2010/main" val="1411842087"/>
       </p:ext>
     </p:extLst>
   </p:cSld>
@@ -857,97 +988,15 @@
           <a:bodyPr/>
           <a:lstStyle/>
           <a:p>
-            <a:pPr lvl="0"/>
-            <a:r>
-              <a:rPr lang="en-US" sz="1200" b="0" kern="1200" dirty="0" smtClean="0">
-                <a:solidFill>
-                  <a:schemeClr val="tx1"/>
-                </a:solidFill>
-                <a:effectLst/>
-                <a:latin typeface="+mn-lt"/>
-                <a:ea typeface="+mn-ea"/>
-                <a:cs typeface="+mn-cs"/>
-              </a:rPr>
-              <a:t>Express interest in team-members success and personal well-being.</a:t>
-            </a:r>
-            <a:r>
-              <a:rPr lang="en-US" sz="1200" kern="1200" dirty="0" smtClean="0">
-                <a:solidFill>
-                  <a:schemeClr val="tx1"/>
-                </a:solidFill>
-                <a:effectLst/>
-                <a:latin typeface="+mn-lt"/>
-                <a:ea typeface="+mn-ea"/>
-                <a:cs typeface="+mn-cs"/>
-              </a:rPr>
-              <a:t> </a:t>
-            </a:r>
-          </a:p>
-          <a:p>
-            <a:pPr lvl="0"/>
-            <a:r>
-              <a:rPr lang="en-US" sz="1200" kern="1200" dirty="0" smtClean="0">
-                <a:solidFill>
-                  <a:schemeClr val="tx1"/>
-                </a:solidFill>
-                <a:effectLst/>
-                <a:latin typeface="+mn-lt"/>
-                <a:ea typeface="+mn-ea"/>
-                <a:cs typeface="+mn-cs"/>
-              </a:rPr>
-              <a:t>Get to know their personal lives, and make sure they feel welcome onto the team when new.</a:t>
-            </a:r>
-          </a:p>
-          <a:p>
-            <a:pPr lvl="0"/>
-            <a:r>
-              <a:rPr lang="en-US" sz="1200" kern="1200" dirty="0" smtClean="0">
-                <a:solidFill>
-                  <a:schemeClr val="tx1"/>
-                </a:solidFill>
-                <a:effectLst/>
-                <a:latin typeface="+mn-lt"/>
-                <a:ea typeface="+mn-ea"/>
-                <a:cs typeface="+mn-cs"/>
-              </a:rPr>
-              <a:t>High quality</a:t>
-            </a:r>
-            <a:r>
-              <a:rPr lang="en-US" sz="1200" kern="1200" baseline="0" dirty="0" smtClean="0">
-                <a:solidFill>
-                  <a:schemeClr val="tx1"/>
-                </a:solidFill>
-                <a:effectLst/>
-                <a:latin typeface="+mn-lt"/>
-                <a:ea typeface="+mn-ea"/>
-                <a:cs typeface="+mn-cs"/>
-              </a:rPr>
-              <a:t> people are not looking for a place to work. They are looking for a place to live. </a:t>
-            </a:r>
-          </a:p>
-          <a:p>
-            <a:pPr lvl="0"/>
-            <a:r>
-              <a:rPr lang="en-US" sz="1200" kern="1200" baseline="0" dirty="0" smtClean="0">
-                <a:solidFill>
-                  <a:schemeClr val="tx1"/>
-                </a:solidFill>
-                <a:effectLst/>
-                <a:latin typeface="+mn-lt"/>
-                <a:ea typeface="+mn-ea"/>
-                <a:cs typeface="+mn-cs"/>
-              </a:rPr>
-              <a:t>Help them understand that they are not just cogs in the machine. They matter to you as people.</a:t>
-            </a:r>
-            <a:endParaRPr lang="en-US" sz="1200" kern="1200" dirty="0">
-              <a:solidFill>
-                <a:schemeClr val="tx1"/>
-              </a:solidFill>
-              <a:effectLst/>
-              <a:latin typeface="+mn-lt"/>
-              <a:ea typeface="+mn-ea"/>
-              <a:cs typeface="+mn-cs"/>
-            </a:endParaRPr>
+            <a:r>
+              <a:rPr lang="en-US" dirty="0" smtClean="0"/>
+              <a:t>Marco,</a:t>
+            </a:r>
+            <a:r>
+              <a:rPr lang="en-US" baseline="0" dirty="0" smtClean="0"/>
+              <a:t> Boon</a:t>
+            </a:r>
+            <a:endParaRPr lang="en-US" dirty="0"/>
           </a:p>
         </p:txBody>
       </p:sp>
@@ -968,7 +1017,7 @@
           <a:p>
             <a:fld id="{5736ACDF-04FC-4DBB-B953-CCA52D382957}" type="slidenum">
               <a:rPr lang="en-US" smtClean="0"/>
-              <a:t>17</a:t>
+              <a:t>16</a:t>
             </a:fld>
             <a:endParaRPr lang="en-US"/>
           </a:p>
@@ -977,7 +1026,7 @@
     </p:spTree>
     <p:extLst>
       <p:ext uri="{BB962C8B-B14F-4D97-AF65-F5344CB8AC3E}">
-        <p14:creationId xmlns:p14="http://schemas.microsoft.com/office/powerpoint/2010/main" val="26959164"/>
+        <p14:creationId xmlns:p14="http://schemas.microsoft.com/office/powerpoint/2010/main" val="2551482777"/>
       </p:ext>
     </p:extLst>
   </p:cSld>
@@ -1031,132 +1080,14 @@
           <a:bodyPr/>
           <a:lstStyle/>
           <a:p>
-            <a:pPr marL="0" marR="0" lvl="0" indent="0" algn="l" defTabSz="914400" rtl="0" eaLnBrk="1" fontAlgn="auto" latinLnBrk="0" hangingPunct="1">
-              <a:lnSpc>
-                <a:spcPct val="100000"/>
-              </a:lnSpc>
-              <a:spcBef>
-                <a:spcPts val="0"/>
-              </a:spcBef>
-              <a:spcAft>
-                <a:spcPts val="0"/>
-              </a:spcAft>
-              <a:buClrTx/>
-              <a:buSzTx/>
-              <a:buFontTx/>
-              <a:buNone/>
-              <a:tabLst/>
-              <a:defRPr/>
-            </a:pPr>
-            <a:r>
-              <a:rPr lang="en-US" sz="1200" b="0" kern="1200" dirty="0" smtClean="0">
-                <a:solidFill>
-                  <a:schemeClr val="tx1"/>
-                </a:solidFill>
-                <a:effectLst/>
-                <a:latin typeface="+mn-lt"/>
-                <a:ea typeface="+mn-ea"/>
-                <a:cs typeface="+mn-cs"/>
-              </a:rPr>
-              <a:t>Be Productive and Results Oriented</a:t>
-            </a:r>
-            <a:r>
-              <a:rPr lang="en-US" sz="1200" kern="1200" dirty="0" smtClean="0">
-                <a:solidFill>
-                  <a:schemeClr val="tx1"/>
-                </a:solidFill>
-                <a:effectLst/>
-                <a:latin typeface="+mn-lt"/>
-                <a:ea typeface="+mn-ea"/>
-                <a:cs typeface="+mn-cs"/>
-              </a:rPr>
-              <a:t> Focus on what you want to achieve, and help achieve it; help employees prioritize.</a:t>
-            </a:r>
-          </a:p>
-          <a:p>
-            <a:pPr marL="0" marR="0" lvl="0" indent="0" algn="l" defTabSz="914400" rtl="0" eaLnBrk="1" fontAlgn="auto" latinLnBrk="0" hangingPunct="1">
-              <a:lnSpc>
-                <a:spcPct val="100000"/>
-              </a:lnSpc>
-              <a:spcBef>
-                <a:spcPts val="0"/>
-              </a:spcBef>
-              <a:spcAft>
-                <a:spcPts val="0"/>
-              </a:spcAft>
-              <a:buClrTx/>
-              <a:buSzTx/>
-              <a:buFontTx/>
-              <a:buNone/>
-              <a:tabLst/>
-              <a:defRPr/>
-            </a:pPr>
-            <a:r>
-              <a:rPr lang="en-US" sz="1200" kern="1200" dirty="0" smtClean="0">
-                <a:solidFill>
-                  <a:schemeClr val="tx1"/>
-                </a:solidFill>
-                <a:effectLst/>
-                <a:latin typeface="+mn-lt"/>
-                <a:ea typeface="+mn-ea"/>
-                <a:cs typeface="+mn-cs"/>
-              </a:rPr>
-              <a:t>Don’t be afraid to</a:t>
-            </a:r>
-            <a:r>
-              <a:rPr lang="en-US" sz="1200" kern="1200" baseline="0" dirty="0" smtClean="0">
-                <a:solidFill>
-                  <a:schemeClr val="tx1"/>
-                </a:solidFill>
-                <a:effectLst/>
-                <a:latin typeface="+mn-lt"/>
-                <a:ea typeface="+mn-ea"/>
-                <a:cs typeface="+mn-cs"/>
-              </a:rPr>
-              <a:t> make a decision.</a:t>
-            </a:r>
-          </a:p>
-          <a:p>
-            <a:pPr marL="0" marR="0" lvl="0" indent="0" algn="l" defTabSz="914400" rtl="0" eaLnBrk="1" fontAlgn="auto" latinLnBrk="0" hangingPunct="1">
-              <a:lnSpc>
-                <a:spcPct val="100000"/>
-              </a:lnSpc>
-              <a:spcBef>
-                <a:spcPts val="0"/>
-              </a:spcBef>
-              <a:spcAft>
-                <a:spcPts val="0"/>
-              </a:spcAft>
-              <a:buClrTx/>
-              <a:buSzTx/>
-              <a:buFontTx/>
-              <a:buNone/>
-              <a:tabLst/>
-              <a:defRPr/>
-            </a:pPr>
-            <a:r>
-              <a:rPr lang="en-US" sz="1200" kern="1200" baseline="0" dirty="0" smtClean="0">
-                <a:solidFill>
-                  <a:schemeClr val="tx1"/>
-                </a:solidFill>
-                <a:effectLst/>
-                <a:latin typeface="+mn-lt"/>
-                <a:ea typeface="+mn-ea"/>
-                <a:cs typeface="+mn-cs"/>
-              </a:rPr>
-              <a:t>Nothing frustrates your team more than a manager that cant fight battles for them.</a:t>
-            </a:r>
-            <a:endParaRPr lang="en-US" sz="1200" kern="1200" dirty="0" smtClean="0">
-              <a:solidFill>
-                <a:schemeClr val="tx1"/>
-              </a:solidFill>
-              <a:effectLst/>
-              <a:latin typeface="+mn-lt"/>
-              <a:ea typeface="+mn-ea"/>
-              <a:cs typeface="+mn-cs"/>
-            </a:endParaRPr>
-          </a:p>
-          <a:p>
+            <a:r>
+              <a:rPr lang="en-US" dirty="0" smtClean="0"/>
+              <a:t>Marco,</a:t>
+            </a:r>
+            <a:r>
+              <a:rPr lang="en-US" baseline="0" dirty="0" smtClean="0"/>
+              <a:t> Boon</a:t>
+            </a:r>
             <a:endParaRPr lang="en-US" dirty="0"/>
           </a:p>
         </p:txBody>
@@ -1178,7 +1109,7 @@
           <a:p>
             <a:fld id="{5736ACDF-04FC-4DBB-B953-CCA52D382957}" type="slidenum">
               <a:rPr lang="en-US" smtClean="0"/>
-              <a:t>18</a:t>
+              <a:t>17</a:t>
             </a:fld>
             <a:endParaRPr lang="en-US"/>
           </a:p>
@@ -1187,7 +1118,7 @@
     </p:spTree>
     <p:extLst>
       <p:ext uri="{BB962C8B-B14F-4D97-AF65-F5344CB8AC3E}">
-        <p14:creationId xmlns:p14="http://schemas.microsoft.com/office/powerpoint/2010/main" val="2461763237"/>
+        <p14:creationId xmlns:p14="http://schemas.microsoft.com/office/powerpoint/2010/main" val="2551482777"/>
       </p:ext>
     </p:extLst>
   </p:cSld>
@@ -1243,58 +1174,11 @@
           <a:p>
             <a:r>
               <a:rPr lang="en-US" dirty="0" smtClean="0"/>
-              <a:t>Be open and transparent.</a:t>
-            </a:r>
-          </a:p>
-          <a:p>
-            <a:pPr marL="0" marR="0" indent="0" algn="l" defTabSz="914400" rtl="0" eaLnBrk="1" fontAlgn="auto" latinLnBrk="0" hangingPunct="1">
-              <a:lnSpc>
-                <a:spcPct val="100000"/>
-              </a:lnSpc>
-              <a:spcBef>
-                <a:spcPts val="0"/>
-              </a:spcBef>
-              <a:spcAft>
-                <a:spcPts val="0"/>
-              </a:spcAft>
-              <a:buClrTx/>
-              <a:buSzTx/>
-              <a:buFontTx/>
-              <a:buNone/>
-              <a:tabLst/>
-              <a:defRPr/>
-            </a:pPr>
-            <a:r>
-              <a:rPr lang="en-US" dirty="0" smtClean="0"/>
-              <a:t>Communication is two way. </a:t>
-            </a:r>
-          </a:p>
-          <a:p>
-            <a:r>
-              <a:rPr lang="en-US" dirty="0" smtClean="0"/>
-              <a:t>Active</a:t>
+              <a:t>A vision you create</a:t>
             </a:r>
             <a:r>
               <a:rPr lang="en-US" baseline="0" dirty="0" smtClean="0"/>
-              <a:t> listen.</a:t>
-            </a:r>
-          </a:p>
-          <a:p>
-            <a:r>
-              <a:rPr lang="en-US" baseline="0" dirty="0" smtClean="0"/>
-              <a:t>Put your phone away and listen to what they are saying</a:t>
-            </a:r>
-          </a:p>
-          <a:p>
-            <a:r>
-              <a:rPr lang="en-US" baseline="0" dirty="0" smtClean="0"/>
-              <a:t>Sometimes they don’t want the answer, they just want to know you heard. </a:t>
-            </a:r>
-          </a:p>
-          <a:p>
-            <a:r>
-              <a:rPr lang="en-US" baseline="0" dirty="0" smtClean="0"/>
-              <a:t>Ask them what they need from you.</a:t>
+              <a:t> is not the teams vision!</a:t>
             </a:r>
             <a:endParaRPr lang="en-US" dirty="0"/>
           </a:p>
@@ -1317,7 +1201,7 @@
           <a:p>
             <a:fld id="{5736ACDF-04FC-4DBB-B953-CCA52D382957}" type="slidenum">
               <a:rPr lang="en-US" smtClean="0"/>
-              <a:t>19</a:t>
+              <a:t>18</a:t>
             </a:fld>
             <a:endParaRPr lang="en-US"/>
           </a:p>
@@ -1326,7 +1210,7 @@
     </p:spTree>
     <p:extLst>
       <p:ext uri="{BB962C8B-B14F-4D97-AF65-F5344CB8AC3E}">
-        <p14:creationId xmlns:p14="http://schemas.microsoft.com/office/powerpoint/2010/main" val="1411842087"/>
+        <p14:creationId xmlns:p14="http://schemas.microsoft.com/office/powerpoint/2010/main" val="1076587323"/>
       </p:ext>
     </p:extLst>
   </p:cSld>
@@ -1382,282 +1266,6 @@
           <a:p>
             <a:r>
               <a:rPr lang="en-US" dirty="0" smtClean="0"/>
-              <a:t>Marco,</a:t>
-            </a:r>
-            <a:r>
-              <a:rPr lang="en-US" baseline="0" dirty="0" smtClean="0"/>
-              <a:t> Boon</a:t>
-            </a:r>
-            <a:endParaRPr lang="en-US" dirty="0"/>
-          </a:p>
-        </p:txBody>
-      </p:sp>
-      <p:sp>
-        <p:nvSpPr>
-          <p:cNvPr id="4" name="Slide Number Placeholder 3"/>
-          <p:cNvSpPr>
-            <a:spLocks noGrp="1"/>
-          </p:cNvSpPr>
-          <p:nvPr>
-            <p:ph type="sldNum" sz="quarter" idx="10"/>
-          </p:nvPr>
-        </p:nvSpPr>
-        <p:spPr/>
-        <p:txBody>
-          <a:bodyPr/>
-          <a:lstStyle/>
-          <a:p>
-            <a:fld id="{5736ACDF-04FC-4DBB-B953-CCA52D382957}" type="slidenum">
-              <a:rPr lang="en-US" smtClean="0"/>
-              <a:t>20</a:t>
-            </a:fld>
-            <a:endParaRPr lang="en-US"/>
-          </a:p>
-        </p:txBody>
-      </p:sp>
-    </p:spTree>
-    <p:extLst>
-      <p:ext uri="{BB962C8B-B14F-4D97-AF65-F5344CB8AC3E}">
-        <p14:creationId xmlns:p14="http://schemas.microsoft.com/office/powerpoint/2010/main" val="2551482777"/>
-      </p:ext>
-    </p:extLst>
-  </p:cSld>
-  <p:clrMapOvr>
-    <a:masterClrMapping/>
-  </p:clrMapOvr>
-</p:notes>
-</file>
-
-<file path=ppt/notesSlides/notesSlide16.xml><?xml version="1.0" encoding="utf-8"?>
-<p:notes xmlns:a="http://schemas.openxmlformats.org/drawingml/2006/main" xmlns:r="http://schemas.openxmlformats.org/officeDocument/2006/relationships" xmlns:p="http://schemas.openxmlformats.org/presentationml/2006/main">
-  <p:cSld>
-    <p:spTree>
-      <p:nvGrpSpPr>
-        <p:cNvPr id="1" name=""/>
-        <p:cNvGrpSpPr/>
-        <p:nvPr/>
-      </p:nvGrpSpPr>
-      <p:grpSpPr>
-        <a:xfrm>
-          <a:off x="0" y="0"/>
-          <a:ext cx="0" cy="0"/>
-          <a:chOff x="0" y="0"/>
-          <a:chExt cx="0" cy="0"/>
-        </a:xfrm>
-      </p:grpSpPr>
-      <p:sp>
-        <p:nvSpPr>
-          <p:cNvPr id="2" name="Slide Image Placeholder 1"/>
-          <p:cNvSpPr>
-            <a:spLocks noGrp="1" noRot="1" noChangeAspect="1"/>
-          </p:cNvSpPr>
-          <p:nvPr>
-            <p:ph type="sldImg"/>
-          </p:nvPr>
-        </p:nvSpPr>
-        <p:spPr/>
-      </p:sp>
-      <p:sp>
-        <p:nvSpPr>
-          <p:cNvPr id="3" name="Notes Placeholder 2"/>
-          <p:cNvSpPr>
-            <a:spLocks noGrp="1"/>
-          </p:cNvSpPr>
-          <p:nvPr>
-            <p:ph type="body" idx="1"/>
-          </p:nvPr>
-        </p:nvSpPr>
-        <p:spPr/>
-        <p:txBody>
-          <a:bodyPr/>
-          <a:lstStyle/>
-          <a:p>
-            <a:r>
-              <a:rPr lang="en-US" dirty="0" smtClean="0"/>
-              <a:t>Marco,</a:t>
-            </a:r>
-            <a:r>
-              <a:rPr lang="en-US" baseline="0" dirty="0" smtClean="0"/>
-              <a:t> Boon</a:t>
-            </a:r>
-            <a:endParaRPr lang="en-US" dirty="0"/>
-          </a:p>
-        </p:txBody>
-      </p:sp>
-      <p:sp>
-        <p:nvSpPr>
-          <p:cNvPr id="4" name="Slide Number Placeholder 3"/>
-          <p:cNvSpPr>
-            <a:spLocks noGrp="1"/>
-          </p:cNvSpPr>
-          <p:nvPr>
-            <p:ph type="sldNum" sz="quarter" idx="10"/>
-          </p:nvPr>
-        </p:nvSpPr>
-        <p:spPr/>
-        <p:txBody>
-          <a:bodyPr/>
-          <a:lstStyle/>
-          <a:p>
-            <a:fld id="{5736ACDF-04FC-4DBB-B953-CCA52D382957}" type="slidenum">
-              <a:rPr lang="en-US" smtClean="0"/>
-              <a:t>21</a:t>
-            </a:fld>
-            <a:endParaRPr lang="en-US"/>
-          </a:p>
-        </p:txBody>
-      </p:sp>
-    </p:spTree>
-    <p:extLst>
-      <p:ext uri="{BB962C8B-B14F-4D97-AF65-F5344CB8AC3E}">
-        <p14:creationId xmlns:p14="http://schemas.microsoft.com/office/powerpoint/2010/main" val="2551482777"/>
-      </p:ext>
-    </p:extLst>
-  </p:cSld>
-  <p:clrMapOvr>
-    <a:masterClrMapping/>
-  </p:clrMapOvr>
-</p:notes>
-</file>
-
-<file path=ppt/notesSlides/notesSlide17.xml><?xml version="1.0" encoding="utf-8"?>
-<p:notes xmlns:a="http://schemas.openxmlformats.org/drawingml/2006/main" xmlns:r="http://schemas.openxmlformats.org/officeDocument/2006/relationships" xmlns:p="http://schemas.openxmlformats.org/presentationml/2006/main">
-  <p:cSld>
-    <p:spTree>
-      <p:nvGrpSpPr>
-        <p:cNvPr id="1" name=""/>
-        <p:cNvGrpSpPr/>
-        <p:nvPr/>
-      </p:nvGrpSpPr>
-      <p:grpSpPr>
-        <a:xfrm>
-          <a:off x="0" y="0"/>
-          <a:ext cx="0" cy="0"/>
-          <a:chOff x="0" y="0"/>
-          <a:chExt cx="0" cy="0"/>
-        </a:xfrm>
-      </p:grpSpPr>
-      <p:sp>
-        <p:nvSpPr>
-          <p:cNvPr id="2" name="Slide Image Placeholder 1"/>
-          <p:cNvSpPr>
-            <a:spLocks noGrp="1" noRot="1" noChangeAspect="1"/>
-          </p:cNvSpPr>
-          <p:nvPr>
-            <p:ph type="sldImg"/>
-          </p:nvPr>
-        </p:nvSpPr>
-        <p:spPr/>
-      </p:sp>
-      <p:sp>
-        <p:nvSpPr>
-          <p:cNvPr id="3" name="Notes Placeholder 2"/>
-          <p:cNvSpPr>
-            <a:spLocks noGrp="1"/>
-          </p:cNvSpPr>
-          <p:nvPr>
-            <p:ph type="body" idx="1"/>
-          </p:nvPr>
-        </p:nvSpPr>
-        <p:spPr/>
-        <p:txBody>
-          <a:bodyPr/>
-          <a:lstStyle/>
-          <a:p>
-            <a:r>
-              <a:rPr lang="en-US" dirty="0" smtClean="0"/>
-              <a:t>A vision you create</a:t>
-            </a:r>
-            <a:r>
-              <a:rPr lang="en-US" baseline="0" dirty="0" smtClean="0"/>
-              <a:t> is not the teams vision!</a:t>
-            </a:r>
-            <a:endParaRPr lang="en-US" dirty="0"/>
-          </a:p>
-        </p:txBody>
-      </p:sp>
-      <p:sp>
-        <p:nvSpPr>
-          <p:cNvPr id="4" name="Slide Number Placeholder 3"/>
-          <p:cNvSpPr>
-            <a:spLocks noGrp="1"/>
-          </p:cNvSpPr>
-          <p:nvPr>
-            <p:ph type="sldNum" sz="quarter" idx="10"/>
-          </p:nvPr>
-        </p:nvSpPr>
-        <p:spPr/>
-        <p:txBody>
-          <a:bodyPr/>
-          <a:lstStyle/>
-          <a:p>
-            <a:fld id="{5736ACDF-04FC-4DBB-B953-CCA52D382957}" type="slidenum">
-              <a:rPr lang="en-US" smtClean="0"/>
-              <a:t>22</a:t>
-            </a:fld>
-            <a:endParaRPr lang="en-US"/>
-          </a:p>
-        </p:txBody>
-      </p:sp>
-    </p:spTree>
-    <p:extLst>
-      <p:ext uri="{BB962C8B-B14F-4D97-AF65-F5344CB8AC3E}">
-        <p14:creationId xmlns:p14="http://schemas.microsoft.com/office/powerpoint/2010/main" val="1076587323"/>
-      </p:ext>
-    </p:extLst>
-  </p:cSld>
-  <p:clrMapOvr>
-    <a:masterClrMapping/>
-  </p:clrMapOvr>
-</p:notes>
-</file>
-
-<file path=ppt/notesSlides/notesSlide18.xml><?xml version="1.0" encoding="utf-8"?>
-<p:notes xmlns:a="http://schemas.openxmlformats.org/drawingml/2006/main" xmlns:r="http://schemas.openxmlformats.org/officeDocument/2006/relationships" xmlns:p="http://schemas.openxmlformats.org/presentationml/2006/main">
-  <p:cSld>
-    <p:spTree>
-      <p:nvGrpSpPr>
-        <p:cNvPr id="1" name=""/>
-        <p:cNvGrpSpPr/>
-        <p:nvPr/>
-      </p:nvGrpSpPr>
-      <p:grpSpPr>
-        <a:xfrm>
-          <a:off x="0" y="0"/>
-          <a:ext cx="0" cy="0"/>
-          <a:chOff x="0" y="0"/>
-          <a:chExt cx="0" cy="0"/>
-        </a:xfrm>
-      </p:grpSpPr>
-      <p:sp>
-        <p:nvSpPr>
-          <p:cNvPr id="2" name="Slide Image Placeholder 1"/>
-          <p:cNvSpPr>
-            <a:spLocks noGrp="1" noRot="1" noChangeAspect="1"/>
-          </p:cNvSpPr>
-          <p:nvPr>
-            <p:ph type="sldImg"/>
-          </p:nvPr>
-        </p:nvSpPr>
-        <p:spPr/>
-      </p:sp>
-      <p:sp>
-        <p:nvSpPr>
-          <p:cNvPr id="3" name="Notes Placeholder 2"/>
-          <p:cNvSpPr>
-            <a:spLocks noGrp="1"/>
-          </p:cNvSpPr>
-          <p:nvPr>
-            <p:ph type="body" idx="1"/>
-          </p:nvPr>
-        </p:nvSpPr>
-        <p:spPr/>
-        <p:txBody>
-          <a:bodyPr/>
-          <a:lstStyle/>
-          <a:p>
-            <a:r>
-              <a:rPr lang="en-US" dirty="0" smtClean="0"/>
               <a:t>A little about me</a:t>
             </a:r>
           </a:p>
@@ -1720,7 +1328,7 @@
           <a:p>
             <a:fld id="{5736ACDF-04FC-4DBB-B953-CCA52D382957}" type="slidenum">
               <a:rPr lang="en-US" smtClean="0"/>
-              <a:t>25</a:t>
+              <a:t>22</a:t>
             </a:fld>
             <a:endParaRPr lang="en-US"/>
           </a:p>
@@ -1783,7 +1391,45 @@
           <a:bodyPr/>
           <a:lstStyle/>
           <a:p>
-            <a:endParaRPr lang="en-US"/>
+            <a:pPr marL="0" marR="0" indent="0" algn="l" defTabSz="914400" rtl="0" eaLnBrk="1" fontAlgn="auto" latinLnBrk="0" hangingPunct="1">
+              <a:lnSpc>
+                <a:spcPct val="100000"/>
+              </a:lnSpc>
+              <a:spcBef>
+                <a:spcPts val="0"/>
+              </a:spcBef>
+              <a:spcAft>
+                <a:spcPts val="0"/>
+              </a:spcAft>
+              <a:buClrTx/>
+              <a:buSzTx/>
+              <a:buFontTx/>
+              <a:buNone/>
+              <a:tabLst/>
+              <a:defRPr/>
+            </a:pPr>
+            <a:r>
+              <a:rPr lang="en-US" dirty="0" smtClean="0"/>
+              <a:t>What</a:t>
+            </a:r>
+            <a:r>
+              <a:rPr lang="en-US" baseline="0" dirty="0" smtClean="0"/>
+              <a:t> kind of crappy managers have these guys had?</a:t>
+            </a:r>
+          </a:p>
+          <a:p>
+            <a:endParaRPr lang="en-US" dirty="0" smtClean="0">
+              <a:hlinkClick r:id="rId3"/>
+            </a:endParaRPr>
+          </a:p>
+          <a:p>
+            <a:r>
+              <a:rPr lang="en-US" dirty="0" smtClean="0">
+                <a:hlinkClick r:id="rId3"/>
+              </a:rPr>
+              <a:t>http://hbr.org/2011/12/first-lets-fire-all-the-managers/ar/1</a:t>
+            </a:r>
+            <a:endParaRPr lang="en-US" dirty="0"/>
           </a:p>
         </p:txBody>
       </p:sp>
@@ -1802,7 +1448,7 @@
           <a:bodyPr/>
           <a:lstStyle/>
           <a:p>
-            <a:fld id="{15F9F7C0-00AA-4E3A-B7E0-B829C5F69B60}" type="slidenum">
+            <a:fld id="{5736ACDF-04FC-4DBB-B953-CCA52D382957}" type="slidenum">
               <a:rPr lang="en-US" smtClean="0"/>
               <a:t>3</a:t>
             </a:fld>
@@ -1813,7 +1459,7 @@
     </p:spTree>
     <p:extLst>
       <p:ext uri="{BB962C8B-B14F-4D97-AF65-F5344CB8AC3E}">
-        <p14:creationId xmlns:p14="http://schemas.microsoft.com/office/powerpoint/2010/main" val="2118295844"/>
+        <p14:creationId xmlns:p14="http://schemas.microsoft.com/office/powerpoint/2010/main" val="2420107905"/>
       </p:ext>
     </p:extLst>
   </p:cSld>
@@ -1867,7 +1513,23 @@
           <a:bodyPr/>
           <a:lstStyle/>
           <a:p>
-            <a:endParaRPr lang="en-US"/>
+            <a:r>
+              <a:rPr lang="en-US" dirty="0" smtClean="0"/>
+              <a:t>These</a:t>
+            </a:r>
+            <a:r>
+              <a:rPr lang="en-US" baseline="0" dirty="0" smtClean="0"/>
+              <a:t> guys view Managers as task directors. That is not the 21</a:t>
+            </a:r>
+            <a:r>
+              <a:rPr lang="en-US" baseline="30000" dirty="0" smtClean="0"/>
+              <a:t>st</a:t>
+            </a:r>
+            <a:r>
+              <a:rPr lang="en-US" baseline="0" dirty="0" smtClean="0"/>
+              <a:t> century manager….</a:t>
+            </a:r>
+            <a:endParaRPr lang="en-US" dirty="0"/>
           </a:p>
         </p:txBody>
       </p:sp>
@@ -1886,7 +1548,7 @@
           <a:bodyPr/>
           <a:lstStyle/>
           <a:p>
-            <a:fld id="{15F9F7C0-00AA-4E3A-B7E0-B829C5F69B60}" type="slidenum">
+            <a:fld id="{5736ACDF-04FC-4DBB-B953-CCA52D382957}" type="slidenum">
               <a:rPr lang="en-US" smtClean="0"/>
               <a:t>4</a:t>
             </a:fld>
@@ -1897,7 +1559,7 @@
     </p:spTree>
     <p:extLst>
       <p:ext uri="{BB962C8B-B14F-4D97-AF65-F5344CB8AC3E}">
-        <p14:creationId xmlns:p14="http://schemas.microsoft.com/office/powerpoint/2010/main" val="3320052221"/>
+        <p14:creationId xmlns:p14="http://schemas.microsoft.com/office/powerpoint/2010/main" val="363029764"/>
       </p:ext>
     </p:extLst>
   </p:cSld>
@@ -1953,34 +1615,47 @@
           <a:p>
             <a:r>
               <a:rPr lang="en-US" dirty="0" smtClean="0"/>
-              <a:t>Who is </a:t>
-            </a:r>
-            <a:r>
-              <a:rPr lang="en-US" smtClean="0"/>
-              <a:t>the audience?</a:t>
+              <a:t>A little about me</a:t>
+            </a:r>
+          </a:p>
+          <a:p>
+            <a:r>
+              <a:rPr lang="en-US" dirty="0" smtClean="0"/>
+              <a:t>As a manager, I should not have to supervise</a:t>
+            </a:r>
+            <a:r>
+              <a:rPr lang="en-US" baseline="0" dirty="0" smtClean="0"/>
+              <a:t> the work of others……</a:t>
             </a:r>
             <a:endParaRPr lang="en-US" dirty="0" smtClean="0"/>
           </a:p>
           <a:p>
-            <a:endParaRPr lang="en-US" dirty="0" smtClean="0"/>
-          </a:p>
-          <a:p>
             <a:r>
               <a:rPr lang="en-US" dirty="0" smtClean="0"/>
-              <a:t>It’s the Good people that you want to focus on</a:t>
-            </a:r>
-          </a:p>
-          <a:p>
-            <a:r>
-              <a:rPr lang="en-US" dirty="0" smtClean="0"/>
-              <a:t>So often we spend</a:t>
+              <a:t>As a manager, I am responsible</a:t>
             </a:r>
             <a:r>
               <a:rPr lang="en-US" baseline="0" dirty="0" smtClean="0"/>
-              <a:t> all of our time on the problem people, we ignore the good ones, and that’s not the way it should be.</a:t>
-            </a:r>
-          </a:p>
-          <a:p>
+              <a:t> for making the team the most efficient team they can be</a:t>
+            </a:r>
+          </a:p>
+          <a:p>
+            <a:r>
+              <a:rPr lang="en-US" baseline="0" dirty="0" smtClean="0"/>
+              <a:t>Over the long term… Sticks don’t work over long term</a:t>
+            </a:r>
+          </a:p>
+          <a:p>
+            <a:r>
+              <a:rPr lang="en-US" baseline="0" dirty="0" smtClean="0"/>
+              <a:t>Make sure they want to come to work every morning</a:t>
+            </a:r>
+          </a:p>
+          <a:p>
+            <a:r>
+              <a:rPr lang="en-US" baseline="0" dirty="0" smtClean="0"/>
+              <a:t>Make sure they feel appreciated.</a:t>
+            </a:r>
             <a:endParaRPr lang="en-US" dirty="0"/>
           </a:p>
         </p:txBody>
@@ -2002,7 +1677,7 @@
           <a:p>
             <a:fld id="{5736ACDF-04FC-4DBB-B953-CCA52D382957}" type="slidenum">
               <a:rPr lang="en-US" smtClean="0"/>
-              <a:t>6</a:t>
+              <a:t>5</a:t>
             </a:fld>
             <a:endParaRPr lang="en-US"/>
           </a:p>
@@ -2011,7 +1686,7 @@
     </p:spTree>
     <p:extLst>
       <p:ext uri="{BB962C8B-B14F-4D97-AF65-F5344CB8AC3E}">
-        <p14:creationId xmlns:p14="http://schemas.microsoft.com/office/powerpoint/2010/main" val="2640546209"/>
+        <p14:creationId xmlns:p14="http://schemas.microsoft.com/office/powerpoint/2010/main" val="965434593"/>
       </p:ext>
     </p:extLst>
   </p:cSld>
@@ -2065,43 +1740,46 @@
           <a:bodyPr/>
           <a:lstStyle/>
           <a:p>
-            <a:pPr marL="0" marR="0" indent="0" algn="l" defTabSz="914400" rtl="0" eaLnBrk="1" fontAlgn="auto" latinLnBrk="0" hangingPunct="1">
-              <a:lnSpc>
-                <a:spcPct val="100000"/>
-              </a:lnSpc>
-              <a:spcBef>
-                <a:spcPts val="0"/>
-              </a:spcBef>
-              <a:spcAft>
-                <a:spcPts val="0"/>
-              </a:spcAft>
-              <a:buClrTx/>
-              <a:buSzTx/>
-              <a:buFontTx/>
-              <a:buNone/>
-              <a:tabLst/>
-              <a:defRPr/>
-            </a:pPr>
             <a:r>
               <a:rPr lang="en-US" dirty="0" smtClean="0"/>
-              <a:t>What</a:t>
+              <a:t>One</a:t>
             </a:r>
             <a:r>
               <a:rPr lang="en-US" baseline="0" dirty="0" smtClean="0"/>
-              <a:t> kind of crappy managers have these guys had?</a:t>
-            </a:r>
-          </a:p>
-          <a:p>
-            <a:endParaRPr lang="en-US" dirty="0" smtClean="0">
-              <a:hlinkClick r:id="rId3"/>
-            </a:endParaRPr>
-          </a:p>
-          <a:p>
-            <a:r>
-              <a:rPr lang="en-US" dirty="0" smtClean="0">
-                <a:hlinkClick r:id="rId3"/>
-              </a:rPr>
-              <a:t>http://hbr.org/2011/12/first-lets-fire-all-the-managers/ar/1</a:t>
+              <a:t> guy, at a small advertising agency, who never had a good manager, once had this idea to get rid of all managers in his company.</a:t>
+            </a:r>
+          </a:p>
+          <a:p>
+            <a:endParaRPr lang="en-US" baseline="0" dirty="0" smtClean="0"/>
+          </a:p>
+          <a:p>
+            <a:r>
+              <a:rPr lang="en-US" baseline="0" dirty="0" smtClean="0"/>
+              <a:t>Larry Page</a:t>
+            </a:r>
+          </a:p>
+          <a:p>
+            <a:r>
+              <a:rPr lang="en-US" baseline="0" dirty="0" smtClean="0"/>
+              <a:t>Eric Schmidt</a:t>
+            </a:r>
+          </a:p>
+          <a:p>
+            <a:endParaRPr lang="en-US" baseline="0" dirty="0" smtClean="0"/>
+          </a:p>
+          <a:p>
+            <a:r>
+              <a:rPr lang="en-US" baseline="0" dirty="0" smtClean="0"/>
+              <a:t>The result was Chaos</a:t>
+            </a:r>
+          </a:p>
+          <a:p>
+            <a:endParaRPr lang="en-US" baseline="0" dirty="0" smtClean="0"/>
+          </a:p>
+          <a:p>
+            <a:r>
+              <a:rPr lang="en-US" baseline="0" dirty="0" smtClean="0"/>
+              <a:t>Google was lucky, because they could absorb the chaos… Most companies could not.</a:t>
             </a:r>
             <a:endParaRPr lang="en-US" dirty="0"/>
           </a:p>
@@ -2124,7 +1802,7 @@
           <a:p>
             <a:fld id="{5736ACDF-04FC-4DBB-B953-CCA52D382957}" type="slidenum">
               <a:rPr lang="en-US" smtClean="0"/>
-              <a:t>7</a:t>
+              <a:t>6</a:t>
             </a:fld>
             <a:endParaRPr lang="en-US"/>
           </a:p>
@@ -2133,7 +1811,7 @@
     </p:spTree>
     <p:extLst>
       <p:ext uri="{BB962C8B-B14F-4D97-AF65-F5344CB8AC3E}">
-        <p14:creationId xmlns:p14="http://schemas.microsoft.com/office/powerpoint/2010/main" val="2420107905"/>
+        <p14:creationId xmlns:p14="http://schemas.microsoft.com/office/powerpoint/2010/main" val="1429187749"/>
       </p:ext>
     </p:extLst>
   </p:cSld>
@@ -2189,19 +1867,7 @@
           <a:p>
             <a:r>
               <a:rPr lang="en-US" dirty="0" smtClean="0"/>
-              <a:t>These</a:t>
-            </a:r>
-            <a:r>
-              <a:rPr lang="en-US" baseline="0" dirty="0" smtClean="0"/>
-              <a:t> guys view Managers as task directors. That is not the 21</a:t>
-            </a:r>
-            <a:r>
-              <a:rPr lang="en-US" baseline="30000" dirty="0" smtClean="0"/>
-              <a:t>st</a:t>
-            </a:r>
-            <a:r>
-              <a:rPr lang="en-US" baseline="0" dirty="0" smtClean="0"/>
-              <a:t> century manager….</a:t>
+              <a:t>Years later, they ran a study</a:t>
             </a:r>
             <a:endParaRPr lang="en-US" dirty="0"/>
           </a:p>
@@ -2224,7 +1890,7 @@
           <a:p>
             <a:fld id="{5736ACDF-04FC-4DBB-B953-CCA52D382957}" type="slidenum">
               <a:rPr lang="en-US" smtClean="0"/>
-              <a:t>8</a:t>
+              <a:t>7</a:t>
             </a:fld>
             <a:endParaRPr lang="en-US"/>
           </a:p>
@@ -2233,7 +1899,7 @@
     </p:spTree>
     <p:extLst>
       <p:ext uri="{BB962C8B-B14F-4D97-AF65-F5344CB8AC3E}">
-        <p14:creationId xmlns:p14="http://schemas.microsoft.com/office/powerpoint/2010/main" val="363029764"/>
+        <p14:creationId xmlns:p14="http://schemas.microsoft.com/office/powerpoint/2010/main" val="587377120"/>
       </p:ext>
     </p:extLst>
   </p:cSld>
@@ -2289,46 +1955,23 @@
           <a:p>
             <a:r>
               <a:rPr lang="en-US" dirty="0" smtClean="0"/>
-              <a:t>A little about me</a:t>
-            </a:r>
-          </a:p>
-          <a:p>
-            <a:r>
-              <a:rPr lang="en-US" dirty="0" smtClean="0"/>
-              <a:t>As a manager, I should not have to supervise</a:t>
+              <a:t>Let people know how they are doing</a:t>
             </a:r>
             <a:r>
               <a:rPr lang="en-US" baseline="0" dirty="0" smtClean="0"/>
-              <a:t> the work of others……</a:t>
-            </a:r>
-            <a:endParaRPr lang="en-US" dirty="0" smtClean="0"/>
-          </a:p>
-          <a:p>
-            <a:r>
-              <a:rPr lang="en-US" dirty="0" smtClean="0"/>
-              <a:t>As a manager, I am responsible</a:t>
-            </a:r>
+              <a:t> at all times.</a:t>
+            </a:r>
+          </a:p>
+          <a:p>
             <a:r>
               <a:rPr lang="en-US" baseline="0" dirty="0" smtClean="0"/>
-              <a:t> for making the team the most efficient team they can be</a:t>
+              <a:t>One on Ones are the most important thing you can do as a manager. </a:t>
             </a:r>
           </a:p>
           <a:p>
             <a:r>
               <a:rPr lang="en-US" baseline="0" dirty="0" smtClean="0"/>
-              <a:t>Over the long term… Sticks don’t work over long term</a:t>
-            </a:r>
-          </a:p>
-          <a:p>
-            <a:r>
-              <a:rPr lang="en-US" baseline="0" dirty="0" smtClean="0"/>
-              <a:t>Make sure they want to come to work every morning</a:t>
-            </a:r>
-          </a:p>
-          <a:p>
-            <a:r>
-              <a:rPr lang="en-US" baseline="0" dirty="0" smtClean="0"/>
-              <a:t>Make sure they feel appreciated.</a:t>
+              <a:t>Don’t ask a wide receiver to improve their throwing skills. </a:t>
             </a:r>
             <a:endParaRPr lang="en-US" dirty="0"/>
           </a:p>
@@ -2360,7 +2003,7 @@
     </p:spTree>
     <p:extLst>
       <p:ext uri="{BB962C8B-B14F-4D97-AF65-F5344CB8AC3E}">
-        <p14:creationId xmlns:p14="http://schemas.microsoft.com/office/powerpoint/2010/main" val="965434593"/>
+        <p14:creationId xmlns:p14="http://schemas.microsoft.com/office/powerpoint/2010/main" val="236956821"/>
       </p:ext>
     </p:extLst>
   </p:cSld>
@@ -2415,45 +2058,56 @@
           <a:lstStyle/>
           <a:p>
             <a:r>
-              <a:rPr lang="en-US" dirty="0" smtClean="0"/>
-              <a:t>One</a:t>
-            </a:r>
-            <a:r>
-              <a:rPr lang="en-US" baseline="0" dirty="0" smtClean="0"/>
-              <a:t> guy, at a small advertising agency, who never had a good manager, once had this idea to get rid of all managers in his company.</a:t>
-            </a:r>
-          </a:p>
-          <a:p>
-            <a:endParaRPr lang="en-US" baseline="0" dirty="0" smtClean="0"/>
-          </a:p>
-          <a:p>
-            <a:r>
-              <a:rPr lang="en-US" baseline="0" dirty="0" smtClean="0"/>
-              <a:t>Larry Page</a:t>
-            </a:r>
-          </a:p>
-          <a:p>
-            <a:r>
-              <a:rPr lang="en-US" baseline="0" dirty="0" smtClean="0"/>
-              <a:t>Eric Schmidt</a:t>
-            </a:r>
-          </a:p>
-          <a:p>
-            <a:endParaRPr lang="en-US" baseline="0" dirty="0" smtClean="0"/>
-          </a:p>
-          <a:p>
-            <a:r>
-              <a:rPr lang="en-US" baseline="0" dirty="0" smtClean="0"/>
-              <a:t>The result was Chaos</a:t>
-            </a:r>
-          </a:p>
-          <a:p>
-            <a:endParaRPr lang="en-US" baseline="0" dirty="0" smtClean="0"/>
-          </a:p>
-          <a:p>
-            <a:r>
-              <a:rPr lang="en-US" baseline="0" dirty="0" smtClean="0"/>
-              <a:t>Google was lucky, because they could absorb the chaos… Most companies could not.</a:t>
+              <a:rPr lang="en-US" sz="1200" b="0" kern="1200" dirty="0" smtClean="0">
+                <a:solidFill>
+                  <a:schemeClr val="tx1"/>
+                </a:solidFill>
+                <a:effectLst/>
+                <a:latin typeface="+mn-lt"/>
+                <a:ea typeface="+mn-ea"/>
+                <a:cs typeface="+mn-cs"/>
+              </a:rPr>
+              <a:t>Empower your team and don’t micromanage.</a:t>
+            </a:r>
+          </a:p>
+          <a:p>
+            <a:r>
+              <a:rPr lang="en-US" sz="1200" b="0" kern="1200" dirty="0" smtClean="0">
+                <a:solidFill>
+                  <a:schemeClr val="tx1"/>
+                </a:solidFill>
+                <a:effectLst/>
+                <a:latin typeface="+mn-lt"/>
+                <a:ea typeface="+mn-ea"/>
+                <a:cs typeface="+mn-cs"/>
+              </a:rPr>
+              <a:t>Self Directing teams</a:t>
+            </a:r>
+            <a:r>
+              <a:rPr lang="en-US" sz="1200" b="0" kern="1200" baseline="0" dirty="0" smtClean="0">
+                <a:solidFill>
+                  <a:schemeClr val="tx1"/>
+                </a:solidFill>
+                <a:effectLst/>
+                <a:latin typeface="+mn-lt"/>
+                <a:ea typeface="+mn-ea"/>
+                <a:cs typeface="+mn-cs"/>
+              </a:rPr>
+              <a:t> </a:t>
+            </a:r>
+          </a:p>
+          <a:p>
+            <a:r>
+              <a:rPr lang="en-US" sz="1200" b="0" kern="1200" baseline="0" dirty="0" smtClean="0">
+                <a:solidFill>
+                  <a:schemeClr val="tx1"/>
+                </a:solidFill>
+                <a:effectLst/>
+                <a:latin typeface="+mn-lt"/>
+                <a:ea typeface="+mn-ea"/>
+                <a:cs typeface="+mn-cs"/>
+              </a:rPr>
+              <a:t>Coach them well, then let them play the game</a:t>
             </a:r>
             <a:endParaRPr lang="en-US" dirty="0"/>
           </a:p>
@@ -2476,7 +2130,7 @@
           <a:p>
             <a:fld id="{5736ACDF-04FC-4DBB-B953-CCA52D382957}" type="slidenum">
               <a:rPr lang="en-US" smtClean="0"/>
-              <a:t>10</a:t>
+              <a:t>12</a:t>
             </a:fld>
             <a:endParaRPr lang="en-US"/>
           </a:p>
@@ -2485,7 +2139,7 @@
     </p:spTree>
     <p:extLst>
       <p:ext uri="{BB962C8B-B14F-4D97-AF65-F5344CB8AC3E}">
-        <p14:creationId xmlns:p14="http://schemas.microsoft.com/office/powerpoint/2010/main" val="1429187749"/>
+        <p14:creationId xmlns:p14="http://schemas.microsoft.com/office/powerpoint/2010/main" val="2032757864"/>
       </p:ext>
     </p:extLst>
   </p:cSld>
@@ -2539,11 +2193,97 @@
           <a:bodyPr/>
           <a:lstStyle/>
           <a:p>
-            <a:r>
-              <a:rPr lang="en-US" dirty="0" smtClean="0"/>
-              <a:t>Years later, they ran a study</a:t>
-            </a:r>
-            <a:endParaRPr lang="en-US" dirty="0"/>
+            <a:pPr lvl="0"/>
+            <a:r>
+              <a:rPr lang="en-US" sz="1200" b="0" kern="1200" dirty="0" smtClean="0">
+                <a:solidFill>
+                  <a:schemeClr val="tx1"/>
+                </a:solidFill>
+                <a:effectLst/>
+                <a:latin typeface="+mn-lt"/>
+                <a:ea typeface="+mn-ea"/>
+                <a:cs typeface="+mn-cs"/>
+              </a:rPr>
+              <a:t>Express interest in team-members success and personal well-being.</a:t>
+            </a:r>
+            <a:r>
+              <a:rPr lang="en-US" sz="1200" kern="1200" dirty="0" smtClean="0">
+                <a:solidFill>
+                  <a:schemeClr val="tx1"/>
+                </a:solidFill>
+                <a:effectLst/>
+                <a:latin typeface="+mn-lt"/>
+                <a:ea typeface="+mn-ea"/>
+                <a:cs typeface="+mn-cs"/>
+              </a:rPr>
+              <a:t> </a:t>
+            </a:r>
+          </a:p>
+          <a:p>
+            <a:pPr lvl="0"/>
+            <a:r>
+              <a:rPr lang="en-US" sz="1200" kern="1200" dirty="0" smtClean="0">
+                <a:solidFill>
+                  <a:schemeClr val="tx1"/>
+                </a:solidFill>
+                <a:effectLst/>
+                <a:latin typeface="+mn-lt"/>
+                <a:ea typeface="+mn-ea"/>
+                <a:cs typeface="+mn-cs"/>
+              </a:rPr>
+              <a:t>Get to know their personal lives, and make sure they feel welcome onto the team when new.</a:t>
+            </a:r>
+          </a:p>
+          <a:p>
+            <a:pPr lvl="0"/>
+            <a:r>
+              <a:rPr lang="en-US" sz="1200" kern="1200" dirty="0" smtClean="0">
+                <a:solidFill>
+                  <a:schemeClr val="tx1"/>
+                </a:solidFill>
+                <a:effectLst/>
+                <a:latin typeface="+mn-lt"/>
+                <a:ea typeface="+mn-ea"/>
+                <a:cs typeface="+mn-cs"/>
+              </a:rPr>
+              <a:t>High quality</a:t>
+            </a:r>
+            <a:r>
+              <a:rPr lang="en-US" sz="1200" kern="1200" baseline="0" dirty="0" smtClean="0">
+                <a:solidFill>
+                  <a:schemeClr val="tx1"/>
+                </a:solidFill>
+                <a:effectLst/>
+                <a:latin typeface="+mn-lt"/>
+                <a:ea typeface="+mn-ea"/>
+                <a:cs typeface="+mn-cs"/>
+              </a:rPr>
+              <a:t> people are not looking for a place to work. They are looking for a place to live. </a:t>
+            </a:r>
+          </a:p>
+          <a:p>
+            <a:pPr lvl="0"/>
+            <a:r>
+              <a:rPr lang="en-US" sz="1200" kern="1200" baseline="0" dirty="0" smtClean="0">
+                <a:solidFill>
+                  <a:schemeClr val="tx1"/>
+                </a:solidFill>
+                <a:effectLst/>
+                <a:latin typeface="+mn-lt"/>
+                <a:ea typeface="+mn-ea"/>
+                <a:cs typeface="+mn-cs"/>
+              </a:rPr>
+              <a:t>Help them understand that they are not just cogs in the machine. They matter to you as people.</a:t>
+            </a:r>
+            <a:endParaRPr lang="en-US" sz="1200" kern="1200" dirty="0">
+              <a:solidFill>
+                <a:schemeClr val="tx1"/>
+              </a:solidFill>
+              <a:effectLst/>
+              <a:latin typeface="+mn-lt"/>
+              <a:ea typeface="+mn-ea"/>
+              <a:cs typeface="+mn-cs"/>
+            </a:endParaRPr>
           </a:p>
         </p:txBody>
       </p:sp>
@@ -2564,7 +2304,7 @@
           <a:p>
             <a:fld id="{5736ACDF-04FC-4DBB-B953-CCA52D382957}" type="slidenum">
               <a:rPr lang="en-US" smtClean="0"/>
-              <a:t>11</a:t>
+              <a:t>13</a:t>
             </a:fld>
             <a:endParaRPr lang="en-US"/>
           </a:p>
@@ -2573,7 +2313,7 @@
     </p:spTree>
     <p:extLst>
       <p:ext uri="{BB962C8B-B14F-4D97-AF65-F5344CB8AC3E}">
-        <p14:creationId xmlns:p14="http://schemas.microsoft.com/office/powerpoint/2010/main" val="587377120"/>
+        <p14:creationId xmlns:p14="http://schemas.microsoft.com/office/powerpoint/2010/main" val="26959164"/>
       </p:ext>
     </p:extLst>
   </p:cSld>
@@ -2765,7 +2505,7 @@
             <a:fld id="{1D8BD707-D9CF-40AE-B4C6-C98DA3205C09}" type="datetimeFigureOut">
               <a:rPr lang="en-US" smtClean="0"/>
               <a:pPr/>
-              <a:t>11/15/14</a:t>
+              <a:t>12/3/14</a:t>
             </a:fld>
             <a:endParaRPr lang="en-US"/>
           </a:p>
@@ -2937,7 +2677,7 @@
             <a:fld id="{1D8BD707-D9CF-40AE-B4C6-C98DA3205C09}" type="datetimeFigureOut">
               <a:rPr lang="en-US" smtClean="0"/>
               <a:pPr/>
-              <a:t>11/15/14</a:t>
+              <a:t>12/3/14</a:t>
             </a:fld>
             <a:endParaRPr lang="en-US"/>
           </a:p>
@@ -3119,7 +2859,7 @@
             <a:fld id="{1D8BD707-D9CF-40AE-B4C6-C98DA3205C09}" type="datetimeFigureOut">
               <a:rPr lang="en-US" smtClean="0"/>
               <a:pPr/>
-              <a:t>11/15/14</a:t>
+              <a:t>12/3/14</a:t>
             </a:fld>
             <a:endParaRPr lang="en-US"/>
           </a:p>
@@ -3291,7 +3031,7 @@
             <a:fld id="{1D8BD707-D9CF-40AE-B4C6-C98DA3205C09}" type="datetimeFigureOut">
               <a:rPr lang="en-US" smtClean="0"/>
               <a:pPr/>
-              <a:t>11/15/14</a:t>
+              <a:t>12/3/14</a:t>
             </a:fld>
             <a:endParaRPr lang="en-US"/>
           </a:p>
@@ -3539,7 +3279,7 @@
             <a:fld id="{1D8BD707-D9CF-40AE-B4C6-C98DA3205C09}" type="datetimeFigureOut">
               <a:rPr lang="en-US" smtClean="0"/>
               <a:pPr/>
-              <a:t>11/15/14</a:t>
+              <a:t>12/3/14</a:t>
             </a:fld>
             <a:endParaRPr lang="en-US"/>
           </a:p>
@@ -3829,7 +3569,7 @@
             <a:fld id="{1D8BD707-D9CF-40AE-B4C6-C98DA3205C09}" type="datetimeFigureOut">
               <a:rPr lang="en-US" smtClean="0"/>
               <a:pPr/>
-              <a:t>11/15/14</a:t>
+              <a:t>12/3/14</a:t>
             </a:fld>
             <a:endParaRPr lang="en-US"/>
           </a:p>
@@ -4253,7 +3993,7 @@
             <a:fld id="{1D8BD707-D9CF-40AE-B4C6-C98DA3205C09}" type="datetimeFigureOut">
               <a:rPr lang="en-US" smtClean="0"/>
               <a:pPr/>
-              <a:t>11/15/14</a:t>
+              <a:t>12/3/14</a:t>
             </a:fld>
             <a:endParaRPr lang="en-US"/>
           </a:p>
@@ -4373,7 +4113,7 @@
             <a:fld id="{1D8BD707-D9CF-40AE-B4C6-C98DA3205C09}" type="datetimeFigureOut">
               <a:rPr lang="en-US" smtClean="0"/>
               <a:pPr/>
-              <a:t>11/15/14</a:t>
+              <a:t>12/3/14</a:t>
             </a:fld>
             <a:endParaRPr lang="en-US"/>
           </a:p>
@@ -4470,7 +4210,7 @@
             <a:fld id="{1D8BD707-D9CF-40AE-B4C6-C98DA3205C09}" type="datetimeFigureOut">
               <a:rPr lang="en-US" smtClean="0"/>
               <a:pPr/>
-              <a:t>11/15/14</a:t>
+              <a:t>12/3/14</a:t>
             </a:fld>
             <a:endParaRPr lang="en-US"/>
           </a:p>
@@ -4749,7 +4489,7 @@
             <a:fld id="{1D8BD707-D9CF-40AE-B4C6-C98DA3205C09}" type="datetimeFigureOut">
               <a:rPr lang="en-US" smtClean="0"/>
               <a:pPr/>
-              <a:t>11/15/14</a:t>
+              <a:t>12/3/14</a:t>
             </a:fld>
             <a:endParaRPr lang="en-US"/>
           </a:p>
@@ -5004,7 +4744,7 @@
             <a:fld id="{1D8BD707-D9CF-40AE-B4C6-C98DA3205C09}" type="datetimeFigureOut">
               <a:rPr lang="en-US" smtClean="0"/>
               <a:pPr/>
-              <a:t>11/15/14</a:t>
+              <a:t>12/3/14</a:t>
             </a:fld>
             <a:endParaRPr lang="en-US"/>
           </a:p>
@@ -5219,7 +4959,7 @@
             <a:fld id="{1D8BD707-D9CF-40AE-B4C6-C98DA3205C09}" type="datetimeFigureOut">
               <a:rPr lang="en-US" smtClean="0"/>
               <a:pPr/>
-              <a:t>11/15/14</a:t>
+              <a:t>12/3/14</a:t>
             </a:fld>
             <a:endParaRPr lang="en-US"/>
           </a:p>
@@ -5614,11 +5354,7 @@
           <a:p>
             <a:r>
               <a:rPr lang="en-US" dirty="0" smtClean="0"/>
-              <a:t>Managing </a:t>
-            </a:r>
-            <a:r>
-              <a:rPr lang="en-US" dirty="0" smtClean="0"/>
-              <a:t>People</a:t>
+              <a:t>Managing People</a:t>
             </a:r>
             <a:endParaRPr lang="en-US" dirty="0"/>
           </a:p>
@@ -5676,6 +5412,2492 @@
 </file>
 
 <file path=ppt/slides/slide10.xml><?xml version="1.0" encoding="utf-8"?>
+<p:sld xmlns:a="http://schemas.openxmlformats.org/drawingml/2006/main" xmlns:r="http://schemas.openxmlformats.org/officeDocument/2006/relationships" xmlns:p="http://schemas.openxmlformats.org/presentationml/2006/main">
+  <p:cSld>
+    <p:spTree>
+      <p:nvGrpSpPr>
+        <p:cNvPr id="1" name=""/>
+        <p:cNvGrpSpPr/>
+        <p:nvPr/>
+      </p:nvGrpSpPr>
+      <p:grpSpPr>
+        <a:xfrm>
+          <a:off x="0" y="0"/>
+          <a:ext cx="0" cy="0"/>
+          <a:chOff x="0" y="0"/>
+          <a:chExt cx="0" cy="0"/>
+        </a:xfrm>
+      </p:grpSpPr>
+      <p:sp>
+        <p:nvSpPr>
+          <p:cNvPr id="2" name="Title 1"/>
+          <p:cNvSpPr>
+            <a:spLocks noGrp="1"/>
+          </p:cNvSpPr>
+          <p:nvPr>
+            <p:ph type="title"/>
+          </p:nvPr>
+        </p:nvSpPr>
+        <p:spPr>
+          <a:xfrm>
+            <a:off x="5715000" y="152400"/>
+            <a:ext cx="2073348" cy="1979466"/>
+          </a:xfrm>
+        </p:spPr>
+        <p:txBody>
+          <a:bodyPr>
+            <a:normAutofit fontScale="90000"/>
+          </a:bodyPr>
+          <a:lstStyle/>
+          <a:p>
+            <a:r>
+              <a:rPr lang="en-US" dirty="0" smtClean="0"/>
+              <a:t>Be a Good Coach</a:t>
+            </a:r>
+            <a:endParaRPr lang="en-US" dirty="0"/>
+          </a:p>
+        </p:txBody>
+      </p:sp>
+      <p:pic>
+        <p:nvPicPr>
+          <p:cNvPr id="4" name="Content Placeholder 3"/>
+          <p:cNvPicPr>
+            <a:picLocks noGrp="1" noChangeAspect="1"/>
+          </p:cNvPicPr>
+          <p:nvPr>
+            <p:ph idx="1"/>
+          </p:nvPr>
+        </p:nvPicPr>
+        <p:blipFill>
+          <a:blip r:embed="rId2">
+            <a:extLst>
+              <a:ext uri="{28A0092B-C50C-407E-A947-70E740481C1C}">
+                <a14:useLocalDpi xmlns:a14="http://schemas.microsoft.com/office/drawing/2010/main" val="0"/>
+              </a:ext>
+            </a:extLst>
+          </a:blip>
+          <a:stretch>
+            <a:fillRect/>
+          </a:stretch>
+        </p:blipFill>
+        <p:spPr>
+          <a:xfrm>
+            <a:off x="1066800" y="1600200"/>
+            <a:ext cx="3650825" cy="3650825"/>
+          </a:xfrm>
+        </p:spPr>
+      </p:pic>
+    </p:spTree>
+    <p:extLst>
+      <p:ext uri="{BB962C8B-B14F-4D97-AF65-F5344CB8AC3E}">
+        <p14:creationId xmlns:p14="http://schemas.microsoft.com/office/powerpoint/2010/main" val="1127792506"/>
+      </p:ext>
+    </p:extLst>
+  </p:cSld>
+  <p:clrMapOvr>
+    <a:masterClrMapping/>
+  </p:clrMapOvr>
+  <mc:AlternateContent xmlns:mc="http://schemas.openxmlformats.org/markup-compatibility/2006" xmlns:p14="http://schemas.microsoft.com/office/powerpoint/2010/main">
+    <mc:Choice Requires="p14">
+      <p:transition spd="slow" p14:dur="2000"/>
+    </mc:Choice>
+    <mc:Fallback xmlns="">
+      <p:transition spd="slow"/>
+    </mc:Fallback>
+  </mc:AlternateContent>
+  <p:timing>
+    <p:tnLst>
+      <p:par>
+        <p:cTn xmlns:p14="http://schemas.microsoft.com/office/powerpoint/2010/main" id="1" dur="indefinite" restart="never" nodeType="tmRoot"/>
+      </p:par>
+    </p:tnLst>
+  </p:timing>
+</p:sld>
+</file>
+
+<file path=ppt/slides/slide11.xml><?xml version="1.0" encoding="utf-8"?>
+<p:sld xmlns:a="http://schemas.openxmlformats.org/drawingml/2006/main" xmlns:r="http://schemas.openxmlformats.org/officeDocument/2006/relationships" xmlns:p="http://schemas.openxmlformats.org/presentationml/2006/main">
+  <p:cSld>
+    <p:spTree>
+      <p:nvGrpSpPr>
+        <p:cNvPr id="1" name=""/>
+        <p:cNvGrpSpPr/>
+        <p:nvPr/>
+      </p:nvGrpSpPr>
+      <p:grpSpPr>
+        <a:xfrm>
+          <a:off x="0" y="0"/>
+          <a:ext cx="0" cy="0"/>
+          <a:chOff x="0" y="0"/>
+          <a:chExt cx="0" cy="0"/>
+        </a:xfrm>
+      </p:grpSpPr>
+      <p:sp>
+        <p:nvSpPr>
+          <p:cNvPr id="2" name="Title 1"/>
+          <p:cNvSpPr>
+            <a:spLocks noGrp="1"/>
+          </p:cNvSpPr>
+          <p:nvPr>
+            <p:ph type="title"/>
+          </p:nvPr>
+        </p:nvSpPr>
+        <p:spPr>
+          <a:xfrm>
+            <a:off x="5791200" y="0"/>
+            <a:ext cx="2759148" cy="1446066"/>
+          </a:xfrm>
+        </p:spPr>
+        <p:txBody>
+          <a:bodyPr>
+            <a:normAutofit/>
+          </a:bodyPr>
+          <a:lstStyle/>
+          <a:p>
+            <a:r>
+              <a:rPr lang="en-US" sz="3200" dirty="0" smtClean="0">
+                <a:solidFill>
+                  <a:schemeClr val="bg1"/>
+                </a:solidFill>
+              </a:rPr>
+              <a:t>Be a good coach</a:t>
+            </a:r>
+            <a:endParaRPr lang="en-US" sz="3200" dirty="0">
+              <a:solidFill>
+                <a:schemeClr val="bg1"/>
+              </a:solidFill>
+            </a:endParaRPr>
+          </a:p>
+        </p:txBody>
+      </p:sp>
+      <p:pic>
+        <p:nvPicPr>
+          <p:cNvPr id="4" name="Content Placeholder 3"/>
+          <p:cNvPicPr>
+            <a:picLocks noGrp="1" noChangeAspect="1"/>
+          </p:cNvPicPr>
+          <p:nvPr>
+            <p:ph idx="1"/>
+          </p:nvPr>
+        </p:nvPicPr>
+        <p:blipFill>
+          <a:blip r:embed="rId2">
+            <a:extLst>
+              <a:ext uri="{28A0092B-C50C-407E-A947-70E740481C1C}">
+                <a14:useLocalDpi xmlns:a14="http://schemas.microsoft.com/office/drawing/2010/main" val="0"/>
+              </a:ext>
+            </a:extLst>
+          </a:blip>
+          <a:stretch>
+            <a:fillRect/>
+          </a:stretch>
+        </p:blipFill>
+        <p:spPr>
+          <a:xfrm>
+            <a:off x="304800" y="1295400"/>
+            <a:ext cx="4055986" cy="2697163"/>
+          </a:xfrm>
+        </p:spPr>
+      </p:pic>
+      <p:pic>
+        <p:nvPicPr>
+          <p:cNvPr id="5" name="Picture 4"/>
+          <p:cNvPicPr>
+            <a:picLocks noChangeAspect="1"/>
+          </p:cNvPicPr>
+          <p:nvPr/>
+        </p:nvPicPr>
+        <p:blipFill>
+          <a:blip r:embed="rId3">
+            <a:extLst>
+              <a:ext uri="{28A0092B-C50C-407E-A947-70E740481C1C}">
+                <a14:useLocalDpi xmlns:a14="http://schemas.microsoft.com/office/drawing/2010/main" val="0"/>
+              </a:ext>
+            </a:extLst>
+          </a:blip>
+          <a:stretch>
+            <a:fillRect/>
+          </a:stretch>
+        </p:blipFill>
+        <p:spPr>
+          <a:xfrm>
+            <a:off x="4876800" y="1676400"/>
+            <a:ext cx="3556000" cy="5053263"/>
+          </a:xfrm>
+          <a:prstGeom prst="rect">
+            <a:avLst/>
+          </a:prstGeom>
+        </p:spPr>
+      </p:pic>
+      <p:sp>
+        <p:nvSpPr>
+          <p:cNvPr id="6" name="Title 1"/>
+          <p:cNvSpPr txBox="1">
+            <a:spLocks/>
+          </p:cNvSpPr>
+          <p:nvPr/>
+        </p:nvSpPr>
+        <p:spPr>
+          <a:xfrm>
+            <a:off x="1066800" y="4572000"/>
+            <a:ext cx="2073348" cy="1979466"/>
+          </a:xfrm>
+          <a:prstGeom prst="rect">
+            <a:avLst/>
+          </a:prstGeom>
+        </p:spPr>
+        <p:txBody>
+          <a:bodyPr vert="horz" lIns="91440" tIns="45720" rIns="91440" bIns="45720" rtlCol="0" anchor="ctr">
+            <a:normAutofit fontScale="97500" lnSpcReduction="10000"/>
+          </a:bodyPr>
+          <a:lstStyle>
+            <a:lvl1pPr algn="ctr" defTabSz="914400" rtl="0" eaLnBrk="1" latinLnBrk="0" hangingPunct="1">
+              <a:spcBef>
+                <a:spcPct val="0"/>
+              </a:spcBef>
+              <a:buNone/>
+              <a:defRPr sz="4400" kern="1200">
+                <a:solidFill>
+                  <a:schemeClr val="tx1"/>
+                </a:solidFill>
+                <a:latin typeface="+mj-lt"/>
+                <a:ea typeface="+mj-ea"/>
+                <a:cs typeface="+mj-cs"/>
+              </a:defRPr>
+            </a:lvl1pPr>
+          </a:lstStyle>
+          <a:p>
+            <a:r>
+              <a:rPr lang="en-US" smtClean="0"/>
+              <a:t>Be a Good Coach</a:t>
+            </a:r>
+            <a:endParaRPr lang="en-US" dirty="0"/>
+          </a:p>
+        </p:txBody>
+      </p:sp>
+    </p:spTree>
+    <p:extLst>
+      <p:ext uri="{BB962C8B-B14F-4D97-AF65-F5344CB8AC3E}">
+        <p14:creationId xmlns:p14="http://schemas.microsoft.com/office/powerpoint/2010/main" val="2459222177"/>
+      </p:ext>
+    </p:extLst>
+  </p:cSld>
+  <p:clrMapOvr>
+    <a:masterClrMapping/>
+  </p:clrMapOvr>
+  <mc:AlternateContent xmlns:mc="http://schemas.openxmlformats.org/markup-compatibility/2006" xmlns:p14="http://schemas.microsoft.com/office/powerpoint/2010/main">
+    <mc:Choice Requires="p14">
+      <p:transition spd="slow" p14:dur="2000"/>
+    </mc:Choice>
+    <mc:Fallback xmlns="">
+      <p:transition spd="slow"/>
+    </mc:Fallback>
+  </mc:AlternateContent>
+  <p:timing>
+    <p:tnLst>
+      <p:par>
+        <p:cTn xmlns:p14="http://schemas.microsoft.com/office/powerpoint/2010/main" id="1" dur="indefinite" restart="never" nodeType="tmRoot"/>
+      </p:par>
+    </p:tnLst>
+  </p:timing>
+</p:sld>
+</file>
+
+<file path=ppt/slides/slide12.xml><?xml version="1.0" encoding="utf-8"?>
+<p:sld xmlns:a="http://schemas.openxmlformats.org/drawingml/2006/main" xmlns:r="http://schemas.openxmlformats.org/officeDocument/2006/relationships" xmlns:p="http://schemas.openxmlformats.org/presentationml/2006/main">
+  <p:cSld>
+    <p:spTree>
+      <p:nvGrpSpPr>
+        <p:cNvPr id="1" name=""/>
+        <p:cNvGrpSpPr/>
+        <p:nvPr/>
+      </p:nvGrpSpPr>
+      <p:grpSpPr>
+        <a:xfrm>
+          <a:off x="0" y="0"/>
+          <a:ext cx="0" cy="0"/>
+          <a:chOff x="0" y="0"/>
+          <a:chExt cx="0" cy="0"/>
+        </a:xfrm>
+      </p:grpSpPr>
+      <p:pic>
+        <p:nvPicPr>
+          <p:cNvPr id="4" name="Picture 3"/>
+          <p:cNvPicPr>
+            <a:picLocks noChangeAspect="1"/>
+          </p:cNvPicPr>
+          <p:nvPr/>
+        </p:nvPicPr>
+        <p:blipFill>
+          <a:blip r:embed="rId3">
+            <a:extLst>
+              <a:ext uri="{28A0092B-C50C-407E-A947-70E740481C1C}">
+                <a14:useLocalDpi xmlns:a14="http://schemas.microsoft.com/office/drawing/2010/main" val="0"/>
+              </a:ext>
+            </a:extLst>
+          </a:blip>
+          <a:stretch>
+            <a:fillRect/>
+          </a:stretch>
+        </p:blipFill>
+        <p:spPr>
+          <a:xfrm>
+            <a:off x="0" y="0"/>
+            <a:ext cx="9144000" cy="6858000"/>
+          </a:xfrm>
+          <a:prstGeom prst="rect">
+            <a:avLst/>
+          </a:prstGeom>
+        </p:spPr>
+      </p:pic>
+      <p:sp>
+        <p:nvSpPr>
+          <p:cNvPr id="2" name="Title 1"/>
+          <p:cNvSpPr>
+            <a:spLocks noGrp="1"/>
+          </p:cNvSpPr>
+          <p:nvPr>
+            <p:ph type="title"/>
+          </p:nvPr>
+        </p:nvSpPr>
+        <p:spPr>
+          <a:xfrm>
+            <a:off x="-1676400" y="5682762"/>
+            <a:ext cx="8229600" cy="1143000"/>
+          </a:xfrm>
+        </p:spPr>
+        <p:txBody>
+          <a:bodyPr>
+            <a:normAutofit fontScale="90000"/>
+          </a:bodyPr>
+          <a:lstStyle/>
+          <a:p>
+            <a:r>
+              <a:rPr lang="en-US" dirty="0" smtClean="0"/>
+              <a:t>Empower Your</a:t>
+            </a:r>
+            <a:br>
+              <a:rPr lang="en-US" dirty="0" smtClean="0"/>
+            </a:br>
+            <a:r>
+              <a:rPr lang="en-US" dirty="0" smtClean="0"/>
+              <a:t> Players</a:t>
+            </a:r>
+            <a:endParaRPr lang="en-US" dirty="0"/>
+          </a:p>
+        </p:txBody>
+      </p:sp>
+    </p:spTree>
+    <p:extLst>
+      <p:ext uri="{BB962C8B-B14F-4D97-AF65-F5344CB8AC3E}">
+        <p14:creationId xmlns:p14="http://schemas.microsoft.com/office/powerpoint/2010/main" val="1836897595"/>
+      </p:ext>
+    </p:extLst>
+  </p:cSld>
+  <p:clrMapOvr>
+    <a:masterClrMapping/>
+  </p:clrMapOvr>
+  <p:timing>
+    <p:tnLst>
+      <p:par>
+        <p:cTn xmlns:p14="http://schemas.microsoft.com/office/powerpoint/2010/main" id="1" dur="indefinite" restart="never" nodeType="tmRoot"/>
+      </p:par>
+    </p:tnLst>
+  </p:timing>
+</p:sld>
+</file>
+
+<file path=ppt/slides/slide13.xml><?xml version="1.0" encoding="utf-8"?>
+<p:sld xmlns:a="http://schemas.openxmlformats.org/drawingml/2006/main" xmlns:r="http://schemas.openxmlformats.org/officeDocument/2006/relationships" xmlns:p="http://schemas.openxmlformats.org/presentationml/2006/main">
+  <p:cSld>
+    <p:spTree>
+      <p:nvGrpSpPr>
+        <p:cNvPr id="1" name=""/>
+        <p:cNvGrpSpPr/>
+        <p:nvPr/>
+      </p:nvGrpSpPr>
+      <p:grpSpPr>
+        <a:xfrm>
+          <a:off x="0" y="0"/>
+          <a:ext cx="0" cy="0"/>
+          <a:chOff x="0" y="0"/>
+          <a:chExt cx="0" cy="0"/>
+        </a:xfrm>
+      </p:grpSpPr>
+      <p:sp>
+        <p:nvSpPr>
+          <p:cNvPr id="2" name="Title 1"/>
+          <p:cNvSpPr>
+            <a:spLocks noGrp="1"/>
+          </p:cNvSpPr>
+          <p:nvPr>
+            <p:ph type="title"/>
+          </p:nvPr>
+        </p:nvSpPr>
+        <p:spPr>
+          <a:xfrm>
+            <a:off x="3276600" y="5486400"/>
+            <a:ext cx="8229600" cy="1143000"/>
+          </a:xfrm>
+        </p:spPr>
+        <p:txBody>
+          <a:bodyPr>
+            <a:normAutofit fontScale="90000"/>
+          </a:bodyPr>
+          <a:lstStyle/>
+          <a:p>
+            <a:r>
+              <a:rPr lang="en-US" dirty="0" smtClean="0"/>
+              <a:t>Ask About </a:t>
+            </a:r>
+            <a:br>
+              <a:rPr lang="en-US" dirty="0" smtClean="0"/>
+            </a:br>
+            <a:r>
+              <a:rPr lang="en-US" dirty="0" smtClean="0"/>
+              <a:t>Their Dog…</a:t>
+            </a:r>
+            <a:endParaRPr lang="en-US" dirty="0"/>
+          </a:p>
+        </p:txBody>
+      </p:sp>
+      <p:pic>
+        <p:nvPicPr>
+          <p:cNvPr id="5" name="Picture 4"/>
+          <p:cNvPicPr>
+            <a:picLocks noChangeAspect="1"/>
+          </p:cNvPicPr>
+          <p:nvPr/>
+        </p:nvPicPr>
+        <p:blipFill>
+          <a:blip r:embed="rId3">
+            <a:extLst>
+              <a:ext uri="{28A0092B-C50C-407E-A947-70E740481C1C}">
+                <a14:useLocalDpi xmlns:a14="http://schemas.microsoft.com/office/drawing/2010/main" val="0"/>
+              </a:ext>
+            </a:extLst>
+          </a:blip>
+          <a:stretch>
+            <a:fillRect/>
+          </a:stretch>
+        </p:blipFill>
+        <p:spPr>
+          <a:xfrm>
+            <a:off x="-1447800" y="304800"/>
+            <a:ext cx="8940800" cy="5029200"/>
+          </a:xfrm>
+          <a:prstGeom prst="rect">
+            <a:avLst/>
+          </a:prstGeom>
+        </p:spPr>
+      </p:pic>
+    </p:spTree>
+    <p:extLst>
+      <p:ext uri="{BB962C8B-B14F-4D97-AF65-F5344CB8AC3E}">
+        <p14:creationId xmlns:p14="http://schemas.microsoft.com/office/powerpoint/2010/main" val="1311489399"/>
+      </p:ext>
+    </p:extLst>
+  </p:cSld>
+  <p:clrMapOvr>
+    <a:masterClrMapping/>
+  </p:clrMapOvr>
+  <mc:AlternateContent xmlns:mc="http://schemas.openxmlformats.org/markup-compatibility/2006" xmlns:p14="http://schemas.microsoft.com/office/powerpoint/2010/main">
+    <mc:Choice Requires="p14">
+      <p:transition spd="slow" p14:dur="2000"/>
+    </mc:Choice>
+    <mc:Fallback xmlns="">
+      <p:transition spd="slow"/>
+    </mc:Fallback>
+  </mc:AlternateContent>
+  <p:timing>
+    <p:tnLst>
+      <p:par>
+        <p:cTn xmlns:p14="http://schemas.microsoft.com/office/powerpoint/2010/main" id="1" dur="indefinite" restart="never" nodeType="tmRoot"/>
+      </p:par>
+    </p:tnLst>
+  </p:timing>
+</p:sld>
+</file>
+
+<file path=ppt/slides/slide14.xml><?xml version="1.0" encoding="utf-8"?>
+<p:sld xmlns:a="http://schemas.openxmlformats.org/drawingml/2006/main" xmlns:r="http://schemas.openxmlformats.org/officeDocument/2006/relationships" xmlns:p="http://schemas.openxmlformats.org/presentationml/2006/main">
+  <p:cSld>
+    <p:spTree>
+      <p:nvGrpSpPr>
+        <p:cNvPr id="1" name=""/>
+        <p:cNvGrpSpPr/>
+        <p:nvPr/>
+      </p:nvGrpSpPr>
+      <p:grpSpPr>
+        <a:xfrm>
+          <a:off x="0" y="0"/>
+          <a:ext cx="0" cy="0"/>
+          <a:chOff x="0" y="0"/>
+          <a:chExt cx="0" cy="0"/>
+        </a:xfrm>
+      </p:grpSpPr>
+      <p:sp>
+        <p:nvSpPr>
+          <p:cNvPr id="2" name="Title 1"/>
+          <p:cNvSpPr>
+            <a:spLocks noGrp="1"/>
+          </p:cNvSpPr>
+          <p:nvPr>
+            <p:ph type="title"/>
+          </p:nvPr>
+        </p:nvSpPr>
+        <p:spPr>
+          <a:xfrm>
+            <a:off x="1066800" y="4859699"/>
+            <a:ext cx="5410200" cy="1143000"/>
+          </a:xfrm>
+        </p:spPr>
+        <p:txBody>
+          <a:bodyPr>
+            <a:normAutofit fontScale="90000"/>
+          </a:bodyPr>
+          <a:lstStyle/>
+          <a:p>
+            <a:r>
+              <a:rPr lang="en-US" dirty="0" smtClean="0"/>
+              <a:t>Don’t Be </a:t>
+            </a:r>
+            <a:br>
+              <a:rPr lang="en-US" dirty="0" smtClean="0"/>
+            </a:br>
+            <a:r>
+              <a:rPr lang="en-US" dirty="0" smtClean="0"/>
+              <a:t>a Doormat</a:t>
+            </a:r>
+            <a:endParaRPr lang="en-US" dirty="0"/>
+          </a:p>
+        </p:txBody>
+      </p:sp>
+      <p:pic>
+        <p:nvPicPr>
+          <p:cNvPr id="5" name="Picture 4"/>
+          <p:cNvPicPr>
+            <a:picLocks noChangeAspect="1"/>
+          </p:cNvPicPr>
+          <p:nvPr/>
+        </p:nvPicPr>
+        <p:blipFill>
+          <a:blip r:embed="rId3">
+            <a:extLst>
+              <a:ext uri="{28A0092B-C50C-407E-A947-70E740481C1C}">
+                <a14:useLocalDpi xmlns:a14="http://schemas.microsoft.com/office/drawing/2010/main" val="0"/>
+              </a:ext>
+            </a:extLst>
+          </a:blip>
+          <a:stretch>
+            <a:fillRect/>
+          </a:stretch>
+        </p:blipFill>
+        <p:spPr>
+          <a:xfrm>
+            <a:off x="304800" y="-32238"/>
+            <a:ext cx="9144000" cy="4891937"/>
+          </a:xfrm>
+          <a:prstGeom prst="rect">
+            <a:avLst/>
+          </a:prstGeom>
+        </p:spPr>
+      </p:pic>
+    </p:spTree>
+    <p:extLst>
+      <p:ext uri="{BB962C8B-B14F-4D97-AF65-F5344CB8AC3E}">
+        <p14:creationId xmlns:p14="http://schemas.microsoft.com/office/powerpoint/2010/main" val="2538764913"/>
+      </p:ext>
+    </p:extLst>
+  </p:cSld>
+  <p:clrMapOvr>
+    <a:masterClrMapping/>
+  </p:clrMapOvr>
+  <mc:AlternateContent xmlns:mc="http://schemas.openxmlformats.org/markup-compatibility/2006" xmlns:p14="http://schemas.microsoft.com/office/powerpoint/2010/main">
+    <mc:Choice Requires="p14">
+      <p:transition spd="slow" p14:dur="2000"/>
+    </mc:Choice>
+    <mc:Fallback xmlns="">
+      <p:transition spd="slow"/>
+    </mc:Fallback>
+  </mc:AlternateContent>
+  <p:timing>
+    <p:tnLst>
+      <p:par>
+        <p:cTn xmlns:p14="http://schemas.microsoft.com/office/powerpoint/2010/main" id="1" dur="indefinite" restart="never" nodeType="tmRoot"/>
+      </p:par>
+    </p:tnLst>
+  </p:timing>
+</p:sld>
+</file>
+
+<file path=ppt/slides/slide15.xml><?xml version="1.0" encoding="utf-8"?>
+<p:sld xmlns:a="http://schemas.openxmlformats.org/drawingml/2006/main" xmlns:r="http://schemas.openxmlformats.org/officeDocument/2006/relationships" xmlns:p="http://schemas.openxmlformats.org/presentationml/2006/main">
+  <p:cSld>
+    <p:spTree>
+      <p:nvGrpSpPr>
+        <p:cNvPr id="1" name=""/>
+        <p:cNvGrpSpPr/>
+        <p:nvPr/>
+      </p:nvGrpSpPr>
+      <p:grpSpPr>
+        <a:xfrm>
+          <a:off x="0" y="0"/>
+          <a:ext cx="0" cy="0"/>
+          <a:chOff x="0" y="0"/>
+          <a:chExt cx="0" cy="0"/>
+        </a:xfrm>
+      </p:grpSpPr>
+      <p:sp>
+        <p:nvSpPr>
+          <p:cNvPr id="2" name="Title 1"/>
+          <p:cNvSpPr>
+            <a:spLocks noGrp="1"/>
+          </p:cNvSpPr>
+          <p:nvPr>
+            <p:ph type="title"/>
+          </p:nvPr>
+        </p:nvSpPr>
+        <p:spPr>
+          <a:xfrm>
+            <a:off x="24284" y="1295400"/>
+            <a:ext cx="5029200" cy="1143000"/>
+          </a:xfrm>
+        </p:spPr>
+        <p:txBody>
+          <a:bodyPr/>
+          <a:lstStyle/>
+          <a:p>
+            <a:r>
+              <a:rPr lang="en-US" dirty="0" smtClean="0"/>
+              <a:t>Communicate</a:t>
+            </a:r>
+            <a:endParaRPr lang="en-US" dirty="0"/>
+          </a:p>
+        </p:txBody>
+      </p:sp>
+      <p:sp>
+        <p:nvSpPr>
+          <p:cNvPr id="4" name="TextBox 3"/>
+          <p:cNvSpPr txBox="1"/>
+          <p:nvPr/>
+        </p:nvSpPr>
+        <p:spPr>
+          <a:xfrm>
+            <a:off x="6172200" y="4648200"/>
+            <a:ext cx="1526765" cy="769441"/>
+          </a:xfrm>
+          <a:prstGeom prst="rect">
+            <a:avLst/>
+          </a:prstGeom>
+          <a:noFill/>
+        </p:spPr>
+        <p:txBody>
+          <a:bodyPr wrap="none" rtlCol="0">
+            <a:spAutoFit/>
+          </a:bodyPr>
+          <a:lstStyle/>
+          <a:p>
+            <a:r>
+              <a:rPr lang="en-US" sz="4400" dirty="0" smtClean="0"/>
+              <a:t>Listen</a:t>
+            </a:r>
+            <a:endParaRPr lang="en-US" sz="4400" dirty="0"/>
+          </a:p>
+        </p:txBody>
+      </p:sp>
+    </p:spTree>
+    <p:extLst>
+      <p:ext uri="{BB962C8B-B14F-4D97-AF65-F5344CB8AC3E}">
+        <p14:creationId xmlns:p14="http://schemas.microsoft.com/office/powerpoint/2010/main" val="2815731786"/>
+      </p:ext>
+    </p:extLst>
+  </p:cSld>
+  <p:clrMapOvr>
+    <a:masterClrMapping/>
+  </p:clrMapOvr>
+  <mc:AlternateContent xmlns:mc="http://schemas.openxmlformats.org/markup-compatibility/2006" xmlns:p14="http://schemas.microsoft.com/office/powerpoint/2010/main">
+    <mc:Choice Requires="p14">
+      <p:transition spd="slow" p14:dur="2000"/>
+    </mc:Choice>
+    <mc:Fallback xmlns="">
+      <p:transition spd="slow"/>
+    </mc:Fallback>
+  </mc:AlternateContent>
+  <p:timing>
+    <p:tnLst>
+      <p:par>
+        <p:cTn xmlns:p14="http://schemas.microsoft.com/office/powerpoint/2010/main" id="1" dur="indefinite" restart="never" nodeType="tmRoot">
+          <p:childTnLst>
+            <p:seq concurrent="1" nextAc="seek">
+              <p:cTn id="2" dur="indefinite" nodeType="mainSeq">
+                <p:childTnLst>
+                  <p:par>
+                    <p:cTn id="3" fill="hold">
+                      <p:stCondLst>
+                        <p:cond delay="indefinite"/>
+                      </p:stCondLst>
+                      <p:childTnLst>
+                        <p:par>
+                          <p:cTn id="4" fill="hold">
+                            <p:stCondLst>
+                              <p:cond delay="0"/>
+                            </p:stCondLst>
+                            <p:childTnLst>
+                              <p:par>
+                                <p:cTn id="5" presetID="1" presetClass="entr" presetSubtype="0" fill="hold" grpId="0" nodeType="clickEffect">
+                                  <p:stCondLst>
+                                    <p:cond delay="0"/>
+                                  </p:stCondLst>
+                                  <p:childTnLst>
+                                    <p:set>
+                                      <p:cBhvr>
+                                        <p:cTn id="6" dur="1" fill="hold">
+                                          <p:stCondLst>
+                                            <p:cond delay="0"/>
+                                          </p:stCondLst>
+                                        </p:cTn>
+                                        <p:tgtEl>
+                                          <p:spTgt spid="4"/>
+                                        </p:tgtEl>
+                                        <p:attrNameLst>
+                                          <p:attrName>style.visibility</p:attrName>
+                                        </p:attrNameLst>
+                                      </p:cBhvr>
+                                      <p:to>
+                                        <p:strVal val="visible"/>
+                                      </p:to>
+                                    </p:set>
+                                  </p:childTnLst>
+                                </p:cTn>
+                              </p:par>
+                            </p:childTnLst>
+                          </p:cTn>
+                        </p:par>
+                      </p:childTnLst>
+                    </p:cTn>
+                  </p:par>
+                </p:childTnLst>
+              </p:cTn>
+              <p:prevCondLst>
+                <p:cond evt="onPrev" delay="0">
+                  <p:tgtEl>
+                    <p:sldTgt/>
+                  </p:tgtEl>
+                </p:cond>
+              </p:prevCondLst>
+              <p:nextCondLst>
+                <p:cond evt="onNext" delay="0">
+                  <p:tgtEl>
+                    <p:sldTgt/>
+                  </p:tgtEl>
+                </p:cond>
+              </p:nextCondLst>
+            </p:seq>
+          </p:childTnLst>
+        </p:cTn>
+      </p:par>
+    </p:tnLst>
+    <p:bldLst>
+      <p:bldP spid="4" grpId="0"/>
+    </p:bldLst>
+  </p:timing>
+</p:sld>
+</file>
+
+<file path=ppt/slides/slide16.xml><?xml version="1.0" encoding="utf-8"?>
+<p:sld xmlns:a="http://schemas.openxmlformats.org/drawingml/2006/main" xmlns:r="http://schemas.openxmlformats.org/officeDocument/2006/relationships" xmlns:p="http://schemas.openxmlformats.org/presentationml/2006/main">
+  <p:cSld>
+    <p:spTree>
+      <p:nvGrpSpPr>
+        <p:cNvPr id="1" name=""/>
+        <p:cNvGrpSpPr/>
+        <p:nvPr/>
+      </p:nvGrpSpPr>
+      <p:grpSpPr>
+        <a:xfrm>
+          <a:off x="0" y="0"/>
+          <a:ext cx="0" cy="0"/>
+          <a:chOff x="0" y="0"/>
+          <a:chExt cx="0" cy="0"/>
+        </a:xfrm>
+      </p:grpSpPr>
+      <p:sp>
+        <p:nvSpPr>
+          <p:cNvPr id="2" name="Title 1"/>
+          <p:cNvSpPr>
+            <a:spLocks noGrp="1"/>
+          </p:cNvSpPr>
+          <p:nvPr>
+            <p:ph type="title"/>
+          </p:nvPr>
+        </p:nvSpPr>
+        <p:spPr>
+          <a:xfrm>
+            <a:off x="2590800" y="1219200"/>
+            <a:ext cx="8229600" cy="1143000"/>
+          </a:xfrm>
+        </p:spPr>
+        <p:txBody>
+          <a:bodyPr>
+            <a:normAutofit fontScale="90000"/>
+          </a:bodyPr>
+          <a:lstStyle/>
+          <a:p>
+            <a:r>
+              <a:rPr lang="en-US" dirty="0" smtClean="0"/>
+              <a:t>Develop Their </a:t>
+            </a:r>
+            <a:br>
+              <a:rPr lang="en-US" dirty="0" smtClean="0"/>
+            </a:br>
+            <a:r>
+              <a:rPr lang="en-US" dirty="0" smtClean="0"/>
+              <a:t>Career</a:t>
+            </a:r>
+            <a:endParaRPr lang="en-US" dirty="0"/>
+          </a:p>
+        </p:txBody>
+      </p:sp>
+      <p:sp>
+        <p:nvSpPr>
+          <p:cNvPr id="4" name="TextBox 3"/>
+          <p:cNvSpPr txBox="1"/>
+          <p:nvPr/>
+        </p:nvSpPr>
+        <p:spPr>
+          <a:xfrm>
+            <a:off x="152400" y="3482370"/>
+            <a:ext cx="6684651" cy="1569660"/>
+          </a:xfrm>
+          <a:prstGeom prst="rect">
+            <a:avLst/>
+          </a:prstGeom>
+          <a:noFill/>
+        </p:spPr>
+        <p:txBody>
+          <a:bodyPr wrap="none" rtlCol="0">
+            <a:spAutoFit/>
+          </a:bodyPr>
+          <a:lstStyle/>
+          <a:p>
+            <a:pPr algn="ctr"/>
+            <a:r>
+              <a:rPr lang="en-US" sz="4800" b="1" dirty="0" smtClean="0">
+                <a:solidFill>
+                  <a:schemeClr val="bg2">
+                    <a:lumMod val="50000"/>
+                  </a:schemeClr>
+                </a:solidFill>
+              </a:rPr>
+              <a:t>What Do You Want To Be </a:t>
+            </a:r>
+          </a:p>
+          <a:p>
+            <a:pPr algn="ctr"/>
+            <a:r>
+              <a:rPr lang="en-US" sz="4800" b="1" dirty="0" smtClean="0"/>
+              <a:t>When You Grow Up?</a:t>
+            </a:r>
+            <a:endParaRPr lang="en-US" sz="4800" b="1" dirty="0"/>
+          </a:p>
+        </p:txBody>
+      </p:sp>
+    </p:spTree>
+    <p:extLst>
+      <p:ext uri="{BB962C8B-B14F-4D97-AF65-F5344CB8AC3E}">
+        <p14:creationId xmlns:p14="http://schemas.microsoft.com/office/powerpoint/2010/main" val="267163767"/>
+      </p:ext>
+    </p:extLst>
+  </p:cSld>
+  <p:clrMapOvr>
+    <a:masterClrMapping/>
+  </p:clrMapOvr>
+  <mc:AlternateContent xmlns:mc="http://schemas.openxmlformats.org/markup-compatibility/2006" xmlns:p14="http://schemas.microsoft.com/office/powerpoint/2010/main">
+    <mc:Choice Requires="p14">
+      <p:transition spd="slow" p14:dur="2000"/>
+    </mc:Choice>
+    <mc:Fallback xmlns="">
+      <p:transition spd="slow"/>
+    </mc:Fallback>
+  </mc:AlternateContent>
+  <p:timing>
+    <p:tnLst>
+      <p:par>
+        <p:cTn xmlns:p14="http://schemas.microsoft.com/office/powerpoint/2010/main" id="1" dur="indefinite" restart="never" nodeType="tmRoot">
+          <p:childTnLst>
+            <p:seq concurrent="1" nextAc="seek">
+              <p:cTn id="2" dur="indefinite" nodeType="mainSeq">
+                <p:childTnLst>
+                  <p:par>
+                    <p:cTn id="3" fill="hold">
+                      <p:stCondLst>
+                        <p:cond delay="indefinite"/>
+                      </p:stCondLst>
+                      <p:childTnLst>
+                        <p:par>
+                          <p:cTn id="4" fill="hold">
+                            <p:stCondLst>
+                              <p:cond delay="0"/>
+                            </p:stCondLst>
+                            <p:childTnLst>
+                              <p:par>
+                                <p:cTn id="5" presetID="1" presetClass="entr" presetSubtype="0" fill="hold" grpId="0" nodeType="clickEffect">
+                                  <p:stCondLst>
+                                    <p:cond delay="0"/>
+                                  </p:stCondLst>
+                                  <p:childTnLst>
+                                    <p:set>
+                                      <p:cBhvr>
+                                        <p:cTn id="6" dur="1" fill="hold">
+                                          <p:stCondLst>
+                                            <p:cond delay="0"/>
+                                          </p:stCondLst>
+                                        </p:cTn>
+                                        <p:tgtEl>
+                                          <p:spTgt spid="4"/>
+                                        </p:tgtEl>
+                                        <p:attrNameLst>
+                                          <p:attrName>style.visibility</p:attrName>
+                                        </p:attrNameLst>
+                                      </p:cBhvr>
+                                      <p:to>
+                                        <p:strVal val="visible"/>
+                                      </p:to>
+                                    </p:set>
+                                  </p:childTnLst>
+                                </p:cTn>
+                              </p:par>
+                            </p:childTnLst>
+                          </p:cTn>
+                        </p:par>
+                      </p:childTnLst>
+                    </p:cTn>
+                  </p:par>
+                </p:childTnLst>
+              </p:cTn>
+              <p:prevCondLst>
+                <p:cond evt="onPrev" delay="0">
+                  <p:tgtEl>
+                    <p:sldTgt/>
+                  </p:tgtEl>
+                </p:cond>
+              </p:prevCondLst>
+              <p:nextCondLst>
+                <p:cond evt="onNext" delay="0">
+                  <p:tgtEl>
+                    <p:sldTgt/>
+                  </p:tgtEl>
+                </p:cond>
+              </p:nextCondLst>
+            </p:seq>
+          </p:childTnLst>
+        </p:cTn>
+      </p:par>
+    </p:tnLst>
+    <p:bldLst>
+      <p:bldP spid="4" grpId="0"/>
+    </p:bldLst>
+  </p:timing>
+</p:sld>
+</file>
+
+<file path=ppt/slides/slide17.xml><?xml version="1.0" encoding="utf-8"?>
+<p:sld xmlns:a="http://schemas.openxmlformats.org/drawingml/2006/main" xmlns:r="http://schemas.openxmlformats.org/officeDocument/2006/relationships" xmlns:p="http://schemas.openxmlformats.org/presentationml/2006/main">
+  <p:cSld>
+    <p:spTree>
+      <p:nvGrpSpPr>
+        <p:cNvPr id="1" name=""/>
+        <p:cNvGrpSpPr/>
+        <p:nvPr/>
+      </p:nvGrpSpPr>
+      <p:grpSpPr>
+        <a:xfrm>
+          <a:off x="0" y="0"/>
+          <a:ext cx="0" cy="0"/>
+          <a:chOff x="0" y="0"/>
+          <a:chExt cx="0" cy="0"/>
+        </a:xfrm>
+      </p:grpSpPr>
+      <p:sp>
+        <p:nvSpPr>
+          <p:cNvPr id="2" name="Title 1"/>
+          <p:cNvSpPr>
+            <a:spLocks noGrp="1"/>
+          </p:cNvSpPr>
+          <p:nvPr>
+            <p:ph type="title"/>
+          </p:nvPr>
+        </p:nvSpPr>
+        <p:spPr>
+          <a:xfrm>
+            <a:off x="2590800" y="1219200"/>
+            <a:ext cx="8229600" cy="1143000"/>
+          </a:xfrm>
+        </p:spPr>
+        <p:txBody>
+          <a:bodyPr>
+            <a:normAutofit fontScale="90000"/>
+          </a:bodyPr>
+          <a:lstStyle/>
+          <a:p>
+            <a:r>
+              <a:rPr lang="en-US" dirty="0" smtClean="0"/>
+              <a:t>Develop Their </a:t>
+            </a:r>
+            <a:br>
+              <a:rPr lang="en-US" dirty="0" smtClean="0"/>
+            </a:br>
+            <a:r>
+              <a:rPr lang="en-US" dirty="0" smtClean="0"/>
+              <a:t>Career</a:t>
+            </a:r>
+            <a:endParaRPr lang="en-US" dirty="0"/>
+          </a:p>
+        </p:txBody>
+      </p:sp>
+      <p:sp>
+        <p:nvSpPr>
+          <p:cNvPr id="4" name="TextBox 3"/>
+          <p:cNvSpPr txBox="1"/>
+          <p:nvPr/>
+        </p:nvSpPr>
+        <p:spPr>
+          <a:xfrm>
+            <a:off x="121747" y="3482370"/>
+            <a:ext cx="6745957" cy="1569660"/>
+          </a:xfrm>
+          <a:prstGeom prst="rect">
+            <a:avLst/>
+          </a:prstGeom>
+          <a:noFill/>
+        </p:spPr>
+        <p:txBody>
+          <a:bodyPr wrap="none" rtlCol="0">
+            <a:spAutoFit/>
+          </a:bodyPr>
+          <a:lstStyle/>
+          <a:p>
+            <a:pPr algn="ctr"/>
+            <a:r>
+              <a:rPr lang="en-US" sz="4800" b="1" dirty="0" smtClean="0">
+                <a:solidFill>
+                  <a:schemeClr val="bg2">
+                    <a:lumMod val="50000"/>
+                  </a:schemeClr>
+                </a:solidFill>
+              </a:rPr>
+              <a:t>What Do You Want </a:t>
+            </a:r>
+            <a:r>
+              <a:rPr lang="en-US" sz="4800" b="1" smtClean="0">
+                <a:solidFill>
+                  <a:schemeClr val="bg2">
+                    <a:lumMod val="50000"/>
+                  </a:schemeClr>
+                </a:solidFill>
+              </a:rPr>
+              <a:t>To Do</a:t>
+            </a:r>
+            <a:endParaRPr lang="en-US" sz="4800" b="1" dirty="0" smtClean="0">
+              <a:solidFill>
+                <a:schemeClr val="bg2">
+                  <a:lumMod val="50000"/>
+                </a:schemeClr>
+              </a:solidFill>
+            </a:endParaRPr>
+          </a:p>
+          <a:p>
+            <a:pPr algn="ctr"/>
+            <a:r>
+              <a:rPr lang="en-US" sz="4800" b="1" dirty="0" smtClean="0"/>
+              <a:t>When You Grow Up?</a:t>
+            </a:r>
+            <a:endParaRPr lang="en-US" sz="4800" b="1" dirty="0"/>
+          </a:p>
+        </p:txBody>
+      </p:sp>
+    </p:spTree>
+    <p:extLst>
+      <p:ext uri="{BB962C8B-B14F-4D97-AF65-F5344CB8AC3E}">
+        <p14:creationId xmlns:p14="http://schemas.microsoft.com/office/powerpoint/2010/main" val="202231670"/>
+      </p:ext>
+    </p:extLst>
+  </p:cSld>
+  <p:clrMapOvr>
+    <a:masterClrMapping/>
+  </p:clrMapOvr>
+  <mc:AlternateContent xmlns:mc="http://schemas.openxmlformats.org/markup-compatibility/2006" xmlns:p14="http://schemas.microsoft.com/office/powerpoint/2010/main">
+    <mc:Choice Requires="p14">
+      <p:transition spd="slow" p14:dur="2000"/>
+    </mc:Choice>
+    <mc:Fallback xmlns="">
+      <p:transition spd="slow"/>
+    </mc:Fallback>
+  </mc:AlternateContent>
+  <p:timing>
+    <p:tnLst>
+      <p:par>
+        <p:cTn xmlns:p14="http://schemas.microsoft.com/office/powerpoint/2010/main" id="1" dur="indefinite" restart="never" nodeType="tmRoot"/>
+      </p:par>
+    </p:tnLst>
+  </p:timing>
+</p:sld>
+</file>
+
+<file path=ppt/slides/slide18.xml><?xml version="1.0" encoding="utf-8"?>
+<p:sld xmlns:a="http://schemas.openxmlformats.org/drawingml/2006/main" xmlns:r="http://schemas.openxmlformats.org/officeDocument/2006/relationships" xmlns:p="http://schemas.openxmlformats.org/presentationml/2006/main">
+  <p:cSld>
+    <p:spTree>
+      <p:nvGrpSpPr>
+        <p:cNvPr id="1" name=""/>
+        <p:cNvGrpSpPr/>
+        <p:nvPr/>
+      </p:nvGrpSpPr>
+      <p:grpSpPr>
+        <a:xfrm>
+          <a:off x="0" y="0"/>
+          <a:ext cx="0" cy="0"/>
+          <a:chOff x="0" y="0"/>
+          <a:chExt cx="0" cy="0"/>
+        </a:xfrm>
+      </p:grpSpPr>
+      <p:sp>
+        <p:nvSpPr>
+          <p:cNvPr id="2" name="Title 1"/>
+          <p:cNvSpPr>
+            <a:spLocks noGrp="1"/>
+          </p:cNvSpPr>
+          <p:nvPr>
+            <p:ph type="title"/>
+          </p:nvPr>
+        </p:nvSpPr>
+        <p:spPr>
+          <a:xfrm>
+            <a:off x="3505200" y="762000"/>
+            <a:ext cx="8229600" cy="1143000"/>
+          </a:xfrm>
+        </p:spPr>
+        <p:txBody>
+          <a:bodyPr>
+            <a:normAutofit fontScale="90000"/>
+          </a:bodyPr>
+          <a:lstStyle/>
+          <a:p>
+            <a:r>
+              <a:rPr lang="en-US" dirty="0" smtClean="0"/>
+              <a:t>Clear </a:t>
+            </a:r>
+            <a:br>
+              <a:rPr lang="en-US" dirty="0" smtClean="0"/>
+            </a:br>
+            <a:r>
+              <a:rPr lang="en-US" dirty="0" smtClean="0"/>
+              <a:t>Vision</a:t>
+            </a:r>
+            <a:endParaRPr lang="en-US" dirty="0"/>
+          </a:p>
+        </p:txBody>
+      </p:sp>
+      <p:pic>
+        <p:nvPicPr>
+          <p:cNvPr id="4" name="Content Placeholder 3"/>
+          <p:cNvPicPr>
+            <a:picLocks noGrp="1" noChangeAspect="1"/>
+          </p:cNvPicPr>
+          <p:nvPr>
+            <p:ph idx="1"/>
+          </p:nvPr>
+        </p:nvPicPr>
+        <p:blipFill>
+          <a:blip r:embed="rId3" cstate="print">
+            <a:extLst>
+              <a:ext uri="{28A0092B-C50C-407E-A947-70E740481C1C}">
+                <a14:useLocalDpi xmlns:a14="http://schemas.microsoft.com/office/drawing/2010/main" val="0"/>
+              </a:ext>
+            </a:extLst>
+          </a:blip>
+          <a:stretch>
+            <a:fillRect/>
+          </a:stretch>
+        </p:blipFill>
+        <p:spPr>
+          <a:xfrm>
+            <a:off x="228600" y="609600"/>
+            <a:ext cx="4876800" cy="3226509"/>
+          </a:xfrm>
+        </p:spPr>
+      </p:pic>
+      <p:pic>
+        <p:nvPicPr>
+          <p:cNvPr id="5" name="Picture 4"/>
+          <p:cNvPicPr>
+            <a:picLocks noChangeAspect="1"/>
+          </p:cNvPicPr>
+          <p:nvPr/>
+        </p:nvPicPr>
+        <p:blipFill>
+          <a:blip r:embed="rId4">
+            <a:extLst>
+              <a:ext uri="{28A0092B-C50C-407E-A947-70E740481C1C}">
+                <a14:useLocalDpi xmlns:a14="http://schemas.microsoft.com/office/drawing/2010/main" val="0"/>
+              </a:ext>
+            </a:extLst>
+          </a:blip>
+          <a:stretch>
+            <a:fillRect/>
+          </a:stretch>
+        </p:blipFill>
+        <p:spPr>
+          <a:xfrm>
+            <a:off x="4114800" y="3276600"/>
+            <a:ext cx="4915507" cy="3271215"/>
+          </a:xfrm>
+          <a:prstGeom prst="rect">
+            <a:avLst/>
+          </a:prstGeom>
+        </p:spPr>
+      </p:pic>
+      <p:sp>
+        <p:nvSpPr>
+          <p:cNvPr id="6" name="TextBox 5"/>
+          <p:cNvSpPr txBox="1"/>
+          <p:nvPr/>
+        </p:nvSpPr>
+        <p:spPr>
+          <a:xfrm>
+            <a:off x="990600" y="4912207"/>
+            <a:ext cx="2209800" cy="1446550"/>
+          </a:xfrm>
+          <a:prstGeom prst="rect">
+            <a:avLst/>
+          </a:prstGeom>
+          <a:noFill/>
+        </p:spPr>
+        <p:txBody>
+          <a:bodyPr wrap="square" rtlCol="0">
+            <a:spAutoFit/>
+          </a:bodyPr>
+          <a:lstStyle/>
+          <a:p>
+            <a:pPr algn="ctr"/>
+            <a:r>
+              <a:rPr lang="en-US" sz="4400" dirty="0"/>
+              <a:t>and Strategy</a:t>
+            </a:r>
+          </a:p>
+        </p:txBody>
+      </p:sp>
+    </p:spTree>
+    <p:extLst>
+      <p:ext uri="{BB962C8B-B14F-4D97-AF65-F5344CB8AC3E}">
+        <p14:creationId xmlns:p14="http://schemas.microsoft.com/office/powerpoint/2010/main" val="3969528866"/>
+      </p:ext>
+    </p:extLst>
+  </p:cSld>
+  <p:clrMapOvr>
+    <a:masterClrMapping/>
+  </p:clrMapOvr>
+  <mc:AlternateContent xmlns:mc="http://schemas.openxmlformats.org/markup-compatibility/2006" xmlns:p14="http://schemas.microsoft.com/office/powerpoint/2010/main">
+    <mc:Choice Requires="p14">
+      <p:transition spd="slow" p14:dur="2000"/>
+    </mc:Choice>
+    <mc:Fallback xmlns="">
+      <p:transition spd="slow"/>
+    </mc:Fallback>
+  </mc:AlternateContent>
+  <p:timing>
+    <p:tnLst>
+      <p:par>
+        <p:cTn xmlns:p14="http://schemas.microsoft.com/office/powerpoint/2010/main" id="1" dur="indefinite" restart="never" nodeType="tmRoot">
+          <p:childTnLst>
+            <p:seq concurrent="1" nextAc="seek">
+              <p:cTn id="2" dur="indefinite" nodeType="mainSeq">
+                <p:childTnLst>
+                  <p:par>
+                    <p:cTn id="3" fill="hold">
+                      <p:stCondLst>
+                        <p:cond delay="indefinite"/>
+                      </p:stCondLst>
+                      <p:childTnLst>
+                        <p:par>
+                          <p:cTn id="4" fill="hold">
+                            <p:stCondLst>
+                              <p:cond delay="0"/>
+                            </p:stCondLst>
+                            <p:childTnLst>
+                              <p:par>
+                                <p:cTn id="5" presetID="1" presetClass="entr" presetSubtype="0" fill="hold" nodeType="clickEffect">
+                                  <p:stCondLst>
+                                    <p:cond delay="0"/>
+                                  </p:stCondLst>
+                                  <p:childTnLst>
+                                    <p:set>
+                                      <p:cBhvr>
+                                        <p:cTn id="6" dur="1" fill="hold">
+                                          <p:stCondLst>
+                                            <p:cond delay="0"/>
+                                          </p:stCondLst>
+                                        </p:cTn>
+                                        <p:tgtEl>
+                                          <p:spTgt spid="5"/>
+                                        </p:tgtEl>
+                                        <p:attrNameLst>
+                                          <p:attrName>style.visibility</p:attrName>
+                                        </p:attrNameLst>
+                                      </p:cBhvr>
+                                      <p:to>
+                                        <p:strVal val="visible"/>
+                                      </p:to>
+                                    </p:set>
+                                  </p:childTnLst>
+                                </p:cTn>
+                              </p:par>
+                              <p:par>
+                                <p:cTn id="7" presetID="1" presetClass="entr" presetSubtype="0" fill="hold" grpId="0" nodeType="withEffect">
+                                  <p:stCondLst>
+                                    <p:cond delay="0"/>
+                                  </p:stCondLst>
+                                  <p:childTnLst>
+                                    <p:set>
+                                      <p:cBhvr>
+                                        <p:cTn id="8" dur="1" fill="hold">
+                                          <p:stCondLst>
+                                            <p:cond delay="0"/>
+                                          </p:stCondLst>
+                                        </p:cTn>
+                                        <p:tgtEl>
+                                          <p:spTgt spid="6"/>
+                                        </p:tgtEl>
+                                        <p:attrNameLst>
+                                          <p:attrName>style.visibility</p:attrName>
+                                        </p:attrNameLst>
+                                      </p:cBhvr>
+                                      <p:to>
+                                        <p:strVal val="visible"/>
+                                      </p:to>
+                                    </p:set>
+                                  </p:childTnLst>
+                                </p:cTn>
+                              </p:par>
+                            </p:childTnLst>
+                          </p:cTn>
+                        </p:par>
+                      </p:childTnLst>
+                    </p:cTn>
+                  </p:par>
+                </p:childTnLst>
+              </p:cTn>
+              <p:prevCondLst>
+                <p:cond evt="onPrev" delay="0">
+                  <p:tgtEl>
+                    <p:sldTgt/>
+                  </p:tgtEl>
+                </p:cond>
+              </p:prevCondLst>
+              <p:nextCondLst>
+                <p:cond evt="onNext" delay="0">
+                  <p:tgtEl>
+                    <p:sldTgt/>
+                  </p:tgtEl>
+                </p:cond>
+              </p:nextCondLst>
+            </p:seq>
+          </p:childTnLst>
+        </p:cTn>
+      </p:par>
+    </p:tnLst>
+    <p:bldLst>
+      <p:bldP spid="6" grpId="0"/>
+    </p:bldLst>
+  </p:timing>
+</p:sld>
+</file>
+
+<file path=ppt/slides/slide19.xml><?xml version="1.0" encoding="utf-8"?>
+<p:sld xmlns:a="http://schemas.openxmlformats.org/drawingml/2006/main" xmlns:r="http://schemas.openxmlformats.org/officeDocument/2006/relationships" xmlns:p="http://schemas.openxmlformats.org/presentationml/2006/main">
+  <p:cSld>
+    <p:spTree>
+      <p:nvGrpSpPr>
+        <p:cNvPr id="1" name=""/>
+        <p:cNvGrpSpPr/>
+        <p:nvPr/>
+      </p:nvGrpSpPr>
+      <p:grpSpPr>
+        <a:xfrm>
+          <a:off x="0" y="0"/>
+          <a:ext cx="0" cy="0"/>
+          <a:chOff x="0" y="0"/>
+          <a:chExt cx="0" cy="0"/>
+        </a:xfrm>
+      </p:grpSpPr>
+      <p:sp>
+        <p:nvSpPr>
+          <p:cNvPr id="2" name="Title 1"/>
+          <p:cNvSpPr>
+            <a:spLocks noGrp="1"/>
+          </p:cNvSpPr>
+          <p:nvPr>
+            <p:ph type="title"/>
+          </p:nvPr>
+        </p:nvSpPr>
+        <p:spPr>
+          <a:xfrm>
+            <a:off x="533400" y="2362200"/>
+            <a:ext cx="8229600" cy="1143000"/>
+          </a:xfrm>
+        </p:spPr>
+        <p:txBody>
+          <a:bodyPr>
+            <a:normAutofit/>
+          </a:bodyPr>
+          <a:lstStyle/>
+          <a:p>
+            <a:r>
+              <a:rPr lang="en-US" dirty="0" smtClean="0"/>
+              <a:t>Know what you are talking about….</a:t>
+            </a:r>
+            <a:endParaRPr lang="en-US" dirty="0"/>
+          </a:p>
+        </p:txBody>
+      </p:sp>
+    </p:spTree>
+    <p:extLst>
+      <p:ext uri="{BB962C8B-B14F-4D97-AF65-F5344CB8AC3E}">
+        <p14:creationId xmlns:p14="http://schemas.microsoft.com/office/powerpoint/2010/main" val="3257762514"/>
+      </p:ext>
+    </p:extLst>
+  </p:cSld>
+  <p:clrMapOvr>
+    <a:masterClrMapping/>
+  </p:clrMapOvr>
+  <mc:AlternateContent xmlns:mc="http://schemas.openxmlformats.org/markup-compatibility/2006" xmlns:p14="http://schemas.microsoft.com/office/powerpoint/2010/main">
+    <mc:Choice Requires="p14">
+      <p:transition spd="slow" p14:dur="2000"/>
+    </mc:Choice>
+    <mc:Fallback xmlns="">
+      <p:transition spd="slow"/>
+    </mc:Fallback>
+  </mc:AlternateContent>
+  <p:timing>
+    <p:tnLst>
+      <p:par>
+        <p:cTn xmlns:p14="http://schemas.microsoft.com/office/powerpoint/2010/main" id="1" dur="indefinite" restart="never" nodeType="tmRoot"/>
+      </p:par>
+    </p:tnLst>
+  </p:timing>
+</p:sld>
+</file>
+
+<file path=ppt/slides/slide2.xml><?xml version="1.0" encoding="utf-8"?>
+<p:sld xmlns:a="http://schemas.openxmlformats.org/drawingml/2006/main" xmlns:r="http://schemas.openxmlformats.org/officeDocument/2006/relationships" xmlns:p="http://schemas.openxmlformats.org/presentationml/2006/main">
+  <p:cSld>
+    <p:spTree>
+      <p:nvGrpSpPr>
+        <p:cNvPr id="1" name=""/>
+        <p:cNvGrpSpPr/>
+        <p:nvPr/>
+      </p:nvGrpSpPr>
+      <p:grpSpPr>
+        <a:xfrm>
+          <a:off x="0" y="0"/>
+          <a:ext cx="0" cy="0"/>
+          <a:chOff x="0" y="0"/>
+          <a:chExt cx="0" cy="0"/>
+        </a:xfrm>
+      </p:grpSpPr>
+      <p:sp>
+        <p:nvSpPr>
+          <p:cNvPr id="2" name="Title 1"/>
+          <p:cNvSpPr>
+            <a:spLocks noGrp="1"/>
+          </p:cNvSpPr>
+          <p:nvPr>
+            <p:ph type="ctrTitle"/>
+          </p:nvPr>
+        </p:nvSpPr>
+        <p:spPr/>
+        <p:txBody>
+          <a:bodyPr>
+            <a:normAutofit/>
+          </a:bodyPr>
+          <a:lstStyle/>
+          <a:p>
+            <a:r>
+              <a:rPr lang="en-US" dirty="0" smtClean="0"/>
+              <a:t>Managing Good People</a:t>
+            </a:r>
+            <a:endParaRPr lang="en-US" dirty="0"/>
+          </a:p>
+        </p:txBody>
+      </p:sp>
+      <p:sp>
+        <p:nvSpPr>
+          <p:cNvPr id="3" name="Subtitle 2"/>
+          <p:cNvSpPr>
+            <a:spLocks noGrp="1"/>
+          </p:cNvSpPr>
+          <p:nvPr>
+            <p:ph type="subTitle" idx="1"/>
+          </p:nvPr>
+        </p:nvSpPr>
+        <p:spPr/>
+        <p:txBody>
+          <a:bodyPr/>
+          <a:lstStyle/>
+          <a:p>
+            <a:r>
+              <a:rPr lang="en-US" dirty="0" smtClean="0"/>
+              <a:t>Jonathan Mills</a:t>
+            </a:r>
+            <a:endParaRPr lang="en-US" dirty="0"/>
+          </a:p>
+        </p:txBody>
+      </p:sp>
+    </p:spTree>
+    <p:extLst>
+      <p:ext uri="{BB962C8B-B14F-4D97-AF65-F5344CB8AC3E}">
+        <p14:creationId xmlns:p14="http://schemas.microsoft.com/office/powerpoint/2010/main" val="815739272"/>
+      </p:ext>
+    </p:extLst>
+  </p:cSld>
+  <p:clrMapOvr>
+    <a:masterClrMapping/>
+  </p:clrMapOvr>
+  <mc:AlternateContent xmlns:mc="http://schemas.openxmlformats.org/markup-compatibility/2006" xmlns:p14="http://schemas.microsoft.com/office/powerpoint/2010/main">
+    <mc:Choice Requires="p14">
+      <p:transition spd="slow" p14:dur="2000"/>
+    </mc:Choice>
+    <mc:Fallback xmlns="">
+      <p:transition spd="slow"/>
+    </mc:Fallback>
+  </mc:AlternateContent>
+  <p:timing>
+    <p:tnLst>
+      <p:par>
+        <p:cTn xmlns:p14="http://schemas.microsoft.com/office/powerpoint/2010/main" id="1" dur="indefinite" restart="never" nodeType="tmRoot"/>
+      </p:par>
+    </p:tnLst>
+  </p:timing>
+</p:sld>
+</file>
+
+<file path=ppt/slides/slide20.xml><?xml version="1.0" encoding="utf-8"?>
+<p:sld xmlns:a="http://schemas.openxmlformats.org/drawingml/2006/main" xmlns:r="http://schemas.openxmlformats.org/officeDocument/2006/relationships" xmlns:p="http://schemas.openxmlformats.org/presentationml/2006/main">
+  <p:cSld>
+    <p:bg>
+      <p:bgPr>
+        <a:solidFill>
+          <a:schemeClr val="tx1"/>
+        </a:solidFill>
+        <a:effectLst/>
+      </p:bgPr>
+    </p:bg>
+    <p:spTree>
+      <p:nvGrpSpPr>
+        <p:cNvPr id="1" name=""/>
+        <p:cNvGrpSpPr/>
+        <p:nvPr/>
+      </p:nvGrpSpPr>
+      <p:grpSpPr>
+        <a:xfrm>
+          <a:off x="0" y="0"/>
+          <a:ext cx="0" cy="0"/>
+          <a:chOff x="0" y="0"/>
+          <a:chExt cx="0" cy="0"/>
+        </a:xfrm>
+      </p:grpSpPr>
+      <p:pic>
+        <p:nvPicPr>
+          <p:cNvPr id="6" name="Picture 5" descr="boss-vs-leader-800x800.png"/>
+          <p:cNvPicPr>
+            <a:picLocks noChangeAspect="1"/>
+          </p:cNvPicPr>
+          <p:nvPr/>
+        </p:nvPicPr>
+        <p:blipFill>
+          <a:blip r:embed="rId2">
+            <a:extLst>
+              <a:ext uri="{28A0092B-C50C-407E-A947-70E740481C1C}">
+                <a14:useLocalDpi xmlns:a14="http://schemas.microsoft.com/office/drawing/2010/main" val="0"/>
+              </a:ext>
+            </a:extLst>
+          </a:blip>
+          <a:stretch>
+            <a:fillRect/>
+          </a:stretch>
+        </p:blipFill>
+        <p:spPr>
+          <a:xfrm>
+            <a:off x="1066800" y="0"/>
+            <a:ext cx="6858000" cy="6858000"/>
+          </a:xfrm>
+          <a:prstGeom prst="rect">
+            <a:avLst/>
+          </a:prstGeom>
+        </p:spPr>
+      </p:pic>
+    </p:spTree>
+    <p:extLst>
+      <p:ext uri="{BB962C8B-B14F-4D97-AF65-F5344CB8AC3E}">
+        <p14:creationId xmlns:p14="http://schemas.microsoft.com/office/powerpoint/2010/main" val="166559170"/>
+      </p:ext>
+    </p:extLst>
+  </p:cSld>
+  <p:clrMapOvr>
+    <a:masterClrMapping/>
+  </p:clrMapOvr>
+</p:sld>
+</file>
+
+<file path=ppt/slides/slide21.xml><?xml version="1.0" encoding="utf-8"?>
+<p:sld xmlns:a="http://schemas.openxmlformats.org/drawingml/2006/main" xmlns:r="http://schemas.openxmlformats.org/officeDocument/2006/relationships" xmlns:p="http://schemas.openxmlformats.org/presentationml/2006/main">
+  <p:cSld>
+    <p:spTree>
+      <p:nvGrpSpPr>
+        <p:cNvPr id="1" name=""/>
+        <p:cNvGrpSpPr/>
+        <p:nvPr/>
+      </p:nvGrpSpPr>
+      <p:grpSpPr>
+        <a:xfrm>
+          <a:off x="0" y="0"/>
+          <a:ext cx="0" cy="0"/>
+          <a:chOff x="0" y="0"/>
+          <a:chExt cx="0" cy="0"/>
+        </a:xfrm>
+      </p:grpSpPr>
+      <p:sp>
+        <p:nvSpPr>
+          <p:cNvPr id="2" name="Title 1"/>
+          <p:cNvSpPr>
+            <a:spLocks noGrp="1"/>
+          </p:cNvSpPr>
+          <p:nvPr>
+            <p:ph type="title"/>
+          </p:nvPr>
+        </p:nvSpPr>
+        <p:spPr/>
+        <p:txBody>
+          <a:bodyPr/>
+          <a:lstStyle/>
+          <a:p>
+            <a:r>
+              <a:rPr lang="en-US" dirty="0" smtClean="0"/>
+              <a:t>Questions?</a:t>
+            </a:r>
+            <a:endParaRPr lang="en-US" dirty="0"/>
+          </a:p>
+        </p:txBody>
+      </p:sp>
+      <p:pic>
+        <p:nvPicPr>
+          <p:cNvPr id="4" name="Content Placeholder 3"/>
+          <p:cNvPicPr>
+            <a:picLocks noGrp="1" noChangeAspect="1"/>
+          </p:cNvPicPr>
+          <p:nvPr>
+            <p:ph idx="1"/>
+          </p:nvPr>
+        </p:nvPicPr>
+        <p:blipFill>
+          <a:blip r:embed="rId2" cstate="print">
+            <a:extLst>
+              <a:ext uri="{28A0092B-C50C-407E-A947-70E740481C1C}">
+                <a14:useLocalDpi xmlns:a14="http://schemas.microsoft.com/office/drawing/2010/main" val="0"/>
+              </a:ext>
+            </a:extLst>
+          </a:blip>
+          <a:stretch>
+            <a:fillRect/>
+          </a:stretch>
+        </p:blipFill>
+        <p:spPr>
+          <a:xfrm>
+            <a:off x="381000" y="1219200"/>
+            <a:ext cx="4525963" cy="4525963"/>
+          </a:xfrm>
+        </p:spPr>
+      </p:pic>
+    </p:spTree>
+    <p:extLst>
+      <p:ext uri="{BB962C8B-B14F-4D97-AF65-F5344CB8AC3E}">
+        <p14:creationId xmlns:p14="http://schemas.microsoft.com/office/powerpoint/2010/main" val="284972159"/>
+      </p:ext>
+    </p:extLst>
+  </p:cSld>
+  <p:clrMapOvr>
+    <a:masterClrMapping/>
+  </p:clrMapOvr>
+  <p:timing>
+    <p:tnLst>
+      <p:par>
+        <p:cTn xmlns:p14="http://schemas.microsoft.com/office/powerpoint/2010/main" id="1" dur="indefinite" restart="never" nodeType="tmRoot"/>
+      </p:par>
+    </p:tnLst>
+  </p:timing>
+</p:sld>
+</file>
+
+<file path=ppt/slides/slide22.xml><?xml version="1.0" encoding="utf-8"?>
+<p:sld xmlns:a="http://schemas.openxmlformats.org/drawingml/2006/main" xmlns:r="http://schemas.openxmlformats.org/officeDocument/2006/relationships" xmlns:p="http://schemas.openxmlformats.org/presentationml/2006/main">
+  <p:cSld>
+    <p:spTree>
+      <p:nvGrpSpPr>
+        <p:cNvPr id="1" name=""/>
+        <p:cNvGrpSpPr/>
+        <p:nvPr/>
+      </p:nvGrpSpPr>
+      <p:grpSpPr>
+        <a:xfrm>
+          <a:off x="0" y="0"/>
+          <a:ext cx="0" cy="0"/>
+          <a:chOff x="0" y="0"/>
+          <a:chExt cx="0" cy="0"/>
+        </a:xfrm>
+      </p:grpSpPr>
+      <p:sp>
+        <p:nvSpPr>
+          <p:cNvPr id="2" name="Title 1"/>
+          <p:cNvSpPr>
+            <a:spLocks noGrp="1"/>
+          </p:cNvSpPr>
+          <p:nvPr>
+            <p:ph type="title"/>
+          </p:nvPr>
+        </p:nvSpPr>
+        <p:spPr/>
+        <p:txBody>
+          <a:bodyPr/>
+          <a:lstStyle/>
+          <a:p>
+            <a:pPr marL="0" indent="0">
+              <a:buNone/>
+            </a:pPr>
+            <a:r>
+              <a:rPr lang="en-US" dirty="0" smtClean="0"/>
+              <a:t>Who Is This Guy?</a:t>
+            </a:r>
+            <a:endParaRPr lang="en-US" dirty="0"/>
+          </a:p>
+        </p:txBody>
+      </p:sp>
+      <p:sp>
+        <p:nvSpPr>
+          <p:cNvPr id="3" name="Content Placeholder 2"/>
+          <p:cNvSpPr>
+            <a:spLocks noGrp="1"/>
+          </p:cNvSpPr>
+          <p:nvPr>
+            <p:ph sz="quarter" idx="4294967295"/>
+          </p:nvPr>
+        </p:nvSpPr>
+        <p:spPr>
+          <a:xfrm>
+            <a:off x="402348" y="1905000"/>
+            <a:ext cx="7751051" cy="3474720"/>
+          </a:xfrm>
+          <a:prstGeom prst="rect">
+            <a:avLst/>
+          </a:prstGeom>
+        </p:spPr>
+        <p:txBody>
+          <a:bodyPr/>
+          <a:lstStyle/>
+          <a:p>
+            <a:r>
+              <a:rPr lang="en-US" smtClean="0"/>
+              <a:t>Director </a:t>
+            </a:r>
+            <a:r>
+              <a:rPr lang="en-US" dirty="0" smtClean="0"/>
+              <a:t>/ Paige Technologies</a:t>
+            </a:r>
+          </a:p>
+          <a:p>
+            <a:r>
+              <a:rPr lang="en-US" dirty="0" smtClean="0"/>
+              <a:t>@</a:t>
+            </a:r>
+            <a:r>
+              <a:rPr lang="en-US" dirty="0" err="1" smtClean="0"/>
+              <a:t>jonathanfmills</a:t>
+            </a:r>
+            <a:endParaRPr lang="en-US" dirty="0" smtClean="0"/>
+          </a:p>
+          <a:p>
+            <a:r>
+              <a:rPr lang="en-US" dirty="0" smtClean="0"/>
+              <a:t>Jonathanfmills.com</a:t>
+            </a:r>
+          </a:p>
+          <a:p>
+            <a:endParaRPr lang="en-US" dirty="0" smtClean="0"/>
+          </a:p>
+        </p:txBody>
+      </p:sp>
+      <p:pic>
+        <p:nvPicPr>
+          <p:cNvPr id="4" name="Picture 3"/>
+          <p:cNvPicPr>
+            <a:picLocks noChangeAspect="1"/>
+          </p:cNvPicPr>
+          <p:nvPr/>
+        </p:nvPicPr>
+        <p:blipFill rotWithShape="1">
+          <a:blip r:embed="rId3" cstate="print">
+            <a:extLst>
+              <a:ext uri="{28A0092B-C50C-407E-A947-70E740481C1C}">
+                <a14:useLocalDpi xmlns:a14="http://schemas.microsoft.com/office/drawing/2010/main" val="0"/>
+              </a:ext>
+            </a:extLst>
+          </a:blip>
+          <a:srcRect l="21263" t="6298" r="18446" b="487"/>
+          <a:stretch/>
+        </p:blipFill>
+        <p:spPr>
+          <a:xfrm>
+            <a:off x="5257800" y="3124200"/>
+            <a:ext cx="3700298" cy="3421997"/>
+          </a:xfrm>
+          <a:prstGeom prst="rect">
+            <a:avLst/>
+          </a:prstGeom>
+        </p:spPr>
+      </p:pic>
+    </p:spTree>
+    <p:extLst>
+      <p:ext uri="{BB962C8B-B14F-4D97-AF65-F5344CB8AC3E}">
+        <p14:creationId xmlns:p14="http://schemas.microsoft.com/office/powerpoint/2010/main" val="2409358463"/>
+      </p:ext>
+    </p:extLst>
+  </p:cSld>
+  <p:clrMapOvr>
+    <a:masterClrMapping/>
+  </p:clrMapOvr>
+  <p:timing>
+    <p:tnLst>
+      <p:par>
+        <p:cTn xmlns:p14="http://schemas.microsoft.com/office/powerpoint/2010/main" id="1" dur="indefinite" restart="never" nodeType="tmRoot"/>
+      </p:par>
+    </p:tnLst>
+  </p:timing>
+</p:sld>
+</file>
+
+<file path=ppt/slides/slide3.xml><?xml version="1.0" encoding="utf-8"?>
+<p:sld xmlns:a="http://schemas.openxmlformats.org/drawingml/2006/main" xmlns:r="http://schemas.openxmlformats.org/officeDocument/2006/relationships" xmlns:p="http://schemas.openxmlformats.org/presentationml/2006/main">
+  <p:cSld>
+    <p:spTree>
+      <p:nvGrpSpPr>
+        <p:cNvPr id="1" name=""/>
+        <p:cNvGrpSpPr/>
+        <p:nvPr/>
+      </p:nvGrpSpPr>
+      <p:grpSpPr>
+        <a:xfrm>
+          <a:off x="0" y="0"/>
+          <a:ext cx="0" cy="0"/>
+          <a:chOff x="0" y="0"/>
+          <a:chExt cx="0" cy="0"/>
+        </a:xfrm>
+      </p:grpSpPr>
+      <p:sp>
+        <p:nvSpPr>
+          <p:cNvPr id="2" name="Title 1"/>
+          <p:cNvSpPr>
+            <a:spLocks noGrp="1"/>
+          </p:cNvSpPr>
+          <p:nvPr>
+            <p:ph type="title"/>
+          </p:nvPr>
+        </p:nvSpPr>
+        <p:spPr>
+          <a:xfrm>
+            <a:off x="457200" y="2667000"/>
+            <a:ext cx="8229600" cy="1143000"/>
+          </a:xfrm>
+        </p:spPr>
+        <p:txBody>
+          <a:bodyPr>
+            <a:normAutofit/>
+          </a:bodyPr>
+          <a:lstStyle/>
+          <a:p>
+            <a:endParaRPr lang="en-US" dirty="0"/>
+          </a:p>
+        </p:txBody>
+      </p:sp>
+      <p:pic>
+        <p:nvPicPr>
+          <p:cNvPr id="1026" name="Picture 2"/>
+          <p:cNvPicPr>
+            <a:picLocks noChangeAspect="1" noChangeArrowheads="1"/>
+          </p:cNvPicPr>
+          <p:nvPr/>
+        </p:nvPicPr>
+        <p:blipFill rotWithShape="1">
+          <a:blip r:embed="rId3">
+            <a:extLst>
+              <a:ext uri="{28A0092B-C50C-407E-A947-70E740481C1C}">
+                <a14:useLocalDpi xmlns:a14="http://schemas.microsoft.com/office/drawing/2010/main" val="0"/>
+              </a:ext>
+            </a:extLst>
+          </a:blip>
+          <a:srcRect t="37182" r="36808"/>
+          <a:stretch/>
+        </p:blipFill>
+        <p:spPr bwMode="auto">
+          <a:xfrm>
+            <a:off x="381000" y="685800"/>
+            <a:ext cx="3755877" cy="4667072"/>
+          </a:xfrm>
+          <a:prstGeom prst="rect">
+            <a:avLst/>
+          </a:prstGeom>
+          <a:noFill/>
+          <a:ln>
+            <a:noFill/>
+          </a:ln>
+          <a:effectLst/>
+          <a:extLst>
+            <a:ext uri="{909E8E84-426E-40dd-AFC4-6F175D3DCCD1}">
+              <a14:hiddenFill xmlns:a14="http://schemas.microsoft.com/office/drawing/2010/main">
+                <a:solidFill>
+                  <a:schemeClr val="accent1"/>
+                </a:solidFill>
+              </a14:hiddenFill>
+            </a:ext>
+            <a:ext uri="{91240B29-F687-4f45-9708-019B960494DF}">
+              <a14:hiddenLine xmlns:a14="http://schemas.microsoft.com/office/drawing/2010/main" w="9525">
+                <a:solidFill>
+                  <a:schemeClr val="tx1"/>
+                </a:solidFill>
+                <a:miter lim="800000"/>
+                <a:headEnd/>
+                <a:tailEnd/>
+              </a14:hiddenLine>
+            </a:ext>
+            <a:ext uri="{AF507438-7753-43e0-B8FC-AC1667EBCBE1}">
+              <a14:hiddenEffects xmlns:a14="http://schemas.microsoft.com/office/drawing/2010/main">
+                <a:effectLst>
+                  <a:outerShdw dist="35921" dir="2700000" algn="ctr" rotWithShape="0">
+                    <a:schemeClr val="bg2"/>
+                  </a:outerShdw>
+                </a:effectLst>
+              </a14:hiddenEffects>
+            </a:ext>
+          </a:extLst>
+        </p:spPr>
+      </p:pic>
+      <p:sp>
+        <p:nvSpPr>
+          <p:cNvPr id="3" name="TextBox 2"/>
+          <p:cNvSpPr txBox="1"/>
+          <p:nvPr/>
+        </p:nvSpPr>
+        <p:spPr>
+          <a:xfrm>
+            <a:off x="4343400" y="609600"/>
+            <a:ext cx="4267200" cy="1815882"/>
+          </a:xfrm>
+          <a:prstGeom prst="rect">
+            <a:avLst/>
+          </a:prstGeom>
+          <a:noFill/>
+        </p:spPr>
+        <p:txBody>
+          <a:bodyPr wrap="square" rtlCol="0">
+            <a:spAutoFit/>
+          </a:bodyPr>
+          <a:lstStyle/>
+          <a:p>
+            <a:r>
+              <a:rPr lang="en-US" sz="2800" dirty="0" smtClean="0"/>
+              <a:t>“How </a:t>
+            </a:r>
+            <a:r>
+              <a:rPr lang="en-US" sz="2800" dirty="0"/>
+              <a:t>a company can make profits with all these </a:t>
+            </a:r>
+            <a:endParaRPr lang="en-US" sz="2800" dirty="0" smtClean="0"/>
+          </a:p>
+          <a:p>
+            <a:r>
+              <a:rPr lang="en-US" sz="2800" dirty="0" smtClean="0"/>
+              <a:t>PARASITES</a:t>
+            </a:r>
+            <a:r>
+              <a:rPr lang="en-US" sz="2800" dirty="0"/>
+              <a:t>  chatting and drinking </a:t>
+            </a:r>
+            <a:r>
+              <a:rPr lang="en-US" sz="2800" dirty="0" smtClean="0"/>
+              <a:t>coffee?”</a:t>
+            </a:r>
+            <a:endParaRPr lang="en-US" sz="2800" dirty="0"/>
+          </a:p>
+        </p:txBody>
+      </p:sp>
+      <p:sp>
+        <p:nvSpPr>
+          <p:cNvPr id="4" name="TextBox 3"/>
+          <p:cNvSpPr txBox="1"/>
+          <p:nvPr/>
+        </p:nvSpPr>
+        <p:spPr>
+          <a:xfrm>
+            <a:off x="4343400" y="4191000"/>
+            <a:ext cx="4038600" cy="2062103"/>
+          </a:xfrm>
+          <a:prstGeom prst="rect">
+            <a:avLst/>
+          </a:prstGeom>
+          <a:noFill/>
+        </p:spPr>
+        <p:txBody>
+          <a:bodyPr wrap="square" rtlCol="0">
+            <a:spAutoFit/>
+          </a:bodyPr>
+          <a:lstStyle/>
+          <a:p>
+            <a:r>
+              <a:rPr lang="en-US" sz="3200" b="1" dirty="0"/>
+              <a:t>The countless hours </a:t>
+            </a:r>
+            <a:r>
+              <a:rPr lang="en-US" sz="3200" b="1" dirty="0" smtClean="0"/>
+              <a:t>that team leads … </a:t>
+            </a:r>
+            <a:endParaRPr lang="en-US" sz="3200" b="1" dirty="0"/>
+          </a:p>
+          <a:p>
+            <a:r>
+              <a:rPr lang="en-US" sz="3200" b="1" dirty="0"/>
+              <a:t>devote to supervising the work…</a:t>
+            </a:r>
+          </a:p>
+        </p:txBody>
+      </p:sp>
+    </p:spTree>
+    <p:extLst>
+      <p:ext uri="{BB962C8B-B14F-4D97-AF65-F5344CB8AC3E}">
+        <p14:creationId xmlns:p14="http://schemas.microsoft.com/office/powerpoint/2010/main" val="1141239631"/>
+      </p:ext>
+    </p:extLst>
+  </p:cSld>
+  <p:clrMapOvr>
+    <a:masterClrMapping/>
+  </p:clrMapOvr>
+  <p:timing>
+    <p:tnLst>
+      <p:par>
+        <p:cTn xmlns:p14="http://schemas.microsoft.com/office/powerpoint/2010/main" id="1" dur="indefinite" restart="never" nodeType="tmRoot">
+          <p:childTnLst>
+            <p:seq concurrent="1" nextAc="seek">
+              <p:cTn id="2" dur="indefinite" nodeType="mainSeq">
+                <p:childTnLst>
+                  <p:par>
+                    <p:cTn id="3" fill="hold">
+                      <p:stCondLst>
+                        <p:cond delay="indefinite"/>
+                      </p:stCondLst>
+                      <p:childTnLst>
+                        <p:par>
+                          <p:cTn id="4" fill="hold">
+                            <p:stCondLst>
+                              <p:cond delay="0"/>
+                            </p:stCondLst>
+                            <p:childTnLst>
+                              <p:par>
+                                <p:cTn id="5" presetID="1" presetClass="entr" presetSubtype="0" fill="hold" grpId="0" nodeType="clickEffect">
+                                  <p:stCondLst>
+                                    <p:cond delay="0"/>
+                                  </p:stCondLst>
+                                  <p:childTnLst>
+                                    <p:set>
+                                      <p:cBhvr>
+                                        <p:cTn id="6" dur="1" fill="hold">
+                                          <p:stCondLst>
+                                            <p:cond delay="0"/>
+                                          </p:stCondLst>
+                                        </p:cTn>
+                                        <p:tgtEl>
+                                          <p:spTgt spid="4"/>
+                                        </p:tgtEl>
+                                        <p:attrNameLst>
+                                          <p:attrName>style.visibility</p:attrName>
+                                        </p:attrNameLst>
+                                      </p:cBhvr>
+                                      <p:to>
+                                        <p:strVal val="visible"/>
+                                      </p:to>
+                                    </p:set>
+                                  </p:childTnLst>
+                                </p:cTn>
+                              </p:par>
+                            </p:childTnLst>
+                          </p:cTn>
+                        </p:par>
+                      </p:childTnLst>
+                    </p:cTn>
+                  </p:par>
+                  <p:par>
+                    <p:cTn id="7" fill="hold">
+                      <p:stCondLst>
+                        <p:cond delay="indefinite"/>
+                      </p:stCondLst>
+                      <p:childTnLst>
+                        <p:par>
+                          <p:cTn id="8" fill="hold">
+                            <p:stCondLst>
+                              <p:cond delay="0"/>
+                            </p:stCondLst>
+                            <p:childTnLst>
+                              <p:par>
+                                <p:cTn id="9" presetID="1" presetClass="entr" presetSubtype="0" fill="hold" grpId="0" nodeType="clickEffect">
+                                  <p:stCondLst>
+                                    <p:cond delay="0"/>
+                                  </p:stCondLst>
+                                  <p:childTnLst>
+                                    <p:set>
+                                      <p:cBhvr>
+                                        <p:cTn id="10" dur="1" fill="hold">
+                                          <p:stCondLst>
+                                            <p:cond delay="0"/>
+                                          </p:stCondLst>
+                                        </p:cTn>
+                                        <p:tgtEl>
+                                          <p:spTgt spid="3"/>
+                                        </p:tgtEl>
+                                        <p:attrNameLst>
+                                          <p:attrName>style.visibility</p:attrName>
+                                        </p:attrNameLst>
+                                      </p:cBhvr>
+                                      <p:to>
+                                        <p:strVal val="visible"/>
+                                      </p:to>
+                                    </p:set>
+                                  </p:childTnLst>
+                                </p:cTn>
+                              </p:par>
+                            </p:childTnLst>
+                          </p:cTn>
+                        </p:par>
+                      </p:childTnLst>
+                    </p:cTn>
+                  </p:par>
+                </p:childTnLst>
+              </p:cTn>
+              <p:prevCondLst>
+                <p:cond evt="onPrev" delay="0">
+                  <p:tgtEl>
+                    <p:sldTgt/>
+                  </p:tgtEl>
+                </p:cond>
+              </p:prevCondLst>
+              <p:nextCondLst>
+                <p:cond evt="onNext" delay="0">
+                  <p:tgtEl>
+                    <p:sldTgt/>
+                  </p:tgtEl>
+                </p:cond>
+              </p:nextCondLst>
+            </p:seq>
+          </p:childTnLst>
+        </p:cTn>
+      </p:par>
+    </p:tnLst>
+    <p:bldLst>
+      <p:bldP spid="3" grpId="0"/>
+      <p:bldP spid="4" grpId="0"/>
+    </p:bldLst>
+  </p:timing>
+</p:sld>
+</file>
+
+<file path=ppt/slides/slide4.xml><?xml version="1.0" encoding="utf-8"?>
+<p:sld xmlns:a="http://schemas.openxmlformats.org/drawingml/2006/main" xmlns:r="http://schemas.openxmlformats.org/officeDocument/2006/relationships" xmlns:p="http://schemas.openxmlformats.org/presentationml/2006/main">
+  <p:cSld>
+    <p:spTree>
+      <p:nvGrpSpPr>
+        <p:cNvPr id="1" name=""/>
+        <p:cNvGrpSpPr/>
+        <p:nvPr/>
+      </p:nvGrpSpPr>
+      <p:grpSpPr>
+        <a:xfrm>
+          <a:off x="0" y="0"/>
+          <a:ext cx="0" cy="0"/>
+          <a:chOff x="0" y="0"/>
+          <a:chExt cx="0" cy="0"/>
+        </a:xfrm>
+      </p:grpSpPr>
+      <p:sp>
+        <p:nvSpPr>
+          <p:cNvPr id="2" name="Title 1"/>
+          <p:cNvSpPr>
+            <a:spLocks noGrp="1"/>
+          </p:cNvSpPr>
+          <p:nvPr>
+            <p:ph type="title"/>
+          </p:nvPr>
+        </p:nvSpPr>
+        <p:spPr/>
+        <p:txBody>
+          <a:bodyPr/>
+          <a:lstStyle/>
+          <a:p>
+            <a:endParaRPr lang="en-US"/>
+          </a:p>
+        </p:txBody>
+      </p:sp>
+      <p:sp>
+        <p:nvSpPr>
+          <p:cNvPr id="3" name="Content Placeholder 2"/>
+          <p:cNvSpPr>
+            <a:spLocks noGrp="1"/>
+          </p:cNvSpPr>
+          <p:nvPr>
+            <p:ph idx="1"/>
+          </p:nvPr>
+        </p:nvSpPr>
+        <p:spPr/>
+        <p:txBody>
+          <a:bodyPr/>
+          <a:lstStyle/>
+          <a:p>
+            <a:endParaRPr lang="en-US" dirty="0"/>
+          </a:p>
+        </p:txBody>
+      </p:sp>
+      <p:pic>
+        <p:nvPicPr>
+          <p:cNvPr id="2050" name="Picture 2"/>
+          <p:cNvPicPr>
+            <a:picLocks noChangeAspect="1" noChangeArrowheads="1"/>
+          </p:cNvPicPr>
+          <p:nvPr/>
+        </p:nvPicPr>
+        <p:blipFill>
+          <a:blip r:embed="rId3">
+            <a:extLst>
+              <a:ext uri="{28A0092B-C50C-407E-A947-70E740481C1C}">
+                <a14:useLocalDpi xmlns:a14="http://schemas.microsoft.com/office/drawing/2010/main" val="0"/>
+              </a:ext>
+            </a:extLst>
+          </a:blip>
+          <a:srcRect/>
+          <a:stretch>
+            <a:fillRect/>
+          </a:stretch>
+        </p:blipFill>
+        <p:spPr bwMode="auto">
+          <a:xfrm>
+            <a:off x="1600200" y="381000"/>
+            <a:ext cx="5943600" cy="7429500"/>
+          </a:xfrm>
+          <a:prstGeom prst="rect">
+            <a:avLst/>
+          </a:prstGeom>
+          <a:noFill/>
+          <a:ln>
+            <a:noFill/>
+          </a:ln>
+          <a:effectLst/>
+          <a:extLst>
+            <a:ext uri="{909E8E84-426E-40dd-AFC4-6F175D3DCCD1}">
+              <a14:hiddenFill xmlns:a14="http://schemas.microsoft.com/office/drawing/2010/main">
+                <a:solidFill>
+                  <a:schemeClr val="accent1"/>
+                </a:solidFill>
+              </a14:hiddenFill>
+            </a:ext>
+            <a:ext uri="{91240B29-F687-4f45-9708-019B960494DF}">
+              <a14:hiddenLine xmlns:a14="http://schemas.microsoft.com/office/drawing/2010/main" w="9525">
+                <a:solidFill>
+                  <a:schemeClr val="tx1"/>
+                </a:solidFill>
+                <a:miter lim="800000"/>
+                <a:headEnd/>
+                <a:tailEnd/>
+              </a14:hiddenLine>
+            </a:ext>
+            <a:ext uri="{AF507438-7753-43e0-B8FC-AC1667EBCBE1}">
+              <a14:hiddenEffects xmlns:a14="http://schemas.microsoft.com/office/drawing/2010/main">
+                <a:effectLst>
+                  <a:outerShdw dist="35921" dir="2700000" algn="ctr" rotWithShape="0">
+                    <a:schemeClr val="bg2"/>
+                  </a:outerShdw>
+                </a:effectLst>
+              </a14:hiddenEffects>
+            </a:ext>
+          </a:extLst>
+        </p:spPr>
+      </p:pic>
+    </p:spTree>
+    <p:extLst>
+      <p:ext uri="{BB962C8B-B14F-4D97-AF65-F5344CB8AC3E}">
+        <p14:creationId xmlns:p14="http://schemas.microsoft.com/office/powerpoint/2010/main" val="427640295"/>
+      </p:ext>
+    </p:extLst>
+  </p:cSld>
+  <p:clrMapOvr>
+    <a:masterClrMapping/>
+  </p:clrMapOvr>
+  <p:timing>
+    <p:tnLst>
+      <p:par>
+        <p:cTn xmlns:p14="http://schemas.microsoft.com/office/powerpoint/2010/main" id="1" dur="indefinite" restart="never" nodeType="tmRoot"/>
+      </p:par>
+    </p:tnLst>
+  </p:timing>
+</p:sld>
+</file>
+
+<file path=ppt/slides/slide5.xml><?xml version="1.0" encoding="utf-8"?>
+<p:sld xmlns:a="http://schemas.openxmlformats.org/drawingml/2006/main" xmlns:r="http://schemas.openxmlformats.org/officeDocument/2006/relationships" xmlns:p="http://schemas.openxmlformats.org/presentationml/2006/main">
+  <p:cSld>
+    <p:spTree>
+      <p:nvGrpSpPr>
+        <p:cNvPr id="1" name=""/>
+        <p:cNvGrpSpPr/>
+        <p:nvPr/>
+      </p:nvGrpSpPr>
+      <p:grpSpPr>
+        <a:xfrm>
+          <a:off x="0" y="0"/>
+          <a:ext cx="0" cy="0"/>
+          <a:chOff x="0" y="0"/>
+          <a:chExt cx="0" cy="0"/>
+        </a:xfrm>
+      </p:grpSpPr>
+      <p:sp>
+        <p:nvSpPr>
+          <p:cNvPr id="2" name="Title 1"/>
+          <p:cNvSpPr>
+            <a:spLocks noGrp="1"/>
+          </p:cNvSpPr>
+          <p:nvPr>
+            <p:ph type="title"/>
+          </p:nvPr>
+        </p:nvSpPr>
+        <p:spPr/>
+        <p:txBody>
+          <a:bodyPr/>
+          <a:lstStyle/>
+          <a:p>
+            <a:pPr marL="0" indent="0">
+              <a:buNone/>
+            </a:pPr>
+            <a:r>
+              <a:rPr lang="en-US" dirty="0" smtClean="0"/>
+              <a:t>Who Is This Guy?</a:t>
+            </a:r>
+            <a:endParaRPr lang="en-US" dirty="0"/>
+          </a:p>
+        </p:txBody>
+      </p:sp>
+      <p:sp>
+        <p:nvSpPr>
+          <p:cNvPr id="3" name="Content Placeholder 2"/>
+          <p:cNvSpPr>
+            <a:spLocks noGrp="1"/>
+          </p:cNvSpPr>
+          <p:nvPr>
+            <p:ph sz="quarter" idx="4294967295"/>
+          </p:nvPr>
+        </p:nvSpPr>
+        <p:spPr>
+          <a:xfrm>
+            <a:off x="402348" y="1905000"/>
+            <a:ext cx="6912851" cy="3474720"/>
+          </a:xfrm>
+          <a:prstGeom prst="rect">
+            <a:avLst/>
+          </a:prstGeom>
+        </p:spPr>
+        <p:txBody>
+          <a:bodyPr/>
+          <a:lstStyle/>
+          <a:p>
+            <a:r>
+              <a:rPr lang="en-US" dirty="0" smtClean="0"/>
+              <a:t>Director / Paige Technologies</a:t>
+            </a:r>
+          </a:p>
+          <a:p>
+            <a:r>
+              <a:rPr lang="en-US" dirty="0" smtClean="0"/>
+              <a:t>@</a:t>
+            </a:r>
+            <a:r>
+              <a:rPr lang="en-US" dirty="0" err="1" smtClean="0"/>
+              <a:t>jonathanfmills</a:t>
+            </a:r>
+            <a:endParaRPr lang="en-US" dirty="0" smtClean="0"/>
+          </a:p>
+          <a:p>
+            <a:r>
+              <a:rPr lang="en-US" dirty="0" smtClean="0"/>
+              <a:t>Jonathanfmills.com</a:t>
+            </a:r>
+          </a:p>
+          <a:p>
+            <a:endParaRPr lang="en-US" dirty="0" smtClean="0"/>
+          </a:p>
+        </p:txBody>
+      </p:sp>
+      <p:pic>
+        <p:nvPicPr>
+          <p:cNvPr id="4" name="Picture 3"/>
+          <p:cNvPicPr>
+            <a:picLocks noChangeAspect="1"/>
+          </p:cNvPicPr>
+          <p:nvPr/>
+        </p:nvPicPr>
+        <p:blipFill rotWithShape="1">
+          <a:blip r:embed="rId3" cstate="print">
+            <a:extLst>
+              <a:ext uri="{28A0092B-C50C-407E-A947-70E740481C1C}">
+                <a14:useLocalDpi xmlns:a14="http://schemas.microsoft.com/office/drawing/2010/main" val="0"/>
+              </a:ext>
+            </a:extLst>
+          </a:blip>
+          <a:srcRect l="21263" t="6298" r="18446" b="487"/>
+          <a:stretch/>
+        </p:blipFill>
+        <p:spPr>
+          <a:xfrm>
+            <a:off x="5257800" y="3124200"/>
+            <a:ext cx="3700298" cy="3421997"/>
+          </a:xfrm>
+          <a:prstGeom prst="rect">
+            <a:avLst/>
+          </a:prstGeom>
+        </p:spPr>
+      </p:pic>
+    </p:spTree>
+    <p:extLst>
+      <p:ext uri="{BB962C8B-B14F-4D97-AF65-F5344CB8AC3E}">
+        <p14:creationId xmlns:p14="http://schemas.microsoft.com/office/powerpoint/2010/main" val="1293228379"/>
+      </p:ext>
+    </p:extLst>
+  </p:cSld>
+  <p:clrMapOvr>
+    <a:masterClrMapping/>
+  </p:clrMapOvr>
+  <p:timing>
+    <p:tnLst>
+      <p:par>
+        <p:cTn xmlns:p14="http://schemas.microsoft.com/office/powerpoint/2010/main" id="1" dur="indefinite" restart="never" nodeType="tmRoot"/>
+      </p:par>
+    </p:tnLst>
+  </p:timing>
+</p:sld>
+</file>
+
+<file path=ppt/slides/slide6.xml><?xml version="1.0" encoding="utf-8"?>
 <p:sld xmlns:a="http://schemas.openxmlformats.org/drawingml/2006/main" xmlns:r="http://schemas.openxmlformats.org/officeDocument/2006/relationships" xmlns:p="http://schemas.openxmlformats.org/presentationml/2006/main">
   <p:cSld>
     <p:spTree>
@@ -5984,7 +8206,7 @@
 </p:sld>
 </file>
 
-<file path=ppt/slides/slide11.xml><?xml version="1.0" encoding="utf-8"?>
+<file path=ppt/slides/slide7.xml><?xml version="1.0" encoding="utf-8"?>
 <p:sld xmlns:a="http://schemas.openxmlformats.org/drawingml/2006/main" xmlns:r="http://schemas.openxmlformats.org/officeDocument/2006/relationships" xmlns:p="http://schemas.openxmlformats.org/presentationml/2006/main">
   <p:cSld>
     <p:spTree>
@@ -6089,7 +8311,7 @@
 </p:sld>
 </file>
 
-<file path=ppt/slides/slide12.xml><?xml version="1.0" encoding="utf-8"?>
+<file path=ppt/slides/slide8.xml><?xml version="1.0" encoding="utf-8"?>
 <p:sld xmlns:a="http://schemas.openxmlformats.org/drawingml/2006/main" xmlns:r="http://schemas.openxmlformats.org/officeDocument/2006/relationships" xmlns:p="http://schemas.openxmlformats.org/presentationml/2006/main">
   <p:cSld>
     <p:spTree>
@@ -6363,7 +8585,7 @@
 </p:sld>
 </file>
 
-<file path=ppt/slides/slide13.xml><?xml version="1.0" encoding="utf-8"?>
+<file path=ppt/slides/slide9.xml><?xml version="1.0" encoding="utf-8"?>
 <p:sld xmlns:a="http://schemas.openxmlformats.org/drawingml/2006/main" xmlns:r="http://schemas.openxmlformats.org/officeDocument/2006/relationships" xmlns:p="http://schemas.openxmlformats.org/presentationml/2006/main">
   <p:cSld>
     <p:spTree>
@@ -6739,4662 +8961,6 @@
       <p:bldP spid="6" grpId="0"/>
       <p:bldP spid="7" grpId="0"/>
     </p:bldLst>
-  </p:timing>
-</p:sld>
-</file>
-
-<file path=ppt/slides/slide14.xml><?xml version="1.0" encoding="utf-8"?>
-<p:sld xmlns:a="http://schemas.openxmlformats.org/drawingml/2006/main" xmlns:r="http://schemas.openxmlformats.org/officeDocument/2006/relationships" xmlns:p="http://schemas.openxmlformats.org/presentationml/2006/main">
-  <p:cSld>
-    <p:spTree>
-      <p:nvGrpSpPr>
-        <p:cNvPr id="1" name=""/>
-        <p:cNvGrpSpPr/>
-        <p:nvPr/>
-      </p:nvGrpSpPr>
-      <p:grpSpPr>
-        <a:xfrm>
-          <a:off x="0" y="0"/>
-          <a:ext cx="0" cy="0"/>
-          <a:chOff x="0" y="0"/>
-          <a:chExt cx="0" cy="0"/>
-        </a:xfrm>
-      </p:grpSpPr>
-      <p:sp>
-        <p:nvSpPr>
-          <p:cNvPr id="2" name="Title 1"/>
-          <p:cNvSpPr>
-            <a:spLocks noGrp="1"/>
-          </p:cNvSpPr>
-          <p:nvPr>
-            <p:ph type="title"/>
-          </p:nvPr>
-        </p:nvSpPr>
-        <p:spPr>
-          <a:xfrm>
-            <a:off x="5715000" y="152400"/>
-            <a:ext cx="2073348" cy="1979466"/>
-          </a:xfrm>
-        </p:spPr>
-        <p:txBody>
-          <a:bodyPr>
-            <a:normAutofit fontScale="90000"/>
-          </a:bodyPr>
-          <a:lstStyle/>
-          <a:p>
-            <a:r>
-              <a:rPr lang="en-US" dirty="0" smtClean="0"/>
-              <a:t>Be a Good Coach</a:t>
-            </a:r>
-            <a:endParaRPr lang="en-US" dirty="0"/>
-          </a:p>
-        </p:txBody>
-      </p:sp>
-      <p:pic>
-        <p:nvPicPr>
-          <p:cNvPr id="4" name="Content Placeholder 3"/>
-          <p:cNvPicPr>
-            <a:picLocks noGrp="1" noChangeAspect="1"/>
-          </p:cNvPicPr>
-          <p:nvPr>
-            <p:ph idx="1"/>
-          </p:nvPr>
-        </p:nvPicPr>
-        <p:blipFill>
-          <a:blip r:embed="rId2">
-            <a:extLst>
-              <a:ext uri="{28A0092B-C50C-407E-A947-70E740481C1C}">
-                <a14:useLocalDpi xmlns:a14="http://schemas.microsoft.com/office/drawing/2010/main" val="0"/>
-              </a:ext>
-            </a:extLst>
-          </a:blip>
-          <a:stretch>
-            <a:fillRect/>
-          </a:stretch>
-        </p:blipFill>
-        <p:spPr>
-          <a:xfrm>
-            <a:off x="1066800" y="1600200"/>
-            <a:ext cx="3650825" cy="3650825"/>
-          </a:xfrm>
-        </p:spPr>
-      </p:pic>
-    </p:spTree>
-    <p:extLst>
-      <p:ext uri="{BB962C8B-B14F-4D97-AF65-F5344CB8AC3E}">
-        <p14:creationId xmlns:p14="http://schemas.microsoft.com/office/powerpoint/2010/main" val="1127792506"/>
-      </p:ext>
-    </p:extLst>
-  </p:cSld>
-  <p:clrMapOvr>
-    <a:masterClrMapping/>
-  </p:clrMapOvr>
-  <mc:AlternateContent xmlns:mc="http://schemas.openxmlformats.org/markup-compatibility/2006" xmlns:p14="http://schemas.microsoft.com/office/powerpoint/2010/main">
-    <mc:Choice Requires="p14">
-      <p:transition spd="slow" p14:dur="2000"/>
-    </mc:Choice>
-    <mc:Fallback xmlns="">
-      <p:transition spd="slow"/>
-    </mc:Fallback>
-  </mc:AlternateContent>
-  <p:timing>
-    <p:tnLst>
-      <p:par>
-        <p:cTn xmlns:p14="http://schemas.microsoft.com/office/powerpoint/2010/main" id="1" dur="indefinite" restart="never" nodeType="tmRoot"/>
-      </p:par>
-    </p:tnLst>
-  </p:timing>
-</p:sld>
-</file>
-
-<file path=ppt/slides/slide15.xml><?xml version="1.0" encoding="utf-8"?>
-<p:sld xmlns:a="http://schemas.openxmlformats.org/drawingml/2006/main" xmlns:r="http://schemas.openxmlformats.org/officeDocument/2006/relationships" xmlns:p="http://schemas.openxmlformats.org/presentationml/2006/main">
-  <p:cSld>
-    <p:spTree>
-      <p:nvGrpSpPr>
-        <p:cNvPr id="1" name=""/>
-        <p:cNvGrpSpPr/>
-        <p:nvPr/>
-      </p:nvGrpSpPr>
-      <p:grpSpPr>
-        <a:xfrm>
-          <a:off x="0" y="0"/>
-          <a:ext cx="0" cy="0"/>
-          <a:chOff x="0" y="0"/>
-          <a:chExt cx="0" cy="0"/>
-        </a:xfrm>
-      </p:grpSpPr>
-      <p:sp>
-        <p:nvSpPr>
-          <p:cNvPr id="2" name="Title 1"/>
-          <p:cNvSpPr>
-            <a:spLocks noGrp="1"/>
-          </p:cNvSpPr>
-          <p:nvPr>
-            <p:ph type="title"/>
-          </p:nvPr>
-        </p:nvSpPr>
-        <p:spPr>
-          <a:xfrm>
-            <a:off x="5791200" y="0"/>
-            <a:ext cx="2759148" cy="1446066"/>
-          </a:xfrm>
-        </p:spPr>
-        <p:txBody>
-          <a:bodyPr>
-            <a:normAutofit/>
-          </a:bodyPr>
-          <a:lstStyle/>
-          <a:p>
-            <a:r>
-              <a:rPr lang="en-US" sz="3200" dirty="0" smtClean="0">
-                <a:solidFill>
-                  <a:schemeClr val="bg1"/>
-                </a:solidFill>
-              </a:rPr>
-              <a:t>Be a good coach</a:t>
-            </a:r>
-            <a:endParaRPr lang="en-US" sz="3200" dirty="0">
-              <a:solidFill>
-                <a:schemeClr val="bg1"/>
-              </a:solidFill>
-            </a:endParaRPr>
-          </a:p>
-        </p:txBody>
-      </p:sp>
-      <p:pic>
-        <p:nvPicPr>
-          <p:cNvPr id="4" name="Content Placeholder 3"/>
-          <p:cNvPicPr>
-            <a:picLocks noGrp="1" noChangeAspect="1"/>
-          </p:cNvPicPr>
-          <p:nvPr>
-            <p:ph idx="1"/>
-          </p:nvPr>
-        </p:nvPicPr>
-        <p:blipFill>
-          <a:blip r:embed="rId2">
-            <a:extLst>
-              <a:ext uri="{28A0092B-C50C-407E-A947-70E740481C1C}">
-                <a14:useLocalDpi xmlns:a14="http://schemas.microsoft.com/office/drawing/2010/main" val="0"/>
-              </a:ext>
-            </a:extLst>
-          </a:blip>
-          <a:stretch>
-            <a:fillRect/>
-          </a:stretch>
-        </p:blipFill>
-        <p:spPr>
-          <a:xfrm>
-            <a:off x="304800" y="1295400"/>
-            <a:ext cx="4055986" cy="2697163"/>
-          </a:xfrm>
-        </p:spPr>
-      </p:pic>
-      <p:pic>
-        <p:nvPicPr>
-          <p:cNvPr id="5" name="Picture 4"/>
-          <p:cNvPicPr>
-            <a:picLocks noChangeAspect="1"/>
-          </p:cNvPicPr>
-          <p:nvPr/>
-        </p:nvPicPr>
-        <p:blipFill>
-          <a:blip r:embed="rId3">
-            <a:extLst>
-              <a:ext uri="{28A0092B-C50C-407E-A947-70E740481C1C}">
-                <a14:useLocalDpi xmlns:a14="http://schemas.microsoft.com/office/drawing/2010/main" val="0"/>
-              </a:ext>
-            </a:extLst>
-          </a:blip>
-          <a:stretch>
-            <a:fillRect/>
-          </a:stretch>
-        </p:blipFill>
-        <p:spPr>
-          <a:xfrm>
-            <a:off x="4876800" y="1676400"/>
-            <a:ext cx="3556000" cy="5053263"/>
-          </a:xfrm>
-          <a:prstGeom prst="rect">
-            <a:avLst/>
-          </a:prstGeom>
-        </p:spPr>
-      </p:pic>
-      <p:sp>
-        <p:nvSpPr>
-          <p:cNvPr id="6" name="Title 1"/>
-          <p:cNvSpPr txBox="1">
-            <a:spLocks/>
-          </p:cNvSpPr>
-          <p:nvPr/>
-        </p:nvSpPr>
-        <p:spPr>
-          <a:xfrm>
-            <a:off x="1066800" y="4572000"/>
-            <a:ext cx="2073348" cy="1979466"/>
-          </a:xfrm>
-          <a:prstGeom prst="rect">
-            <a:avLst/>
-          </a:prstGeom>
-        </p:spPr>
-        <p:txBody>
-          <a:bodyPr vert="horz" lIns="91440" tIns="45720" rIns="91440" bIns="45720" rtlCol="0" anchor="ctr">
-            <a:normAutofit fontScale="97500" lnSpcReduction="10000"/>
-          </a:bodyPr>
-          <a:lstStyle>
-            <a:lvl1pPr algn="ctr" defTabSz="914400" rtl="0" eaLnBrk="1" latinLnBrk="0" hangingPunct="1">
-              <a:spcBef>
-                <a:spcPct val="0"/>
-              </a:spcBef>
-              <a:buNone/>
-              <a:defRPr sz="4400" kern="1200">
-                <a:solidFill>
-                  <a:schemeClr val="tx1"/>
-                </a:solidFill>
-                <a:latin typeface="+mj-lt"/>
-                <a:ea typeface="+mj-ea"/>
-                <a:cs typeface="+mj-cs"/>
-              </a:defRPr>
-            </a:lvl1pPr>
-          </a:lstStyle>
-          <a:p>
-            <a:r>
-              <a:rPr lang="en-US" smtClean="0"/>
-              <a:t>Be a Good Coach</a:t>
-            </a:r>
-            <a:endParaRPr lang="en-US" dirty="0"/>
-          </a:p>
-        </p:txBody>
-      </p:sp>
-    </p:spTree>
-    <p:extLst>
-      <p:ext uri="{BB962C8B-B14F-4D97-AF65-F5344CB8AC3E}">
-        <p14:creationId xmlns:p14="http://schemas.microsoft.com/office/powerpoint/2010/main" val="2459222177"/>
-      </p:ext>
-    </p:extLst>
-  </p:cSld>
-  <p:clrMapOvr>
-    <a:masterClrMapping/>
-  </p:clrMapOvr>
-  <mc:AlternateContent xmlns:mc="http://schemas.openxmlformats.org/markup-compatibility/2006" xmlns:p14="http://schemas.microsoft.com/office/powerpoint/2010/main">
-    <mc:Choice Requires="p14">
-      <p:transition spd="slow" p14:dur="2000"/>
-    </mc:Choice>
-    <mc:Fallback xmlns="">
-      <p:transition spd="slow"/>
-    </mc:Fallback>
-  </mc:AlternateContent>
-  <p:timing>
-    <p:tnLst>
-      <p:par>
-        <p:cTn xmlns:p14="http://schemas.microsoft.com/office/powerpoint/2010/main" id="1" dur="indefinite" restart="never" nodeType="tmRoot"/>
-      </p:par>
-    </p:tnLst>
-  </p:timing>
-</p:sld>
-</file>
-
-<file path=ppt/slides/slide16.xml><?xml version="1.0" encoding="utf-8"?>
-<p:sld xmlns:a="http://schemas.openxmlformats.org/drawingml/2006/main" xmlns:r="http://schemas.openxmlformats.org/officeDocument/2006/relationships" xmlns:p="http://schemas.openxmlformats.org/presentationml/2006/main">
-  <p:cSld>
-    <p:spTree>
-      <p:nvGrpSpPr>
-        <p:cNvPr id="1" name=""/>
-        <p:cNvGrpSpPr/>
-        <p:nvPr/>
-      </p:nvGrpSpPr>
-      <p:grpSpPr>
-        <a:xfrm>
-          <a:off x="0" y="0"/>
-          <a:ext cx="0" cy="0"/>
-          <a:chOff x="0" y="0"/>
-          <a:chExt cx="0" cy="0"/>
-        </a:xfrm>
-      </p:grpSpPr>
-      <p:pic>
-        <p:nvPicPr>
-          <p:cNvPr id="4" name="Picture 3"/>
-          <p:cNvPicPr>
-            <a:picLocks noChangeAspect="1"/>
-          </p:cNvPicPr>
-          <p:nvPr/>
-        </p:nvPicPr>
-        <p:blipFill>
-          <a:blip r:embed="rId3">
-            <a:extLst>
-              <a:ext uri="{28A0092B-C50C-407E-A947-70E740481C1C}">
-                <a14:useLocalDpi xmlns:a14="http://schemas.microsoft.com/office/drawing/2010/main" val="0"/>
-              </a:ext>
-            </a:extLst>
-          </a:blip>
-          <a:stretch>
-            <a:fillRect/>
-          </a:stretch>
-        </p:blipFill>
-        <p:spPr>
-          <a:xfrm>
-            <a:off x="0" y="0"/>
-            <a:ext cx="9144000" cy="6858000"/>
-          </a:xfrm>
-          <a:prstGeom prst="rect">
-            <a:avLst/>
-          </a:prstGeom>
-        </p:spPr>
-      </p:pic>
-      <p:sp>
-        <p:nvSpPr>
-          <p:cNvPr id="2" name="Title 1"/>
-          <p:cNvSpPr>
-            <a:spLocks noGrp="1"/>
-          </p:cNvSpPr>
-          <p:nvPr>
-            <p:ph type="title"/>
-          </p:nvPr>
-        </p:nvSpPr>
-        <p:spPr>
-          <a:xfrm>
-            <a:off x="-1676400" y="5682762"/>
-            <a:ext cx="8229600" cy="1143000"/>
-          </a:xfrm>
-        </p:spPr>
-        <p:txBody>
-          <a:bodyPr>
-            <a:normAutofit fontScale="90000"/>
-          </a:bodyPr>
-          <a:lstStyle/>
-          <a:p>
-            <a:r>
-              <a:rPr lang="en-US" dirty="0" smtClean="0"/>
-              <a:t>Empower Your</a:t>
-            </a:r>
-            <a:br>
-              <a:rPr lang="en-US" dirty="0" smtClean="0"/>
-            </a:br>
-            <a:r>
-              <a:rPr lang="en-US" dirty="0" smtClean="0"/>
-              <a:t> Players</a:t>
-            </a:r>
-            <a:endParaRPr lang="en-US" dirty="0"/>
-          </a:p>
-        </p:txBody>
-      </p:sp>
-    </p:spTree>
-    <p:extLst>
-      <p:ext uri="{BB962C8B-B14F-4D97-AF65-F5344CB8AC3E}">
-        <p14:creationId xmlns:p14="http://schemas.microsoft.com/office/powerpoint/2010/main" val="1836897595"/>
-      </p:ext>
-    </p:extLst>
-  </p:cSld>
-  <p:clrMapOvr>
-    <a:masterClrMapping/>
-  </p:clrMapOvr>
-  <p:timing>
-    <p:tnLst>
-      <p:par>
-        <p:cTn xmlns:p14="http://schemas.microsoft.com/office/powerpoint/2010/main" id="1" dur="indefinite" restart="never" nodeType="tmRoot"/>
-      </p:par>
-    </p:tnLst>
-  </p:timing>
-</p:sld>
-</file>
-
-<file path=ppt/slides/slide17.xml><?xml version="1.0" encoding="utf-8"?>
-<p:sld xmlns:a="http://schemas.openxmlformats.org/drawingml/2006/main" xmlns:r="http://schemas.openxmlformats.org/officeDocument/2006/relationships" xmlns:p="http://schemas.openxmlformats.org/presentationml/2006/main">
-  <p:cSld>
-    <p:spTree>
-      <p:nvGrpSpPr>
-        <p:cNvPr id="1" name=""/>
-        <p:cNvGrpSpPr/>
-        <p:nvPr/>
-      </p:nvGrpSpPr>
-      <p:grpSpPr>
-        <a:xfrm>
-          <a:off x="0" y="0"/>
-          <a:ext cx="0" cy="0"/>
-          <a:chOff x="0" y="0"/>
-          <a:chExt cx="0" cy="0"/>
-        </a:xfrm>
-      </p:grpSpPr>
-      <p:sp>
-        <p:nvSpPr>
-          <p:cNvPr id="2" name="Title 1"/>
-          <p:cNvSpPr>
-            <a:spLocks noGrp="1"/>
-          </p:cNvSpPr>
-          <p:nvPr>
-            <p:ph type="title"/>
-          </p:nvPr>
-        </p:nvSpPr>
-        <p:spPr>
-          <a:xfrm>
-            <a:off x="3276600" y="5486400"/>
-            <a:ext cx="8229600" cy="1143000"/>
-          </a:xfrm>
-        </p:spPr>
-        <p:txBody>
-          <a:bodyPr>
-            <a:normAutofit fontScale="90000"/>
-          </a:bodyPr>
-          <a:lstStyle/>
-          <a:p>
-            <a:r>
-              <a:rPr lang="en-US" dirty="0" smtClean="0"/>
-              <a:t>Ask About </a:t>
-            </a:r>
-            <a:br>
-              <a:rPr lang="en-US" dirty="0" smtClean="0"/>
-            </a:br>
-            <a:r>
-              <a:rPr lang="en-US" dirty="0" smtClean="0"/>
-              <a:t>Their Dog…</a:t>
-            </a:r>
-            <a:endParaRPr lang="en-US" dirty="0"/>
-          </a:p>
-        </p:txBody>
-      </p:sp>
-      <p:pic>
-        <p:nvPicPr>
-          <p:cNvPr id="5" name="Picture 4"/>
-          <p:cNvPicPr>
-            <a:picLocks noChangeAspect="1"/>
-          </p:cNvPicPr>
-          <p:nvPr/>
-        </p:nvPicPr>
-        <p:blipFill>
-          <a:blip r:embed="rId3">
-            <a:extLst>
-              <a:ext uri="{28A0092B-C50C-407E-A947-70E740481C1C}">
-                <a14:useLocalDpi xmlns:a14="http://schemas.microsoft.com/office/drawing/2010/main" val="0"/>
-              </a:ext>
-            </a:extLst>
-          </a:blip>
-          <a:stretch>
-            <a:fillRect/>
-          </a:stretch>
-        </p:blipFill>
-        <p:spPr>
-          <a:xfrm>
-            <a:off x="-1447800" y="304800"/>
-            <a:ext cx="8940800" cy="5029200"/>
-          </a:xfrm>
-          <a:prstGeom prst="rect">
-            <a:avLst/>
-          </a:prstGeom>
-        </p:spPr>
-      </p:pic>
-    </p:spTree>
-    <p:extLst>
-      <p:ext uri="{BB962C8B-B14F-4D97-AF65-F5344CB8AC3E}">
-        <p14:creationId xmlns:p14="http://schemas.microsoft.com/office/powerpoint/2010/main" val="1311489399"/>
-      </p:ext>
-    </p:extLst>
-  </p:cSld>
-  <p:clrMapOvr>
-    <a:masterClrMapping/>
-  </p:clrMapOvr>
-  <mc:AlternateContent xmlns:mc="http://schemas.openxmlformats.org/markup-compatibility/2006" xmlns:p14="http://schemas.microsoft.com/office/powerpoint/2010/main">
-    <mc:Choice Requires="p14">
-      <p:transition spd="slow" p14:dur="2000"/>
-    </mc:Choice>
-    <mc:Fallback xmlns="">
-      <p:transition spd="slow"/>
-    </mc:Fallback>
-  </mc:AlternateContent>
-  <p:timing>
-    <p:tnLst>
-      <p:par>
-        <p:cTn xmlns:p14="http://schemas.microsoft.com/office/powerpoint/2010/main" id="1" dur="indefinite" restart="never" nodeType="tmRoot"/>
-      </p:par>
-    </p:tnLst>
-  </p:timing>
-</p:sld>
-</file>
-
-<file path=ppt/slides/slide18.xml><?xml version="1.0" encoding="utf-8"?>
-<p:sld xmlns:a="http://schemas.openxmlformats.org/drawingml/2006/main" xmlns:r="http://schemas.openxmlformats.org/officeDocument/2006/relationships" xmlns:p="http://schemas.openxmlformats.org/presentationml/2006/main">
-  <p:cSld>
-    <p:spTree>
-      <p:nvGrpSpPr>
-        <p:cNvPr id="1" name=""/>
-        <p:cNvGrpSpPr/>
-        <p:nvPr/>
-      </p:nvGrpSpPr>
-      <p:grpSpPr>
-        <a:xfrm>
-          <a:off x="0" y="0"/>
-          <a:ext cx="0" cy="0"/>
-          <a:chOff x="0" y="0"/>
-          <a:chExt cx="0" cy="0"/>
-        </a:xfrm>
-      </p:grpSpPr>
-      <p:sp>
-        <p:nvSpPr>
-          <p:cNvPr id="2" name="Title 1"/>
-          <p:cNvSpPr>
-            <a:spLocks noGrp="1"/>
-          </p:cNvSpPr>
-          <p:nvPr>
-            <p:ph type="title"/>
-          </p:nvPr>
-        </p:nvSpPr>
-        <p:spPr>
-          <a:xfrm>
-            <a:off x="1066800" y="4859699"/>
-            <a:ext cx="5410200" cy="1143000"/>
-          </a:xfrm>
-        </p:spPr>
-        <p:txBody>
-          <a:bodyPr>
-            <a:normAutofit fontScale="90000"/>
-          </a:bodyPr>
-          <a:lstStyle/>
-          <a:p>
-            <a:r>
-              <a:rPr lang="en-US" dirty="0" smtClean="0"/>
-              <a:t>Don’t Be </a:t>
-            </a:r>
-            <a:br>
-              <a:rPr lang="en-US" dirty="0" smtClean="0"/>
-            </a:br>
-            <a:r>
-              <a:rPr lang="en-US" dirty="0" smtClean="0"/>
-              <a:t>a Doormat</a:t>
-            </a:r>
-            <a:endParaRPr lang="en-US" dirty="0"/>
-          </a:p>
-        </p:txBody>
-      </p:sp>
-      <p:pic>
-        <p:nvPicPr>
-          <p:cNvPr id="5" name="Picture 4"/>
-          <p:cNvPicPr>
-            <a:picLocks noChangeAspect="1"/>
-          </p:cNvPicPr>
-          <p:nvPr/>
-        </p:nvPicPr>
-        <p:blipFill>
-          <a:blip r:embed="rId3">
-            <a:extLst>
-              <a:ext uri="{28A0092B-C50C-407E-A947-70E740481C1C}">
-                <a14:useLocalDpi xmlns:a14="http://schemas.microsoft.com/office/drawing/2010/main" val="0"/>
-              </a:ext>
-            </a:extLst>
-          </a:blip>
-          <a:stretch>
-            <a:fillRect/>
-          </a:stretch>
-        </p:blipFill>
-        <p:spPr>
-          <a:xfrm>
-            <a:off x="304800" y="-32238"/>
-            <a:ext cx="9144000" cy="4891937"/>
-          </a:xfrm>
-          <a:prstGeom prst="rect">
-            <a:avLst/>
-          </a:prstGeom>
-        </p:spPr>
-      </p:pic>
-    </p:spTree>
-    <p:extLst>
-      <p:ext uri="{BB962C8B-B14F-4D97-AF65-F5344CB8AC3E}">
-        <p14:creationId xmlns:p14="http://schemas.microsoft.com/office/powerpoint/2010/main" val="2538764913"/>
-      </p:ext>
-    </p:extLst>
-  </p:cSld>
-  <p:clrMapOvr>
-    <a:masterClrMapping/>
-  </p:clrMapOvr>
-  <mc:AlternateContent xmlns:mc="http://schemas.openxmlformats.org/markup-compatibility/2006" xmlns:p14="http://schemas.microsoft.com/office/powerpoint/2010/main">
-    <mc:Choice Requires="p14">
-      <p:transition spd="slow" p14:dur="2000"/>
-    </mc:Choice>
-    <mc:Fallback xmlns="">
-      <p:transition spd="slow"/>
-    </mc:Fallback>
-  </mc:AlternateContent>
-  <p:timing>
-    <p:tnLst>
-      <p:par>
-        <p:cTn xmlns:p14="http://schemas.microsoft.com/office/powerpoint/2010/main" id="1" dur="indefinite" restart="never" nodeType="tmRoot"/>
-      </p:par>
-    </p:tnLst>
-  </p:timing>
-</p:sld>
-</file>
-
-<file path=ppt/slides/slide19.xml><?xml version="1.0" encoding="utf-8"?>
-<p:sld xmlns:a="http://schemas.openxmlformats.org/drawingml/2006/main" xmlns:r="http://schemas.openxmlformats.org/officeDocument/2006/relationships" xmlns:p="http://schemas.openxmlformats.org/presentationml/2006/main">
-  <p:cSld>
-    <p:spTree>
-      <p:nvGrpSpPr>
-        <p:cNvPr id="1" name=""/>
-        <p:cNvGrpSpPr/>
-        <p:nvPr/>
-      </p:nvGrpSpPr>
-      <p:grpSpPr>
-        <a:xfrm>
-          <a:off x="0" y="0"/>
-          <a:ext cx="0" cy="0"/>
-          <a:chOff x="0" y="0"/>
-          <a:chExt cx="0" cy="0"/>
-        </a:xfrm>
-      </p:grpSpPr>
-      <p:sp>
-        <p:nvSpPr>
-          <p:cNvPr id="2" name="Title 1"/>
-          <p:cNvSpPr>
-            <a:spLocks noGrp="1"/>
-          </p:cNvSpPr>
-          <p:nvPr>
-            <p:ph type="title"/>
-          </p:nvPr>
-        </p:nvSpPr>
-        <p:spPr>
-          <a:xfrm>
-            <a:off x="24284" y="1295400"/>
-            <a:ext cx="5029200" cy="1143000"/>
-          </a:xfrm>
-        </p:spPr>
-        <p:txBody>
-          <a:bodyPr/>
-          <a:lstStyle/>
-          <a:p>
-            <a:r>
-              <a:rPr lang="en-US" dirty="0" smtClean="0"/>
-              <a:t>Communicate</a:t>
-            </a:r>
-            <a:endParaRPr lang="en-US" dirty="0"/>
-          </a:p>
-        </p:txBody>
-      </p:sp>
-      <p:sp>
-        <p:nvSpPr>
-          <p:cNvPr id="4" name="TextBox 3"/>
-          <p:cNvSpPr txBox="1"/>
-          <p:nvPr/>
-        </p:nvSpPr>
-        <p:spPr>
-          <a:xfrm>
-            <a:off x="6172200" y="4648200"/>
-            <a:ext cx="1526765" cy="769441"/>
-          </a:xfrm>
-          <a:prstGeom prst="rect">
-            <a:avLst/>
-          </a:prstGeom>
-          <a:noFill/>
-        </p:spPr>
-        <p:txBody>
-          <a:bodyPr wrap="none" rtlCol="0">
-            <a:spAutoFit/>
-          </a:bodyPr>
-          <a:lstStyle/>
-          <a:p>
-            <a:r>
-              <a:rPr lang="en-US" sz="4400" dirty="0" smtClean="0"/>
-              <a:t>Listen</a:t>
-            </a:r>
-            <a:endParaRPr lang="en-US" sz="4400" dirty="0"/>
-          </a:p>
-        </p:txBody>
-      </p:sp>
-    </p:spTree>
-    <p:extLst>
-      <p:ext uri="{BB962C8B-B14F-4D97-AF65-F5344CB8AC3E}">
-        <p14:creationId xmlns:p14="http://schemas.microsoft.com/office/powerpoint/2010/main" val="2815731786"/>
-      </p:ext>
-    </p:extLst>
-  </p:cSld>
-  <p:clrMapOvr>
-    <a:masterClrMapping/>
-  </p:clrMapOvr>
-  <mc:AlternateContent xmlns:mc="http://schemas.openxmlformats.org/markup-compatibility/2006" xmlns:p14="http://schemas.microsoft.com/office/powerpoint/2010/main">
-    <mc:Choice Requires="p14">
-      <p:transition spd="slow" p14:dur="2000"/>
-    </mc:Choice>
-    <mc:Fallback xmlns="">
-      <p:transition spd="slow"/>
-    </mc:Fallback>
-  </mc:AlternateContent>
-  <p:timing>
-    <p:tnLst>
-      <p:par>
-        <p:cTn xmlns:p14="http://schemas.microsoft.com/office/powerpoint/2010/main" id="1" dur="indefinite" restart="never" nodeType="tmRoot">
-          <p:childTnLst>
-            <p:seq concurrent="1" nextAc="seek">
-              <p:cTn id="2" dur="indefinite" nodeType="mainSeq">
-                <p:childTnLst>
-                  <p:par>
-                    <p:cTn id="3" fill="hold">
-                      <p:stCondLst>
-                        <p:cond delay="indefinite"/>
-                      </p:stCondLst>
-                      <p:childTnLst>
-                        <p:par>
-                          <p:cTn id="4" fill="hold">
-                            <p:stCondLst>
-                              <p:cond delay="0"/>
-                            </p:stCondLst>
-                            <p:childTnLst>
-                              <p:par>
-                                <p:cTn id="5" presetID="1" presetClass="entr" presetSubtype="0" fill="hold" grpId="0" nodeType="clickEffect">
-                                  <p:stCondLst>
-                                    <p:cond delay="0"/>
-                                  </p:stCondLst>
-                                  <p:childTnLst>
-                                    <p:set>
-                                      <p:cBhvr>
-                                        <p:cTn id="6" dur="1" fill="hold">
-                                          <p:stCondLst>
-                                            <p:cond delay="0"/>
-                                          </p:stCondLst>
-                                        </p:cTn>
-                                        <p:tgtEl>
-                                          <p:spTgt spid="4"/>
-                                        </p:tgtEl>
-                                        <p:attrNameLst>
-                                          <p:attrName>style.visibility</p:attrName>
-                                        </p:attrNameLst>
-                                      </p:cBhvr>
-                                      <p:to>
-                                        <p:strVal val="visible"/>
-                                      </p:to>
-                                    </p:set>
-                                  </p:childTnLst>
-                                </p:cTn>
-                              </p:par>
-                            </p:childTnLst>
-                          </p:cTn>
-                        </p:par>
-                      </p:childTnLst>
-                    </p:cTn>
-                  </p:par>
-                </p:childTnLst>
-              </p:cTn>
-              <p:prevCondLst>
-                <p:cond evt="onPrev" delay="0">
-                  <p:tgtEl>
-                    <p:sldTgt/>
-                  </p:tgtEl>
-                </p:cond>
-              </p:prevCondLst>
-              <p:nextCondLst>
-                <p:cond evt="onNext" delay="0">
-                  <p:tgtEl>
-                    <p:sldTgt/>
-                  </p:tgtEl>
-                </p:cond>
-              </p:nextCondLst>
-            </p:seq>
-          </p:childTnLst>
-        </p:cTn>
-      </p:par>
-    </p:tnLst>
-    <p:bldLst>
-      <p:bldP spid="4" grpId="0"/>
-    </p:bldLst>
-  </p:timing>
-</p:sld>
-</file>
-
-<file path=ppt/slides/slide2.xml><?xml version="1.0" encoding="utf-8"?>
-<p:sld xmlns:a="http://schemas.openxmlformats.org/drawingml/2006/main" xmlns:r="http://schemas.openxmlformats.org/officeDocument/2006/relationships" xmlns:p="http://schemas.openxmlformats.org/presentationml/2006/main">
-  <p:cSld>
-    <p:spTree>
-      <p:nvGrpSpPr>
-        <p:cNvPr id="1" name=""/>
-        <p:cNvGrpSpPr/>
-        <p:nvPr/>
-      </p:nvGrpSpPr>
-      <p:grpSpPr>
-        <a:xfrm>
-          <a:off x="0" y="0"/>
-          <a:ext cx="0" cy="0"/>
-          <a:chOff x="0" y="0"/>
-          <a:chExt cx="0" cy="0"/>
-        </a:xfrm>
-      </p:grpSpPr>
-      <p:grpSp>
-        <p:nvGrpSpPr>
-          <p:cNvPr id="4" name="Group 3"/>
-          <p:cNvGrpSpPr/>
-          <p:nvPr/>
-        </p:nvGrpSpPr>
-        <p:grpSpPr>
-          <a:xfrm>
-            <a:off x="57150" y="-11968"/>
-            <a:ext cx="9029700" cy="6776701"/>
-            <a:chOff x="57150" y="-11968"/>
-            <a:chExt cx="9029700" cy="6776701"/>
-          </a:xfrm>
-        </p:grpSpPr>
-        <p:sp>
-          <p:nvSpPr>
-            <p:cNvPr id="38" name="Rounded Rectangle 37"/>
-            <p:cNvSpPr/>
-            <p:nvPr/>
-          </p:nvSpPr>
-          <p:spPr>
-            <a:xfrm>
-              <a:off x="57150" y="48378"/>
-              <a:ext cx="9029700" cy="1804312"/>
-            </a:xfrm>
-            <a:prstGeom prst="roundRect">
-              <a:avLst/>
-            </a:prstGeom>
-            <a:noFill/>
-            <a:ln>
-              <a:solidFill>
-                <a:srgbClr val="7030A0"/>
-              </a:solidFill>
-            </a:ln>
-            <a:effectLst>
-              <a:outerShdw blurRad="50800" dist="38100" dir="18900000" algn="bl" rotWithShape="0">
-                <a:prstClr val="black">
-                  <a:alpha val="40000"/>
-                </a:prstClr>
-              </a:outerShdw>
-            </a:effectLst>
-          </p:spPr>
-          <p:style>
-            <a:lnRef idx="2">
-              <a:schemeClr val="accent1">
-                <a:shade val="50000"/>
-              </a:schemeClr>
-            </a:lnRef>
-            <a:fillRef idx="1">
-              <a:schemeClr val="accent1"/>
-            </a:fillRef>
-            <a:effectRef idx="0">
-              <a:schemeClr val="accent1"/>
-            </a:effectRef>
-            <a:fontRef idx="minor">
-              <a:schemeClr val="lt1"/>
-            </a:fontRef>
-          </p:style>
-          <p:txBody>
-            <a:bodyPr rtlCol="0" anchor="ctr"/>
-            <a:lstStyle/>
-            <a:p>
-              <a:pPr algn="ctr"/>
-              <a:endParaRPr lang="en-US" sz="1350"/>
-            </a:p>
-          </p:txBody>
-        </p:sp>
-        <p:sp>
-          <p:nvSpPr>
-            <p:cNvPr id="42" name="Title 1"/>
-            <p:cNvSpPr txBox="1">
-              <a:spLocks/>
-            </p:cNvSpPr>
-            <p:nvPr/>
-          </p:nvSpPr>
-          <p:spPr>
-            <a:xfrm>
-              <a:off x="163076" y="211178"/>
-              <a:ext cx="929098" cy="515126"/>
-            </a:xfrm>
-            <a:prstGeom prst="rect">
-              <a:avLst/>
-            </a:prstGeom>
-          </p:spPr>
-          <p:txBody>
-            <a:bodyPr lIns="51440" tIns="25721" rIns="51440" bIns="25721"/>
-            <a:lstStyle>
-              <a:lvl1pPr algn="l" defTabSz="914363" rtl="0" eaLnBrk="1" latinLnBrk="0" hangingPunct="1">
-                <a:lnSpc>
-                  <a:spcPct val="90000"/>
-                </a:lnSpc>
-                <a:spcBef>
-                  <a:spcPct val="0"/>
-                </a:spcBef>
-                <a:buNone/>
-                <a:defRPr lang="en-US" sz="5400" b="0" kern="1200" cap="none" spc="-100" baseline="0" dirty="0" smtClean="0">
-                  <a:ln w="3175">
-                    <a:noFill/>
-                  </a:ln>
-                  <a:gradFill>
-                    <a:gsLst>
-                      <a:gs pos="0">
-                        <a:schemeClr val="tx2"/>
-                      </a:gs>
-                      <a:gs pos="86000">
-                        <a:schemeClr val="tx2"/>
-                      </a:gs>
-                    </a:gsLst>
-                    <a:lin ang="5400000" scaled="0"/>
-                  </a:gradFill>
-                  <a:effectLst/>
-                  <a:latin typeface="Segoe UI Light" pitchFamily="34" charset="0"/>
-                  <a:ea typeface="+mn-ea"/>
-                  <a:cs typeface="Arial" charset="0"/>
-                </a:defRPr>
-              </a:lvl1pPr>
-            </a:lstStyle>
-            <a:p>
-              <a:r>
-                <a:rPr lang="en-US" sz="1500" b="1" spc="-53" dirty="0">
-                  <a:solidFill>
-                    <a:schemeClr val="bg1">
-                      <a:lumMod val="50000"/>
-                    </a:schemeClr>
-                  </a:solidFill>
-                  <a:effectLst>
-                    <a:outerShdw blurRad="38100" dist="38100" dir="2700000" algn="tl">
-                      <a:srgbClr val="000000">
-                        <a:alpha val="43137"/>
-                      </a:srgbClr>
-                    </a:outerShdw>
-                  </a:effectLst>
-                  <a:ea typeface="Segoe UI" pitchFamily="34" charset="0"/>
-                  <a:cs typeface="Segoe UI" pitchFamily="34" charset="0"/>
-                </a:rPr>
-                <a:t>Platinum Sponsors</a:t>
-              </a:r>
-            </a:p>
-          </p:txBody>
-        </p:sp>
-        <p:sp>
-          <p:nvSpPr>
-            <p:cNvPr id="40" name="Rounded Rectangle 39"/>
-            <p:cNvSpPr/>
-            <p:nvPr/>
-          </p:nvSpPr>
-          <p:spPr>
-            <a:xfrm>
-              <a:off x="81617" y="6172177"/>
-              <a:ext cx="8972550" cy="592556"/>
-            </a:xfrm>
-            <a:prstGeom prst="roundRect">
-              <a:avLst/>
-            </a:prstGeom>
-            <a:solidFill>
-              <a:srgbClr val="FFFFFF"/>
-            </a:solidFill>
-            <a:ln>
-              <a:solidFill>
-                <a:srgbClr val="7030A0"/>
-              </a:solidFill>
-            </a:ln>
-            <a:effectLst>
-              <a:outerShdw blurRad="50800" dist="38100" dir="18900000" algn="bl" rotWithShape="0">
-                <a:prstClr val="black">
-                  <a:alpha val="40000"/>
-                </a:prstClr>
-              </a:outerShdw>
-            </a:effectLst>
-          </p:spPr>
-          <p:style>
-            <a:lnRef idx="2">
-              <a:schemeClr val="accent1">
-                <a:shade val="50000"/>
-              </a:schemeClr>
-            </a:lnRef>
-            <a:fillRef idx="1">
-              <a:schemeClr val="accent1"/>
-            </a:fillRef>
-            <a:effectRef idx="0">
-              <a:schemeClr val="accent1"/>
-            </a:effectRef>
-            <a:fontRef idx="minor">
-              <a:schemeClr val="lt1"/>
-            </a:fontRef>
-          </p:style>
-          <p:txBody>
-            <a:bodyPr rtlCol="0" anchor="ctr"/>
-            <a:lstStyle/>
-            <a:p>
-              <a:pPr algn="ctr"/>
-              <a:endParaRPr lang="en-US" sz="1350"/>
-            </a:p>
-          </p:txBody>
-        </p:sp>
-        <p:sp>
-          <p:nvSpPr>
-            <p:cNvPr id="53" name="Title 1"/>
-            <p:cNvSpPr txBox="1">
-              <a:spLocks/>
-            </p:cNvSpPr>
-            <p:nvPr/>
-          </p:nvSpPr>
-          <p:spPr>
-            <a:xfrm>
-              <a:off x="120996" y="6315816"/>
-              <a:ext cx="1650767" cy="222513"/>
-            </a:xfrm>
-            <a:prstGeom prst="rect">
-              <a:avLst/>
-            </a:prstGeom>
-          </p:spPr>
-          <p:txBody>
-            <a:bodyPr lIns="51440" tIns="25721" rIns="51440" bIns="25721"/>
-            <a:lstStyle>
-              <a:lvl1pPr algn="l" defTabSz="914363" rtl="0" eaLnBrk="1" latinLnBrk="0" hangingPunct="1">
-                <a:lnSpc>
-                  <a:spcPct val="90000"/>
-                </a:lnSpc>
-                <a:spcBef>
-                  <a:spcPct val="0"/>
-                </a:spcBef>
-                <a:buNone/>
-                <a:defRPr lang="en-US" sz="5400" b="0" kern="1200" cap="none" spc="-100" baseline="0" dirty="0" smtClean="0">
-                  <a:ln w="3175">
-                    <a:noFill/>
-                  </a:ln>
-                  <a:gradFill>
-                    <a:gsLst>
-                      <a:gs pos="0">
-                        <a:schemeClr val="tx2"/>
-                      </a:gs>
-                      <a:gs pos="86000">
-                        <a:schemeClr val="tx2"/>
-                      </a:gs>
-                    </a:gsLst>
-                    <a:lin ang="5400000" scaled="0"/>
-                  </a:gradFill>
-                  <a:effectLst/>
-                  <a:latin typeface="Segoe UI Light" pitchFamily="34" charset="0"/>
-                  <a:ea typeface="+mn-ea"/>
-                  <a:cs typeface="Arial" charset="0"/>
-                </a:defRPr>
-              </a:lvl1pPr>
-            </a:lstStyle>
-            <a:p>
-              <a:r>
-                <a:rPr lang="en-US" sz="1500" b="1" spc="-53" dirty="0">
-                  <a:solidFill>
-                    <a:schemeClr val="bg1">
-                      <a:lumMod val="50000"/>
-                    </a:schemeClr>
-                  </a:solidFill>
-                  <a:effectLst>
-                    <a:outerShdw blurRad="38100" dist="38100" dir="2700000" algn="tl">
-                      <a:srgbClr val="000000">
-                        <a:alpha val="43137"/>
-                      </a:srgbClr>
-                    </a:outerShdw>
-                  </a:effectLst>
-                  <a:ea typeface="Segoe UI" pitchFamily="34" charset="0"/>
-                  <a:cs typeface="Segoe UI" pitchFamily="34" charset="0"/>
-                </a:rPr>
-                <a:t>Silver Sponsors</a:t>
-              </a:r>
-            </a:p>
-          </p:txBody>
-        </p:sp>
-        <p:sp>
-          <p:nvSpPr>
-            <p:cNvPr id="39" name="Rounded Rectangle 38"/>
-            <p:cNvSpPr/>
-            <p:nvPr/>
-          </p:nvSpPr>
-          <p:spPr>
-            <a:xfrm>
-              <a:off x="57150" y="1935828"/>
-              <a:ext cx="9029700" cy="4145683"/>
-            </a:xfrm>
-            <a:prstGeom prst="roundRect">
-              <a:avLst/>
-            </a:prstGeom>
-            <a:solidFill>
-              <a:srgbClr val="FFFFFF"/>
-            </a:solidFill>
-            <a:ln>
-              <a:solidFill>
-                <a:srgbClr val="7030A0"/>
-              </a:solidFill>
-            </a:ln>
-            <a:effectLst>
-              <a:outerShdw blurRad="50800" dist="38100" dir="18900000" algn="bl" rotWithShape="0">
-                <a:prstClr val="black">
-                  <a:alpha val="40000"/>
-                </a:prstClr>
-              </a:outerShdw>
-            </a:effectLst>
-          </p:spPr>
-          <p:style>
-            <a:lnRef idx="2">
-              <a:schemeClr val="accent1">
-                <a:shade val="50000"/>
-              </a:schemeClr>
-            </a:lnRef>
-            <a:fillRef idx="1">
-              <a:schemeClr val="accent1"/>
-            </a:fillRef>
-            <a:effectRef idx="0">
-              <a:schemeClr val="accent1"/>
-            </a:effectRef>
-            <a:fontRef idx="minor">
-              <a:schemeClr val="lt1"/>
-            </a:fontRef>
-          </p:style>
-          <p:txBody>
-            <a:bodyPr rtlCol="0" anchor="ctr"/>
-            <a:lstStyle/>
-            <a:p>
-              <a:pPr algn="ctr"/>
-              <a:endParaRPr lang="en-US" sz="1350"/>
-            </a:p>
-          </p:txBody>
-        </p:sp>
-        <p:sp>
-          <p:nvSpPr>
-            <p:cNvPr id="41" name="Title 1"/>
-            <p:cNvSpPr txBox="1">
-              <a:spLocks/>
-            </p:cNvSpPr>
-            <p:nvPr/>
-          </p:nvSpPr>
-          <p:spPr>
-            <a:xfrm>
-              <a:off x="257749" y="2057557"/>
-              <a:ext cx="985434" cy="335098"/>
-            </a:xfrm>
-            <a:prstGeom prst="rect">
-              <a:avLst/>
-            </a:prstGeom>
-          </p:spPr>
-          <p:txBody>
-            <a:bodyPr lIns="51440" tIns="25721" rIns="51440" bIns="25721"/>
-            <a:lstStyle>
-              <a:lvl1pPr algn="l" defTabSz="914363" rtl="0" eaLnBrk="1" latinLnBrk="0" hangingPunct="1">
-                <a:lnSpc>
-                  <a:spcPct val="90000"/>
-                </a:lnSpc>
-                <a:spcBef>
-                  <a:spcPct val="0"/>
-                </a:spcBef>
-                <a:buNone/>
-                <a:defRPr lang="en-US" sz="5400" b="0" kern="1200" cap="none" spc="-100" baseline="0" dirty="0" smtClean="0">
-                  <a:ln w="3175">
-                    <a:noFill/>
-                  </a:ln>
-                  <a:gradFill>
-                    <a:gsLst>
-                      <a:gs pos="0">
-                        <a:schemeClr val="tx2"/>
-                      </a:gs>
-                      <a:gs pos="86000">
-                        <a:schemeClr val="tx2"/>
-                      </a:gs>
-                    </a:gsLst>
-                    <a:lin ang="5400000" scaled="0"/>
-                  </a:gradFill>
-                  <a:effectLst/>
-                  <a:latin typeface="Segoe UI Light" pitchFamily="34" charset="0"/>
-                  <a:ea typeface="+mn-ea"/>
-                  <a:cs typeface="Arial" charset="0"/>
-                </a:defRPr>
-              </a:lvl1pPr>
-            </a:lstStyle>
-            <a:p>
-              <a:r>
-                <a:rPr lang="en-US" sz="1500" b="1" spc="-53" dirty="0">
-                  <a:solidFill>
-                    <a:schemeClr val="bg1">
-                      <a:lumMod val="50000"/>
-                    </a:schemeClr>
-                  </a:solidFill>
-                  <a:effectLst>
-                    <a:outerShdw blurRad="38100" dist="38100" dir="2700000" algn="tl">
-                      <a:srgbClr val="000000">
-                        <a:alpha val="43137"/>
-                      </a:srgbClr>
-                    </a:outerShdw>
-                  </a:effectLst>
-                  <a:ea typeface="Segoe UI" pitchFamily="34" charset="0"/>
-                  <a:cs typeface="Segoe UI" pitchFamily="34" charset="0"/>
-                </a:rPr>
-                <a:t>Gold Sponsors</a:t>
-              </a:r>
-            </a:p>
-          </p:txBody>
-        </p:sp>
-        <p:pic>
-          <p:nvPicPr>
-            <p:cNvPr id="36" name="Picture 6" descr="http://stldodn.com/2014/Content/images/sponsors/syllogisteks.png"/>
-            <p:cNvPicPr>
-              <a:picLocks noChangeAspect="1" noChangeArrowheads="1"/>
-            </p:cNvPicPr>
-            <p:nvPr/>
-          </p:nvPicPr>
-          <p:blipFill>
-            <a:blip r:embed="rId3">
-              <a:extLst>
-                <a:ext uri="{28A0092B-C50C-407E-A947-70E740481C1C}">
-                  <a14:useLocalDpi xmlns:a14="http://schemas.microsoft.com/office/drawing/2010/main" val="0"/>
-                </a:ext>
-              </a:extLst>
-            </a:blip>
-            <a:srcRect/>
-            <a:stretch>
-              <a:fillRect/>
-            </a:stretch>
-          </p:blipFill>
-          <p:spPr bwMode="auto">
-            <a:xfrm>
-              <a:off x="4239732" y="586550"/>
-              <a:ext cx="2929047" cy="1221831"/>
-            </a:xfrm>
-            <a:prstGeom prst="rect">
-              <a:avLst/>
-            </a:prstGeom>
-            <a:noFill/>
-            <a:extLst>
-              <a:ext uri="{909E8E84-426E-40dd-AFC4-6F175D3DCCD1}">
-                <a14:hiddenFill xmlns:a14="http://schemas.microsoft.com/office/drawing/2010/main">
-                  <a:solidFill>
-                    <a:srgbClr val="FFFFFF"/>
-                  </a:solidFill>
-                </a14:hiddenFill>
-              </a:ext>
-            </a:extLst>
-          </p:spPr>
-        </p:pic>
-        <p:pic>
-          <p:nvPicPr>
-            <p:cNvPr id="47" name="Picture 8" descr="http://stldodn.com/2014/Content/images/sponsors/sovereign.gif"/>
-            <p:cNvPicPr>
-              <a:picLocks noChangeAspect="1" noChangeArrowheads="1"/>
-            </p:cNvPicPr>
-            <p:nvPr/>
-          </p:nvPicPr>
-          <p:blipFill>
-            <a:blip r:embed="rId4">
-              <a:extLst>
-                <a:ext uri="{28A0092B-C50C-407E-A947-70E740481C1C}">
-                  <a14:useLocalDpi xmlns:a14="http://schemas.microsoft.com/office/drawing/2010/main" val="0"/>
-                </a:ext>
-              </a:extLst>
-            </a:blip>
-            <a:srcRect/>
-            <a:stretch>
-              <a:fillRect/>
-            </a:stretch>
-          </p:blipFill>
-          <p:spPr bwMode="auto">
-            <a:xfrm>
-              <a:off x="1243183" y="1996655"/>
-              <a:ext cx="1630763" cy="421512"/>
-            </a:xfrm>
-            <a:prstGeom prst="rect">
-              <a:avLst/>
-            </a:prstGeom>
-            <a:noFill/>
-            <a:extLst>
-              <a:ext uri="{909E8E84-426E-40dd-AFC4-6F175D3DCCD1}">
-                <a14:hiddenFill xmlns:a14="http://schemas.microsoft.com/office/drawing/2010/main">
-                  <a:solidFill>
-                    <a:srgbClr val="FFFFFF"/>
-                  </a:solidFill>
-                </a14:hiddenFill>
-              </a:ext>
-            </a:extLst>
-          </p:spPr>
-        </p:pic>
-        <p:pic>
-          <p:nvPicPr>
-            <p:cNvPr id="1034" name="Picture 10" descr="http://stldodn.com/2014/Content/images/sponsors/vantagelinks.png"/>
-            <p:cNvPicPr>
-              <a:picLocks noChangeAspect="1" noChangeArrowheads="1"/>
-            </p:cNvPicPr>
-            <p:nvPr/>
-          </p:nvPicPr>
-          <p:blipFill>
-            <a:blip r:embed="rId5">
-              <a:extLst>
-                <a:ext uri="{28A0092B-C50C-407E-A947-70E740481C1C}">
-                  <a14:useLocalDpi xmlns:a14="http://schemas.microsoft.com/office/drawing/2010/main" val="0"/>
-                </a:ext>
-              </a:extLst>
-            </a:blip>
-            <a:srcRect/>
-            <a:stretch>
-              <a:fillRect/>
-            </a:stretch>
-          </p:blipFill>
-          <p:spPr bwMode="auto">
-            <a:xfrm>
-              <a:off x="120587" y="3362754"/>
-              <a:ext cx="877309" cy="924549"/>
-            </a:xfrm>
-            <a:prstGeom prst="rect">
-              <a:avLst/>
-            </a:prstGeom>
-            <a:noFill/>
-            <a:extLst>
-              <a:ext uri="{909E8E84-426E-40dd-AFC4-6F175D3DCCD1}">
-                <a14:hiddenFill xmlns:a14="http://schemas.microsoft.com/office/drawing/2010/main">
-                  <a:solidFill>
-                    <a:srgbClr val="FFFFFF"/>
-                  </a:solidFill>
-                </a14:hiddenFill>
-              </a:ext>
-            </a:extLst>
-          </p:spPr>
-        </p:pic>
-        <p:pic>
-          <p:nvPicPr>
-            <p:cNvPr id="48" name="Picture 14" descr="http://stldodn.com/2014/Content/images/sponsors/adaptivesolutionsgroup.png"/>
-            <p:cNvPicPr>
-              <a:picLocks noChangeAspect="1" noChangeArrowheads="1"/>
-            </p:cNvPicPr>
-            <p:nvPr/>
-          </p:nvPicPr>
-          <p:blipFill>
-            <a:blip r:embed="rId6">
-              <a:extLst>
-                <a:ext uri="{28A0092B-C50C-407E-A947-70E740481C1C}">
-                  <a14:useLocalDpi xmlns:a14="http://schemas.microsoft.com/office/drawing/2010/main" val="0"/>
-                </a:ext>
-              </a:extLst>
-            </a:blip>
-            <a:srcRect/>
-            <a:stretch>
-              <a:fillRect/>
-            </a:stretch>
-          </p:blipFill>
-          <p:spPr bwMode="auto">
-            <a:xfrm>
-              <a:off x="1776440" y="2731786"/>
-              <a:ext cx="1701905" cy="319958"/>
-            </a:xfrm>
-            <a:prstGeom prst="rect">
-              <a:avLst/>
-            </a:prstGeom>
-            <a:noFill/>
-            <a:extLst>
-              <a:ext uri="{909E8E84-426E-40dd-AFC4-6F175D3DCCD1}">
-                <a14:hiddenFill xmlns:a14="http://schemas.microsoft.com/office/drawing/2010/main">
-                  <a:solidFill>
-                    <a:srgbClr val="FFFFFF"/>
-                  </a:solidFill>
-                </a14:hiddenFill>
-              </a:ext>
-            </a:extLst>
-          </p:spPr>
-        </p:pic>
-        <p:pic>
-          <p:nvPicPr>
-            <p:cNvPr id="1040" name="Picture 16" descr="http://stldodn.com/2014/Content/images/sponsors/perficient.png"/>
-            <p:cNvPicPr>
-              <a:picLocks noChangeAspect="1" noChangeArrowheads="1"/>
-            </p:cNvPicPr>
-            <p:nvPr/>
-          </p:nvPicPr>
-          <p:blipFill>
-            <a:blip r:embed="rId7">
-              <a:extLst>
-                <a:ext uri="{28A0092B-C50C-407E-A947-70E740481C1C}">
-                  <a14:useLocalDpi xmlns:a14="http://schemas.microsoft.com/office/drawing/2010/main" val="0"/>
-                </a:ext>
-              </a:extLst>
-            </a:blip>
-            <a:srcRect/>
-            <a:stretch>
-              <a:fillRect/>
-            </a:stretch>
-          </p:blipFill>
-          <p:spPr bwMode="auto">
-            <a:xfrm>
-              <a:off x="4855592" y="2168461"/>
-              <a:ext cx="1606609" cy="392013"/>
-            </a:xfrm>
-            <a:prstGeom prst="rect">
-              <a:avLst/>
-            </a:prstGeom>
-            <a:noFill/>
-            <a:extLst>
-              <a:ext uri="{909E8E84-426E-40dd-AFC4-6F175D3DCCD1}">
-                <a14:hiddenFill xmlns:a14="http://schemas.microsoft.com/office/drawing/2010/main">
-                  <a:solidFill>
-                    <a:srgbClr val="FFFFFF"/>
-                  </a:solidFill>
-                </a14:hiddenFill>
-              </a:ext>
-            </a:extLst>
-          </p:spPr>
-        </p:pic>
-        <p:pic>
-          <p:nvPicPr>
-            <p:cNvPr id="56" name="Picture 20" descr="http://stldodn.com/2014/Content/images/sponsors/daugherty.png"/>
-            <p:cNvPicPr>
-              <a:picLocks noChangeAspect="1" noChangeArrowheads="1"/>
-            </p:cNvPicPr>
-            <p:nvPr/>
-          </p:nvPicPr>
-          <p:blipFill>
-            <a:blip r:embed="rId8">
-              <a:extLst>
-                <a:ext uri="{28A0092B-C50C-407E-A947-70E740481C1C}">
-                  <a14:useLocalDpi xmlns:a14="http://schemas.microsoft.com/office/drawing/2010/main" val="0"/>
-                </a:ext>
-              </a:extLst>
-            </a:blip>
-            <a:srcRect/>
-            <a:stretch>
-              <a:fillRect/>
-            </a:stretch>
-          </p:blipFill>
-          <p:spPr bwMode="auto">
-            <a:xfrm>
-              <a:off x="6618226" y="2247908"/>
-              <a:ext cx="1485654" cy="481353"/>
-            </a:xfrm>
-            <a:prstGeom prst="rect">
-              <a:avLst/>
-            </a:prstGeom>
-            <a:noFill/>
-            <a:extLst>
-              <a:ext uri="{909E8E84-426E-40dd-AFC4-6F175D3DCCD1}">
-                <a14:hiddenFill xmlns:a14="http://schemas.microsoft.com/office/drawing/2010/main">
-                  <a:solidFill>
-                    <a:srgbClr val="FFFFFF"/>
-                  </a:solidFill>
-                </a14:hiddenFill>
-              </a:ext>
-            </a:extLst>
-          </p:spPr>
-        </p:pic>
-        <p:pic>
-          <p:nvPicPr>
-            <p:cNvPr id="58" name="Picture 22" descr="http://stldodn.com/2014/Content/images/sponsors/missouristate.png"/>
-            <p:cNvPicPr>
-              <a:picLocks noChangeAspect="1" noChangeArrowheads="1"/>
-            </p:cNvPicPr>
-            <p:nvPr/>
-          </p:nvPicPr>
-          <p:blipFill>
-            <a:blip r:embed="rId9">
-              <a:extLst>
-                <a:ext uri="{28A0092B-C50C-407E-A947-70E740481C1C}">
-                  <a14:useLocalDpi xmlns:a14="http://schemas.microsoft.com/office/drawing/2010/main" val="0"/>
-                </a:ext>
-              </a:extLst>
-            </a:blip>
-            <a:srcRect/>
-            <a:stretch>
-              <a:fillRect/>
-            </a:stretch>
-          </p:blipFill>
-          <p:spPr bwMode="auto">
-            <a:xfrm>
-              <a:off x="8144362" y="2186864"/>
-              <a:ext cx="739732" cy="853537"/>
-            </a:xfrm>
-            <a:prstGeom prst="rect">
-              <a:avLst/>
-            </a:prstGeom>
-            <a:noFill/>
-            <a:extLst>
-              <a:ext uri="{909E8E84-426E-40dd-AFC4-6F175D3DCCD1}">
-                <a14:hiddenFill xmlns:a14="http://schemas.microsoft.com/office/drawing/2010/main">
-                  <a:solidFill>
-                    <a:srgbClr val="FFFFFF"/>
-                  </a:solidFill>
-                </a14:hiddenFill>
-              </a:ext>
-            </a:extLst>
-          </p:spPr>
-        </p:pic>
-        <p:pic>
-          <p:nvPicPr>
-            <p:cNvPr id="60" name="Picture 24" descr="http://stldodn.com/2014/Content/images/sponsors/swankmp.png"/>
-            <p:cNvPicPr>
-              <a:picLocks noChangeAspect="1" noChangeArrowheads="1"/>
-            </p:cNvPicPr>
-            <p:nvPr/>
-          </p:nvPicPr>
-          <p:blipFill>
-            <a:blip r:embed="rId10">
-              <a:extLst>
-                <a:ext uri="{28A0092B-C50C-407E-A947-70E740481C1C}">
-                  <a14:useLocalDpi xmlns:a14="http://schemas.microsoft.com/office/drawing/2010/main" val="0"/>
-                </a:ext>
-              </a:extLst>
-            </a:blip>
-            <a:srcRect/>
-            <a:stretch>
-              <a:fillRect/>
-            </a:stretch>
-          </p:blipFill>
-          <p:spPr bwMode="auto">
-            <a:xfrm>
-              <a:off x="5067187" y="3509803"/>
-              <a:ext cx="1498006" cy="374501"/>
-            </a:xfrm>
-            <a:prstGeom prst="rect">
-              <a:avLst/>
-            </a:prstGeom>
-            <a:noFill/>
-            <a:extLst>
-              <a:ext uri="{909E8E84-426E-40dd-AFC4-6F175D3DCCD1}">
-                <a14:hiddenFill xmlns:a14="http://schemas.microsoft.com/office/drawing/2010/main">
-                  <a:solidFill>
-                    <a:srgbClr val="FFFFFF"/>
-                  </a:solidFill>
-                </a14:hiddenFill>
-              </a:ext>
-            </a:extLst>
-          </p:spPr>
-        </p:pic>
-        <p:pic>
-          <p:nvPicPr>
-            <p:cNvPr id="63" name="Picture 26" descr="http://stldodn.com/2014/Content/images/sponsors/byrnesoftware.png"/>
-            <p:cNvPicPr>
-              <a:picLocks noChangeAspect="1" noChangeArrowheads="1"/>
-            </p:cNvPicPr>
-            <p:nvPr/>
-          </p:nvPicPr>
-          <p:blipFill>
-            <a:blip r:embed="rId11">
-              <a:extLst>
-                <a:ext uri="{28A0092B-C50C-407E-A947-70E740481C1C}">
-                  <a14:useLocalDpi xmlns:a14="http://schemas.microsoft.com/office/drawing/2010/main" val="0"/>
-                </a:ext>
-              </a:extLst>
-            </a:blip>
-            <a:srcRect/>
-            <a:stretch>
-              <a:fillRect/>
-            </a:stretch>
-          </p:blipFill>
-          <p:spPr bwMode="auto">
-            <a:xfrm>
-              <a:off x="257749" y="2675124"/>
-              <a:ext cx="1263330" cy="464905"/>
-            </a:xfrm>
-            <a:prstGeom prst="rect">
-              <a:avLst/>
-            </a:prstGeom>
-            <a:noFill/>
-            <a:extLst>
-              <a:ext uri="{909E8E84-426E-40dd-AFC4-6F175D3DCCD1}">
-                <a14:hiddenFill xmlns:a14="http://schemas.microsoft.com/office/drawing/2010/main">
-                  <a:solidFill>
-                    <a:srgbClr val="FFFFFF"/>
-                  </a:solidFill>
-                </a14:hiddenFill>
-              </a:ext>
-            </a:extLst>
-          </p:spPr>
-        </p:pic>
-        <p:pic>
-          <p:nvPicPr>
-            <p:cNvPr id="64" name="Picture 28" descr="http://stldodn.com/2014/Content/images/sponsors/roberthalf.png"/>
-            <p:cNvPicPr>
-              <a:picLocks noChangeAspect="1" noChangeArrowheads="1"/>
-            </p:cNvPicPr>
-            <p:nvPr/>
-          </p:nvPicPr>
-          <p:blipFill>
-            <a:blip r:embed="rId12">
-              <a:extLst>
-                <a:ext uri="{28A0092B-C50C-407E-A947-70E740481C1C}">
-                  <a14:useLocalDpi xmlns:a14="http://schemas.microsoft.com/office/drawing/2010/main" val="0"/>
-                </a:ext>
-              </a:extLst>
-            </a:blip>
-            <a:srcRect/>
-            <a:stretch>
-              <a:fillRect/>
-            </a:stretch>
-          </p:blipFill>
-          <p:spPr bwMode="auto">
-            <a:xfrm>
-              <a:off x="3944750" y="2803952"/>
-              <a:ext cx="1531519" cy="346258"/>
-            </a:xfrm>
-            <a:prstGeom prst="rect">
-              <a:avLst/>
-            </a:prstGeom>
-            <a:noFill/>
-            <a:extLst>
-              <a:ext uri="{909E8E84-426E-40dd-AFC4-6F175D3DCCD1}">
-                <a14:hiddenFill xmlns:a14="http://schemas.microsoft.com/office/drawing/2010/main">
-                  <a:solidFill>
-                    <a:srgbClr val="FFFFFF"/>
-                  </a:solidFill>
-                </a14:hiddenFill>
-              </a:ext>
-            </a:extLst>
-          </p:spPr>
-        </p:pic>
-        <p:pic>
-          <p:nvPicPr>
-            <p:cNvPr id="1054" name="Picture 30" descr="http://stldodn.com/2014/Content/images/sponsors/ungerboeck.png"/>
-            <p:cNvPicPr>
-              <a:picLocks noChangeAspect="1" noChangeArrowheads="1"/>
-            </p:cNvPicPr>
-            <p:nvPr/>
-          </p:nvPicPr>
-          <p:blipFill>
-            <a:blip r:embed="rId13">
-              <a:extLst>
-                <a:ext uri="{28A0092B-C50C-407E-A947-70E740481C1C}">
-                  <a14:useLocalDpi xmlns:a14="http://schemas.microsoft.com/office/drawing/2010/main" val="0"/>
-                </a:ext>
-              </a:extLst>
-            </a:blip>
-            <a:srcRect/>
-            <a:stretch>
-              <a:fillRect/>
-            </a:stretch>
-          </p:blipFill>
-          <p:spPr bwMode="auto">
-            <a:xfrm>
-              <a:off x="1164876" y="3372256"/>
-              <a:ext cx="1615629" cy="455315"/>
-            </a:xfrm>
-            <a:prstGeom prst="rect">
-              <a:avLst/>
-            </a:prstGeom>
-            <a:noFill/>
-            <a:extLst>
-              <a:ext uri="{909E8E84-426E-40dd-AFC4-6F175D3DCCD1}">
-                <a14:hiddenFill xmlns:a14="http://schemas.microsoft.com/office/drawing/2010/main">
-                  <a:solidFill>
-                    <a:srgbClr val="FFFFFF"/>
-                  </a:solidFill>
-                </a14:hiddenFill>
-              </a:ext>
-            </a:extLst>
-          </p:spPr>
-        </p:pic>
-        <p:pic>
-          <p:nvPicPr>
-            <p:cNvPr id="1056" name="Picture 32" descr="http://stldodn.com/2014/Content/images/sponsors/washuit.jpg"/>
-            <p:cNvPicPr>
-              <a:picLocks noChangeAspect="1" noChangeArrowheads="1"/>
-            </p:cNvPicPr>
-            <p:nvPr/>
-          </p:nvPicPr>
-          <p:blipFill>
-            <a:blip r:embed="rId14">
-              <a:extLst>
-                <a:ext uri="{28A0092B-C50C-407E-A947-70E740481C1C}">
-                  <a14:useLocalDpi xmlns:a14="http://schemas.microsoft.com/office/drawing/2010/main" val="0"/>
-                </a:ext>
-              </a:extLst>
-            </a:blip>
-            <a:srcRect/>
-            <a:stretch>
-              <a:fillRect/>
-            </a:stretch>
-          </p:blipFill>
-          <p:spPr bwMode="auto">
-            <a:xfrm>
-              <a:off x="3528487" y="3268885"/>
-              <a:ext cx="1175148" cy="677971"/>
-            </a:xfrm>
-            <a:prstGeom prst="rect">
-              <a:avLst/>
-            </a:prstGeom>
-            <a:noFill/>
-            <a:extLst>
-              <a:ext uri="{909E8E84-426E-40dd-AFC4-6F175D3DCCD1}">
-                <a14:hiddenFill xmlns:a14="http://schemas.microsoft.com/office/drawing/2010/main">
-                  <a:solidFill>
-                    <a:srgbClr val="FFFFFF"/>
-                  </a:solidFill>
-                </a14:hiddenFill>
-              </a:ext>
-            </a:extLst>
-          </p:spPr>
-        </p:pic>
-        <p:pic>
-          <p:nvPicPr>
-            <p:cNvPr id="1058" name="Picture 34" descr="http://stldodn.com/2014/Content/images/sponsors/envision.png"/>
-            <p:cNvPicPr>
-              <a:picLocks noChangeAspect="1" noChangeArrowheads="1"/>
-            </p:cNvPicPr>
-            <p:nvPr/>
-          </p:nvPicPr>
-          <p:blipFill>
-            <a:blip r:embed="rId15">
-              <a:extLst>
-                <a:ext uri="{28A0092B-C50C-407E-A947-70E740481C1C}">
-                  <a14:useLocalDpi xmlns:a14="http://schemas.microsoft.com/office/drawing/2010/main" val="0"/>
-                </a:ext>
-              </a:extLst>
-            </a:blip>
-            <a:srcRect/>
-            <a:stretch>
-              <a:fillRect/>
-            </a:stretch>
-          </p:blipFill>
-          <p:spPr bwMode="auto">
-            <a:xfrm>
-              <a:off x="7141003" y="3444410"/>
-              <a:ext cx="1713951" cy="320434"/>
-            </a:xfrm>
-            <a:prstGeom prst="rect">
-              <a:avLst/>
-            </a:prstGeom>
-            <a:noFill/>
-            <a:extLst>
-              <a:ext uri="{909E8E84-426E-40dd-AFC4-6F175D3DCCD1}">
-                <a14:hiddenFill xmlns:a14="http://schemas.microsoft.com/office/drawing/2010/main">
-                  <a:solidFill>
-                    <a:srgbClr val="FFFFFF"/>
-                  </a:solidFill>
-                </a14:hiddenFill>
-              </a:ext>
-            </a:extLst>
-          </p:spPr>
-        </p:pic>
-        <p:pic>
-          <p:nvPicPr>
-            <p:cNvPr id="1060" name="Picture 36" descr="http://stldodn.com/2014/Content/images/sponsors/cait.png"/>
-            <p:cNvPicPr>
-              <a:picLocks noChangeAspect="1" noChangeArrowheads="1"/>
-            </p:cNvPicPr>
-            <p:nvPr/>
-          </p:nvPicPr>
-          <p:blipFill>
-            <a:blip r:embed="rId16">
-              <a:extLst>
-                <a:ext uri="{28A0092B-C50C-407E-A947-70E740481C1C}">
-                  <a14:useLocalDpi xmlns:a14="http://schemas.microsoft.com/office/drawing/2010/main" val="0"/>
-                </a:ext>
-              </a:extLst>
-            </a:blip>
-            <a:srcRect/>
-            <a:stretch>
-              <a:fillRect/>
-            </a:stretch>
-          </p:blipFill>
-          <p:spPr bwMode="auto">
-            <a:xfrm>
-              <a:off x="5658897" y="2954538"/>
-              <a:ext cx="1941006" cy="360473"/>
-            </a:xfrm>
-            <a:prstGeom prst="rect">
-              <a:avLst/>
-            </a:prstGeom>
-            <a:noFill/>
-            <a:extLst>
-              <a:ext uri="{909E8E84-426E-40dd-AFC4-6F175D3DCCD1}">
-                <a14:hiddenFill xmlns:a14="http://schemas.microsoft.com/office/drawing/2010/main">
-                  <a:solidFill>
-                    <a:srgbClr val="FFFFFF"/>
-                  </a:solidFill>
-                </a14:hiddenFill>
-              </a:ext>
-            </a:extLst>
-          </p:spPr>
-        </p:pic>
-        <p:pic>
-          <p:nvPicPr>
-            <p:cNvPr id="1062" name="Picture 38" descr="http://stldodn.com/2014/Content/images/sponsors/oreilly.png"/>
-            <p:cNvPicPr>
-              <a:picLocks noChangeAspect="1" noChangeArrowheads="1"/>
-            </p:cNvPicPr>
-            <p:nvPr/>
-          </p:nvPicPr>
-          <p:blipFill>
-            <a:blip r:embed="rId17">
-              <a:extLst>
-                <a:ext uri="{28A0092B-C50C-407E-A947-70E740481C1C}">
-                  <a14:useLocalDpi xmlns:a14="http://schemas.microsoft.com/office/drawing/2010/main" val="0"/>
-                </a:ext>
-              </a:extLst>
-            </a:blip>
-            <a:srcRect/>
-            <a:stretch>
-              <a:fillRect/>
-            </a:stretch>
-          </p:blipFill>
-          <p:spPr bwMode="auto">
-            <a:xfrm>
-              <a:off x="1729885" y="6378604"/>
-              <a:ext cx="751646" cy="205450"/>
-            </a:xfrm>
-            <a:prstGeom prst="rect">
-              <a:avLst/>
-            </a:prstGeom>
-            <a:noFill/>
-            <a:extLst>
-              <a:ext uri="{909E8E84-426E-40dd-AFC4-6F175D3DCCD1}">
-                <a14:hiddenFill xmlns:a14="http://schemas.microsoft.com/office/drawing/2010/main">
-                  <a:solidFill>
-                    <a:srgbClr val="FFFFFF"/>
-                  </a:solidFill>
-                </a14:hiddenFill>
-              </a:ext>
-            </a:extLst>
-          </p:spPr>
-        </p:pic>
-        <p:pic>
-          <p:nvPicPr>
-            <p:cNvPr id="1064" name="Picture 40" descr="http://stldodn.com/2014/Content/images/sponsors/jacobson.png"/>
-            <p:cNvPicPr>
-              <a:picLocks noChangeAspect="1" noChangeArrowheads="1"/>
-            </p:cNvPicPr>
-            <p:nvPr/>
-          </p:nvPicPr>
-          <p:blipFill>
-            <a:blip r:embed="rId18">
-              <a:extLst>
-                <a:ext uri="{28A0092B-C50C-407E-A947-70E740481C1C}">
-                  <a14:useLocalDpi xmlns:a14="http://schemas.microsoft.com/office/drawing/2010/main" val="0"/>
-                </a:ext>
-              </a:extLst>
-            </a:blip>
-            <a:srcRect/>
-            <a:stretch>
-              <a:fillRect/>
-            </a:stretch>
-          </p:blipFill>
-          <p:spPr bwMode="auto">
-            <a:xfrm>
-              <a:off x="2998419" y="6216998"/>
-              <a:ext cx="1352554" cy="432817"/>
-            </a:xfrm>
-            <a:prstGeom prst="rect">
-              <a:avLst/>
-            </a:prstGeom>
-            <a:noFill/>
-            <a:extLst>
-              <a:ext uri="{909E8E84-426E-40dd-AFC4-6F175D3DCCD1}">
-                <a14:hiddenFill xmlns:a14="http://schemas.microsoft.com/office/drawing/2010/main">
-                  <a:solidFill>
-                    <a:srgbClr val="FFFFFF"/>
-                  </a:solidFill>
-                </a14:hiddenFill>
-              </a:ext>
-            </a:extLst>
-          </p:spPr>
-        </p:pic>
-        <p:pic>
-          <p:nvPicPr>
-            <p:cNvPr id="1066" name="Picture 42" descr="http://stldodn.com/2014/Content/images/sponsors/pluralsight.png"/>
-            <p:cNvPicPr>
-              <a:picLocks noChangeAspect="1" noChangeArrowheads="1"/>
-            </p:cNvPicPr>
-            <p:nvPr/>
-          </p:nvPicPr>
-          <p:blipFill>
-            <a:blip r:embed="rId19">
-              <a:extLst>
-                <a:ext uri="{28A0092B-C50C-407E-A947-70E740481C1C}">
-                  <a14:useLocalDpi xmlns:a14="http://schemas.microsoft.com/office/drawing/2010/main" val="0"/>
-                </a:ext>
-              </a:extLst>
-            </a:blip>
-            <a:srcRect/>
-            <a:stretch>
-              <a:fillRect/>
-            </a:stretch>
-          </p:blipFill>
-          <p:spPr bwMode="auto">
-            <a:xfrm>
-              <a:off x="4977832" y="6378604"/>
-              <a:ext cx="1101596" cy="245499"/>
-            </a:xfrm>
-            <a:prstGeom prst="rect">
-              <a:avLst/>
-            </a:prstGeom>
-            <a:noFill/>
-            <a:extLst>
-              <a:ext uri="{909E8E84-426E-40dd-AFC4-6F175D3DCCD1}">
-                <a14:hiddenFill xmlns:a14="http://schemas.microsoft.com/office/drawing/2010/main">
-                  <a:solidFill>
-                    <a:srgbClr val="FFFFFF"/>
-                  </a:solidFill>
-                </a14:hiddenFill>
-              </a:ext>
-            </a:extLst>
-          </p:spPr>
-        </p:pic>
-        <p:pic>
-          <p:nvPicPr>
-            <p:cNvPr id="1068" name="Picture 44" descr="http://stldodn.com/2014/Content/images/sponsors/stltechtalk.png"/>
-            <p:cNvPicPr>
-              <a:picLocks noChangeAspect="1" noChangeArrowheads="1"/>
-            </p:cNvPicPr>
-            <p:nvPr/>
-          </p:nvPicPr>
-          <p:blipFill>
-            <a:blip r:embed="rId20">
-              <a:extLst>
-                <a:ext uri="{28A0092B-C50C-407E-A947-70E740481C1C}">
-                  <a14:useLocalDpi xmlns:a14="http://schemas.microsoft.com/office/drawing/2010/main" val="0"/>
-                </a:ext>
-              </a:extLst>
-            </a:blip>
-            <a:srcRect/>
-            <a:stretch>
-              <a:fillRect/>
-            </a:stretch>
-          </p:blipFill>
-          <p:spPr bwMode="auto">
-            <a:xfrm>
-              <a:off x="6458832" y="6255315"/>
-              <a:ext cx="682171" cy="449096"/>
-            </a:xfrm>
-            <a:prstGeom prst="rect">
-              <a:avLst/>
-            </a:prstGeom>
-            <a:noFill/>
-            <a:extLst>
-              <a:ext uri="{909E8E84-426E-40dd-AFC4-6F175D3DCCD1}">
-                <a14:hiddenFill xmlns:a14="http://schemas.microsoft.com/office/drawing/2010/main">
-                  <a:solidFill>
-                    <a:srgbClr val="FFFFFF"/>
-                  </a:solidFill>
-                </a14:hiddenFill>
-              </a:ext>
-            </a:extLst>
-          </p:spPr>
-        </p:pic>
-        <p:pic>
-          <p:nvPicPr>
-            <p:cNvPr id="1072" name="Picture 48" descr="http://stldodn.com/2014/Content/images/sponsors/ctp.png"/>
-            <p:cNvPicPr>
-              <a:picLocks noChangeAspect="1" noChangeArrowheads="1"/>
-            </p:cNvPicPr>
-            <p:nvPr/>
-          </p:nvPicPr>
-          <p:blipFill>
-            <a:blip r:embed="rId21">
-              <a:extLst>
-                <a:ext uri="{28A0092B-C50C-407E-A947-70E740481C1C}">
-                  <a14:useLocalDpi xmlns:a14="http://schemas.microsoft.com/office/drawing/2010/main" val="0"/>
-                </a:ext>
-              </a:extLst>
-            </a:blip>
-            <a:srcRect/>
-            <a:stretch>
-              <a:fillRect/>
-            </a:stretch>
-          </p:blipFill>
-          <p:spPr bwMode="auto">
-            <a:xfrm>
-              <a:off x="1900670" y="3936225"/>
-              <a:ext cx="1857518" cy="591029"/>
-            </a:xfrm>
-            <a:prstGeom prst="rect">
-              <a:avLst/>
-            </a:prstGeom>
-            <a:noFill/>
-            <a:extLst>
-              <a:ext uri="{909E8E84-426E-40dd-AFC4-6F175D3DCCD1}">
-                <a14:hiddenFill xmlns:a14="http://schemas.microsoft.com/office/drawing/2010/main">
-                  <a:solidFill>
-                    <a:srgbClr val="FFFFFF"/>
-                  </a:solidFill>
-                </a14:hiddenFill>
-              </a:ext>
-            </a:extLst>
-          </p:spPr>
-        </p:pic>
-        <p:pic>
-          <p:nvPicPr>
-            <p:cNvPr id="2" name="Picture 1"/>
-            <p:cNvPicPr>
-              <a:picLocks noChangeAspect="1"/>
-            </p:cNvPicPr>
-            <p:nvPr/>
-          </p:nvPicPr>
-          <p:blipFill>
-            <a:blip r:embed="rId22">
-              <a:extLst>
-                <a:ext uri="{28A0092B-C50C-407E-A947-70E740481C1C}">
-                  <a14:useLocalDpi xmlns:a14="http://schemas.microsoft.com/office/drawing/2010/main" val="0"/>
-                </a:ext>
-              </a:extLst>
-            </a:blip>
-            <a:stretch>
-              <a:fillRect/>
-            </a:stretch>
-          </p:blipFill>
-          <p:spPr>
-            <a:xfrm>
-              <a:off x="632977" y="1066316"/>
-              <a:ext cx="3336579" cy="600584"/>
-            </a:xfrm>
-            <a:prstGeom prst="rect">
-              <a:avLst/>
-            </a:prstGeom>
-          </p:spPr>
-        </p:pic>
-        <p:pic>
-          <p:nvPicPr>
-            <p:cNvPr id="3" name="Picture 2"/>
-            <p:cNvPicPr>
-              <a:picLocks noChangeAspect="1"/>
-            </p:cNvPicPr>
-            <p:nvPr/>
-          </p:nvPicPr>
-          <p:blipFill>
-            <a:blip r:embed="rId23">
-              <a:extLst>
-                <a:ext uri="{28A0092B-C50C-407E-A947-70E740481C1C}">
-                  <a14:useLocalDpi xmlns:a14="http://schemas.microsoft.com/office/drawing/2010/main" val="0"/>
-                </a:ext>
-              </a:extLst>
-            </a:blip>
-            <a:stretch>
-              <a:fillRect/>
-            </a:stretch>
-          </p:blipFill>
-          <p:spPr>
-            <a:xfrm>
-              <a:off x="6934200" y="3982652"/>
-              <a:ext cx="1971678" cy="394335"/>
-            </a:xfrm>
-            <a:prstGeom prst="rect">
-              <a:avLst/>
-            </a:prstGeom>
-          </p:spPr>
-        </p:pic>
-        <p:pic>
-          <p:nvPicPr>
-            <p:cNvPr id="1026" name="Picture 2" descr="http://stldodn.com/2014/Content/images/sponsors/polaris.png"/>
-            <p:cNvPicPr>
-              <a:picLocks noChangeAspect="1" noChangeArrowheads="1"/>
-            </p:cNvPicPr>
-            <p:nvPr/>
-          </p:nvPicPr>
-          <p:blipFill>
-            <a:blip r:embed="rId24">
-              <a:extLst>
-                <a:ext uri="{28A0092B-C50C-407E-A947-70E740481C1C}">
-                  <a14:useLocalDpi xmlns:a14="http://schemas.microsoft.com/office/drawing/2010/main" val="0"/>
-                </a:ext>
-              </a:extLst>
-            </a:blip>
-            <a:srcRect/>
-            <a:stretch>
-              <a:fillRect/>
-            </a:stretch>
-          </p:blipFill>
-          <p:spPr bwMode="auto">
-            <a:xfrm>
-              <a:off x="1698957" y="-11968"/>
-              <a:ext cx="2884084" cy="1070735"/>
-            </a:xfrm>
-            <a:prstGeom prst="rect">
-              <a:avLst/>
-            </a:prstGeom>
-            <a:noFill/>
-            <a:extLst>
-              <a:ext uri="{909E8E84-426E-40dd-AFC4-6F175D3DCCD1}">
-                <a14:hiddenFill xmlns:a14="http://schemas.microsoft.com/office/drawing/2010/main">
-                  <a:solidFill>
-                    <a:srgbClr val="FFFFFF"/>
-                  </a:solidFill>
-                </a14:hiddenFill>
-              </a:ext>
-            </a:extLst>
-          </p:spPr>
-        </p:pic>
-        <p:pic>
-          <p:nvPicPr>
-            <p:cNvPr id="52" name="Picture 36" descr="http://stldodn.com/2014/Content/images/sponsors/cait.png"/>
-            <p:cNvPicPr>
-              <a:picLocks noChangeAspect="1" noChangeArrowheads="1"/>
-            </p:cNvPicPr>
-            <p:nvPr/>
-          </p:nvPicPr>
-          <p:blipFill>
-            <a:blip r:embed="rId16">
-              <a:extLst>
-                <a:ext uri="{28A0092B-C50C-407E-A947-70E740481C1C}">
-                  <a14:useLocalDpi xmlns:a14="http://schemas.microsoft.com/office/drawing/2010/main" val="0"/>
-                </a:ext>
-              </a:extLst>
-            </a:blip>
-            <a:srcRect/>
-            <a:stretch>
-              <a:fillRect/>
-            </a:stretch>
-          </p:blipFill>
-          <p:spPr bwMode="auto">
-            <a:xfrm>
-              <a:off x="4511495" y="5528396"/>
-              <a:ext cx="2012801" cy="373806"/>
-            </a:xfrm>
-            <a:prstGeom prst="rect">
-              <a:avLst/>
-            </a:prstGeom>
-            <a:noFill/>
-            <a:extLst>
-              <a:ext uri="{909E8E84-426E-40dd-AFC4-6F175D3DCCD1}">
-                <a14:hiddenFill xmlns:a14="http://schemas.microsoft.com/office/drawing/2010/main">
-                  <a:solidFill>
-                    <a:srgbClr val="FFFFFF"/>
-                  </a:solidFill>
-                </a14:hiddenFill>
-              </a:ext>
-            </a:extLst>
-          </p:spPr>
-        </p:pic>
-        <p:pic>
-          <p:nvPicPr>
-            <p:cNvPr id="54" name="Picture 53"/>
-            <p:cNvPicPr>
-              <a:picLocks noChangeAspect="1"/>
-            </p:cNvPicPr>
-            <p:nvPr/>
-          </p:nvPicPr>
-          <p:blipFill>
-            <a:blip r:embed="rId25" cstate="print">
-              <a:extLst>
-                <a:ext uri="{28A0092B-C50C-407E-A947-70E740481C1C}">
-                  <a14:useLocalDpi xmlns:a14="http://schemas.microsoft.com/office/drawing/2010/main" val="0"/>
-                </a:ext>
-              </a:extLst>
-            </a:blip>
-            <a:stretch>
-              <a:fillRect/>
-            </a:stretch>
-          </p:blipFill>
-          <p:spPr>
-            <a:xfrm>
-              <a:off x="166992" y="4543457"/>
-              <a:ext cx="2207924" cy="485743"/>
-            </a:xfrm>
-            <a:prstGeom prst="rect">
-              <a:avLst/>
-            </a:prstGeom>
-          </p:spPr>
-        </p:pic>
-        <p:pic>
-          <p:nvPicPr>
-            <p:cNvPr id="57" name="Picture 56"/>
-            <p:cNvPicPr>
-              <a:picLocks noChangeAspect="1"/>
-            </p:cNvPicPr>
-            <p:nvPr/>
-          </p:nvPicPr>
-          <p:blipFill>
-            <a:blip r:embed="rId26">
-              <a:extLst>
-                <a:ext uri="{28A0092B-C50C-407E-A947-70E740481C1C}">
-                  <a14:useLocalDpi xmlns:a14="http://schemas.microsoft.com/office/drawing/2010/main" val="0"/>
-                </a:ext>
-              </a:extLst>
-            </a:blip>
-            <a:stretch>
-              <a:fillRect/>
-            </a:stretch>
-          </p:blipFill>
-          <p:spPr>
-            <a:xfrm>
-              <a:off x="2590242" y="4593935"/>
-              <a:ext cx="1649490" cy="419245"/>
-            </a:xfrm>
-            <a:prstGeom prst="rect">
-              <a:avLst/>
-            </a:prstGeom>
-          </p:spPr>
-        </p:pic>
-        <p:pic>
-          <p:nvPicPr>
-            <p:cNvPr id="59" name="Picture 58"/>
-            <p:cNvPicPr>
-              <a:picLocks noChangeAspect="1"/>
-            </p:cNvPicPr>
-            <p:nvPr/>
-          </p:nvPicPr>
-          <p:blipFill>
-            <a:blip r:embed="rId27">
-              <a:extLst>
-                <a:ext uri="{28A0092B-C50C-407E-A947-70E740481C1C}">
-                  <a14:useLocalDpi xmlns:a14="http://schemas.microsoft.com/office/drawing/2010/main" val="0"/>
-                </a:ext>
-              </a:extLst>
-            </a:blip>
-            <a:stretch>
-              <a:fillRect/>
-            </a:stretch>
-          </p:blipFill>
-          <p:spPr>
-            <a:xfrm>
-              <a:off x="4618573" y="4753919"/>
-              <a:ext cx="1482042" cy="364336"/>
-            </a:xfrm>
-            <a:prstGeom prst="rect">
-              <a:avLst/>
-            </a:prstGeom>
-          </p:spPr>
-        </p:pic>
-        <p:pic>
-          <p:nvPicPr>
-            <p:cNvPr id="61" name="Picture 60"/>
-            <p:cNvPicPr>
-              <a:picLocks noChangeAspect="1"/>
-            </p:cNvPicPr>
-            <p:nvPr/>
-          </p:nvPicPr>
-          <p:blipFill>
-            <a:blip r:embed="rId28">
-              <a:extLst>
-                <a:ext uri="{28A0092B-C50C-407E-A947-70E740481C1C}">
-                  <a14:useLocalDpi xmlns:a14="http://schemas.microsoft.com/office/drawing/2010/main" val="0"/>
-                </a:ext>
-              </a:extLst>
-            </a:blip>
-            <a:stretch>
-              <a:fillRect/>
-            </a:stretch>
-          </p:blipFill>
-          <p:spPr>
-            <a:xfrm>
-              <a:off x="6835275" y="5453362"/>
-              <a:ext cx="1624551" cy="419676"/>
-            </a:xfrm>
-            <a:prstGeom prst="rect">
-              <a:avLst/>
-            </a:prstGeom>
-          </p:spPr>
-        </p:pic>
-        <p:pic>
-          <p:nvPicPr>
-            <p:cNvPr id="62" name="Picture 61"/>
-            <p:cNvPicPr>
-              <a:picLocks noChangeAspect="1"/>
-            </p:cNvPicPr>
-            <p:nvPr/>
-          </p:nvPicPr>
-          <p:blipFill>
-            <a:blip r:embed="rId29">
-              <a:extLst>
-                <a:ext uri="{28A0092B-C50C-407E-A947-70E740481C1C}">
-                  <a14:useLocalDpi xmlns:a14="http://schemas.microsoft.com/office/drawing/2010/main" val="0"/>
-                </a:ext>
-              </a:extLst>
-            </a:blip>
-            <a:stretch>
-              <a:fillRect/>
-            </a:stretch>
-          </p:blipFill>
-          <p:spPr>
-            <a:xfrm>
-              <a:off x="7501047" y="4602264"/>
-              <a:ext cx="1206962" cy="682196"/>
-            </a:xfrm>
-            <a:prstGeom prst="rect">
-              <a:avLst/>
-            </a:prstGeom>
-          </p:spPr>
-        </p:pic>
-        <p:pic>
-          <p:nvPicPr>
-            <p:cNvPr id="65" name="Picture 64"/>
-            <p:cNvPicPr>
-              <a:picLocks noChangeAspect="1"/>
-            </p:cNvPicPr>
-            <p:nvPr/>
-          </p:nvPicPr>
-          <p:blipFill>
-            <a:blip r:embed="rId30">
-              <a:extLst>
-                <a:ext uri="{28A0092B-C50C-407E-A947-70E740481C1C}">
-                  <a14:useLocalDpi xmlns:a14="http://schemas.microsoft.com/office/drawing/2010/main" val="0"/>
-                </a:ext>
-              </a:extLst>
-            </a:blip>
-            <a:stretch>
-              <a:fillRect/>
-            </a:stretch>
-          </p:blipFill>
-          <p:spPr>
-            <a:xfrm>
-              <a:off x="257749" y="5148289"/>
-              <a:ext cx="1814254" cy="338111"/>
-            </a:xfrm>
-            <a:prstGeom prst="rect">
-              <a:avLst/>
-            </a:prstGeom>
-          </p:spPr>
-        </p:pic>
-        <p:pic>
-          <p:nvPicPr>
-            <p:cNvPr id="66" name="Picture 65"/>
-            <p:cNvPicPr>
-              <a:picLocks noChangeAspect="1"/>
-            </p:cNvPicPr>
-            <p:nvPr/>
-          </p:nvPicPr>
-          <p:blipFill>
-            <a:blip r:embed="rId31">
-              <a:extLst>
-                <a:ext uri="{28A0092B-C50C-407E-A947-70E740481C1C}">
-                  <a14:useLocalDpi xmlns:a14="http://schemas.microsoft.com/office/drawing/2010/main" val="0"/>
-                </a:ext>
-              </a:extLst>
-            </a:blip>
-            <a:stretch>
-              <a:fillRect/>
-            </a:stretch>
-          </p:blipFill>
-          <p:spPr>
-            <a:xfrm>
-              <a:off x="2987016" y="5144486"/>
-              <a:ext cx="1375360" cy="412608"/>
-            </a:xfrm>
-            <a:prstGeom prst="rect">
-              <a:avLst/>
-            </a:prstGeom>
-          </p:spPr>
-        </p:pic>
-        <p:pic>
-          <p:nvPicPr>
-            <p:cNvPr id="67" name="Picture 66"/>
-            <p:cNvPicPr>
-              <a:picLocks noChangeAspect="1"/>
-            </p:cNvPicPr>
-            <p:nvPr/>
-          </p:nvPicPr>
-          <p:blipFill>
-            <a:blip r:embed="rId32">
-              <a:extLst>
-                <a:ext uri="{28A0092B-C50C-407E-A947-70E740481C1C}">
-                  <a14:useLocalDpi xmlns:a14="http://schemas.microsoft.com/office/drawing/2010/main" val="0"/>
-                </a:ext>
-              </a:extLst>
-            </a:blip>
-            <a:stretch>
-              <a:fillRect/>
-            </a:stretch>
-          </p:blipFill>
-          <p:spPr>
-            <a:xfrm>
-              <a:off x="6228314" y="4553598"/>
-              <a:ext cx="802172" cy="732920"/>
-            </a:xfrm>
-            <a:prstGeom prst="rect">
-              <a:avLst/>
-            </a:prstGeom>
-          </p:spPr>
-        </p:pic>
-        <p:pic>
-          <p:nvPicPr>
-            <p:cNvPr id="68" name="Picture 67"/>
-            <p:cNvPicPr>
-              <a:picLocks noChangeAspect="1"/>
-            </p:cNvPicPr>
-            <p:nvPr/>
-          </p:nvPicPr>
-          <p:blipFill>
-            <a:blip r:embed="rId33"/>
-            <a:stretch>
-              <a:fillRect/>
-            </a:stretch>
-          </p:blipFill>
-          <p:spPr>
-            <a:xfrm>
-              <a:off x="1371600" y="5561350"/>
-              <a:ext cx="1910209" cy="458450"/>
-            </a:xfrm>
-            <a:prstGeom prst="rect">
-              <a:avLst/>
-            </a:prstGeom>
-          </p:spPr>
-        </p:pic>
-        <p:pic>
-          <p:nvPicPr>
-            <p:cNvPr id="69" name="Picture 68"/>
-            <p:cNvPicPr>
-              <a:picLocks noChangeAspect="1"/>
-            </p:cNvPicPr>
-            <p:nvPr/>
-          </p:nvPicPr>
-          <p:blipFill>
-            <a:blip r:embed="rId34" cstate="print">
-              <a:extLst>
-                <a:ext uri="{28A0092B-C50C-407E-A947-70E740481C1C}">
-                  <a14:useLocalDpi xmlns:a14="http://schemas.microsoft.com/office/drawing/2010/main" val="0"/>
-                </a:ext>
-              </a:extLst>
-            </a:blip>
-            <a:stretch>
-              <a:fillRect/>
-            </a:stretch>
-          </p:blipFill>
-          <p:spPr>
-            <a:xfrm>
-              <a:off x="7423445" y="6297280"/>
-              <a:ext cx="1441834" cy="376479"/>
-            </a:xfrm>
-            <a:prstGeom prst="rect">
-              <a:avLst/>
-            </a:prstGeom>
-          </p:spPr>
-        </p:pic>
-        <p:pic>
-          <p:nvPicPr>
-            <p:cNvPr id="31" name="Picture 4" descr="http://stldodn.com/2014/Content/images/sponsors/oakwood.png"/>
-            <p:cNvPicPr>
-              <a:picLocks noChangeAspect="1" noChangeArrowheads="1"/>
-            </p:cNvPicPr>
-            <p:nvPr/>
-          </p:nvPicPr>
-          <p:blipFill>
-            <a:blip r:embed="rId35">
-              <a:extLst>
-                <a:ext uri="{28A0092B-C50C-407E-A947-70E740481C1C}">
-                  <a14:useLocalDpi xmlns:a14="http://schemas.microsoft.com/office/drawing/2010/main" val="0"/>
-                </a:ext>
-              </a:extLst>
-            </a:blip>
-            <a:srcRect/>
-            <a:stretch>
-              <a:fillRect/>
-            </a:stretch>
-          </p:blipFill>
-          <p:spPr bwMode="auto">
-            <a:xfrm>
-              <a:off x="5973431" y="212782"/>
-              <a:ext cx="3010446" cy="1006350"/>
-            </a:xfrm>
-            <a:prstGeom prst="rect">
-              <a:avLst/>
-            </a:prstGeom>
-            <a:noFill/>
-            <a:extLst>
-              <a:ext uri="{909E8E84-426E-40dd-AFC4-6F175D3DCCD1}">
-                <a14:hiddenFill xmlns:a14="http://schemas.microsoft.com/office/drawing/2010/main">
-                  <a:solidFill>
-                    <a:srgbClr val="FFFFFF"/>
-                  </a:solidFill>
-                </a14:hiddenFill>
-              </a:ext>
-            </a:extLst>
-          </p:spPr>
-        </p:pic>
-        <p:pic>
-          <p:nvPicPr>
-            <p:cNvPr id="5" name="Picture 2" descr="http://stldodn.com/2014/Content/images/sponsors/cosentry.png"/>
-            <p:cNvPicPr>
-              <a:picLocks noChangeAspect="1" noChangeArrowheads="1"/>
-            </p:cNvPicPr>
-            <p:nvPr/>
-          </p:nvPicPr>
-          <p:blipFill>
-            <a:blip r:embed="rId36">
-              <a:extLst>
-                <a:ext uri="{28A0092B-C50C-407E-A947-70E740481C1C}">
-                  <a14:useLocalDpi xmlns:a14="http://schemas.microsoft.com/office/drawing/2010/main" val="0"/>
-                </a:ext>
-              </a:extLst>
-            </a:blip>
-            <a:srcRect/>
-            <a:stretch>
-              <a:fillRect/>
-            </a:stretch>
-          </p:blipFill>
-          <p:spPr bwMode="auto">
-            <a:xfrm>
-              <a:off x="3034459" y="2166309"/>
-              <a:ext cx="1566260" cy="358935"/>
-            </a:xfrm>
-            <a:prstGeom prst="rect">
-              <a:avLst/>
-            </a:prstGeom>
-            <a:noFill/>
-            <a:extLst>
-              <a:ext uri="{909E8E84-426E-40dd-AFC4-6F175D3DCCD1}">
-                <a14:hiddenFill xmlns:a14="http://schemas.microsoft.com/office/drawing/2010/main">
-                  <a:solidFill>
-                    <a:srgbClr val="FFFFFF"/>
-                  </a:solidFill>
-                </a14:hiddenFill>
-              </a:ext>
-            </a:extLst>
-          </p:spPr>
-        </p:pic>
-        <p:pic>
-          <p:nvPicPr>
-            <p:cNvPr id="1028" name="Picture 4" descr="http://stldodn.com/2014/Content/images/sponsors/appdynamics.png"/>
-            <p:cNvPicPr>
-              <a:picLocks noChangeAspect="1" noChangeArrowheads="1"/>
-            </p:cNvPicPr>
-            <p:nvPr/>
-          </p:nvPicPr>
-          <p:blipFill>
-            <a:blip r:embed="rId37">
-              <a:extLst>
-                <a:ext uri="{28A0092B-C50C-407E-A947-70E740481C1C}">
-                  <a14:useLocalDpi xmlns:a14="http://schemas.microsoft.com/office/drawing/2010/main" val="0"/>
-                </a:ext>
-              </a:extLst>
-            </a:blip>
-            <a:srcRect/>
-            <a:stretch>
-              <a:fillRect/>
-            </a:stretch>
-          </p:blipFill>
-          <p:spPr bwMode="auto">
-            <a:xfrm>
-              <a:off x="4463688" y="4172313"/>
-              <a:ext cx="1938970" cy="201976"/>
-            </a:xfrm>
-            <a:prstGeom prst="rect">
-              <a:avLst/>
-            </a:prstGeom>
-            <a:noFill/>
-            <a:extLst>
-              <a:ext uri="{909E8E84-426E-40dd-AFC4-6F175D3DCCD1}">
-                <a14:hiddenFill xmlns:a14="http://schemas.microsoft.com/office/drawing/2010/main">
-                  <a:solidFill>
-                    <a:srgbClr val="FFFFFF"/>
-                  </a:solidFill>
-                </a14:hiddenFill>
-              </a:ext>
-            </a:extLst>
-          </p:spPr>
-        </p:pic>
-      </p:grpSp>
-    </p:spTree>
-    <p:extLst>
-      <p:ext uri="{BB962C8B-B14F-4D97-AF65-F5344CB8AC3E}">
-        <p14:creationId xmlns:p14="http://schemas.microsoft.com/office/powerpoint/2010/main" val="919868562"/>
-      </p:ext>
-    </p:extLst>
-  </p:cSld>
-  <p:clrMapOvr>
-    <a:masterClrMapping/>
-  </p:clrMapOvr>
-  <p:timing>
-    <p:tnLst>
-      <p:par>
-        <p:cTn xmlns:p14="http://schemas.microsoft.com/office/powerpoint/2010/main" id="1" dur="indefinite" restart="never" nodeType="tmRoot"/>
-      </p:par>
-    </p:tnLst>
-  </p:timing>
-</p:sld>
-</file>
-
-<file path=ppt/slides/slide20.xml><?xml version="1.0" encoding="utf-8"?>
-<p:sld xmlns:a="http://schemas.openxmlformats.org/drawingml/2006/main" xmlns:r="http://schemas.openxmlformats.org/officeDocument/2006/relationships" xmlns:p="http://schemas.openxmlformats.org/presentationml/2006/main">
-  <p:cSld>
-    <p:spTree>
-      <p:nvGrpSpPr>
-        <p:cNvPr id="1" name=""/>
-        <p:cNvGrpSpPr/>
-        <p:nvPr/>
-      </p:nvGrpSpPr>
-      <p:grpSpPr>
-        <a:xfrm>
-          <a:off x="0" y="0"/>
-          <a:ext cx="0" cy="0"/>
-          <a:chOff x="0" y="0"/>
-          <a:chExt cx="0" cy="0"/>
-        </a:xfrm>
-      </p:grpSpPr>
-      <p:sp>
-        <p:nvSpPr>
-          <p:cNvPr id="2" name="Title 1"/>
-          <p:cNvSpPr>
-            <a:spLocks noGrp="1"/>
-          </p:cNvSpPr>
-          <p:nvPr>
-            <p:ph type="title"/>
-          </p:nvPr>
-        </p:nvSpPr>
-        <p:spPr>
-          <a:xfrm>
-            <a:off x="2590800" y="1219200"/>
-            <a:ext cx="8229600" cy="1143000"/>
-          </a:xfrm>
-        </p:spPr>
-        <p:txBody>
-          <a:bodyPr>
-            <a:normAutofit fontScale="90000"/>
-          </a:bodyPr>
-          <a:lstStyle/>
-          <a:p>
-            <a:r>
-              <a:rPr lang="en-US" dirty="0" smtClean="0"/>
-              <a:t>Develop Their </a:t>
-            </a:r>
-            <a:br>
-              <a:rPr lang="en-US" dirty="0" smtClean="0"/>
-            </a:br>
-            <a:r>
-              <a:rPr lang="en-US" dirty="0" smtClean="0"/>
-              <a:t>Career</a:t>
-            </a:r>
-            <a:endParaRPr lang="en-US" dirty="0"/>
-          </a:p>
-        </p:txBody>
-      </p:sp>
-      <p:sp>
-        <p:nvSpPr>
-          <p:cNvPr id="4" name="TextBox 3"/>
-          <p:cNvSpPr txBox="1"/>
-          <p:nvPr/>
-        </p:nvSpPr>
-        <p:spPr>
-          <a:xfrm>
-            <a:off x="152400" y="3482370"/>
-            <a:ext cx="6684651" cy="1569660"/>
-          </a:xfrm>
-          <a:prstGeom prst="rect">
-            <a:avLst/>
-          </a:prstGeom>
-          <a:noFill/>
-        </p:spPr>
-        <p:txBody>
-          <a:bodyPr wrap="none" rtlCol="0">
-            <a:spAutoFit/>
-          </a:bodyPr>
-          <a:lstStyle/>
-          <a:p>
-            <a:pPr algn="ctr"/>
-            <a:r>
-              <a:rPr lang="en-US" sz="4800" b="1" dirty="0" smtClean="0">
-                <a:solidFill>
-                  <a:schemeClr val="bg2">
-                    <a:lumMod val="50000"/>
-                  </a:schemeClr>
-                </a:solidFill>
-              </a:rPr>
-              <a:t>What Do You Want To Be </a:t>
-            </a:r>
-          </a:p>
-          <a:p>
-            <a:pPr algn="ctr"/>
-            <a:r>
-              <a:rPr lang="en-US" sz="4800" b="1" dirty="0" smtClean="0"/>
-              <a:t>When You Grow Up?</a:t>
-            </a:r>
-            <a:endParaRPr lang="en-US" sz="4800" b="1" dirty="0"/>
-          </a:p>
-        </p:txBody>
-      </p:sp>
-    </p:spTree>
-    <p:extLst>
-      <p:ext uri="{BB962C8B-B14F-4D97-AF65-F5344CB8AC3E}">
-        <p14:creationId xmlns:p14="http://schemas.microsoft.com/office/powerpoint/2010/main" val="267163767"/>
-      </p:ext>
-    </p:extLst>
-  </p:cSld>
-  <p:clrMapOvr>
-    <a:masterClrMapping/>
-  </p:clrMapOvr>
-  <mc:AlternateContent xmlns:mc="http://schemas.openxmlformats.org/markup-compatibility/2006" xmlns:p14="http://schemas.microsoft.com/office/powerpoint/2010/main">
-    <mc:Choice Requires="p14">
-      <p:transition spd="slow" p14:dur="2000"/>
-    </mc:Choice>
-    <mc:Fallback xmlns="">
-      <p:transition spd="slow"/>
-    </mc:Fallback>
-  </mc:AlternateContent>
-  <p:timing>
-    <p:tnLst>
-      <p:par>
-        <p:cTn xmlns:p14="http://schemas.microsoft.com/office/powerpoint/2010/main" id="1" dur="indefinite" restart="never" nodeType="tmRoot">
-          <p:childTnLst>
-            <p:seq concurrent="1" nextAc="seek">
-              <p:cTn id="2" dur="indefinite" nodeType="mainSeq">
-                <p:childTnLst>
-                  <p:par>
-                    <p:cTn id="3" fill="hold">
-                      <p:stCondLst>
-                        <p:cond delay="indefinite"/>
-                      </p:stCondLst>
-                      <p:childTnLst>
-                        <p:par>
-                          <p:cTn id="4" fill="hold">
-                            <p:stCondLst>
-                              <p:cond delay="0"/>
-                            </p:stCondLst>
-                            <p:childTnLst>
-                              <p:par>
-                                <p:cTn id="5" presetID="1" presetClass="entr" presetSubtype="0" fill="hold" grpId="0" nodeType="clickEffect">
-                                  <p:stCondLst>
-                                    <p:cond delay="0"/>
-                                  </p:stCondLst>
-                                  <p:childTnLst>
-                                    <p:set>
-                                      <p:cBhvr>
-                                        <p:cTn id="6" dur="1" fill="hold">
-                                          <p:stCondLst>
-                                            <p:cond delay="0"/>
-                                          </p:stCondLst>
-                                        </p:cTn>
-                                        <p:tgtEl>
-                                          <p:spTgt spid="4"/>
-                                        </p:tgtEl>
-                                        <p:attrNameLst>
-                                          <p:attrName>style.visibility</p:attrName>
-                                        </p:attrNameLst>
-                                      </p:cBhvr>
-                                      <p:to>
-                                        <p:strVal val="visible"/>
-                                      </p:to>
-                                    </p:set>
-                                  </p:childTnLst>
-                                </p:cTn>
-                              </p:par>
-                            </p:childTnLst>
-                          </p:cTn>
-                        </p:par>
-                      </p:childTnLst>
-                    </p:cTn>
-                  </p:par>
-                </p:childTnLst>
-              </p:cTn>
-              <p:prevCondLst>
-                <p:cond evt="onPrev" delay="0">
-                  <p:tgtEl>
-                    <p:sldTgt/>
-                  </p:tgtEl>
-                </p:cond>
-              </p:prevCondLst>
-              <p:nextCondLst>
-                <p:cond evt="onNext" delay="0">
-                  <p:tgtEl>
-                    <p:sldTgt/>
-                  </p:tgtEl>
-                </p:cond>
-              </p:nextCondLst>
-            </p:seq>
-          </p:childTnLst>
-        </p:cTn>
-      </p:par>
-    </p:tnLst>
-    <p:bldLst>
-      <p:bldP spid="4" grpId="0"/>
-    </p:bldLst>
-  </p:timing>
-</p:sld>
-</file>
-
-<file path=ppt/slides/slide21.xml><?xml version="1.0" encoding="utf-8"?>
-<p:sld xmlns:a="http://schemas.openxmlformats.org/drawingml/2006/main" xmlns:r="http://schemas.openxmlformats.org/officeDocument/2006/relationships" xmlns:p="http://schemas.openxmlformats.org/presentationml/2006/main">
-  <p:cSld>
-    <p:spTree>
-      <p:nvGrpSpPr>
-        <p:cNvPr id="1" name=""/>
-        <p:cNvGrpSpPr/>
-        <p:nvPr/>
-      </p:nvGrpSpPr>
-      <p:grpSpPr>
-        <a:xfrm>
-          <a:off x="0" y="0"/>
-          <a:ext cx="0" cy="0"/>
-          <a:chOff x="0" y="0"/>
-          <a:chExt cx="0" cy="0"/>
-        </a:xfrm>
-      </p:grpSpPr>
-      <p:sp>
-        <p:nvSpPr>
-          <p:cNvPr id="2" name="Title 1"/>
-          <p:cNvSpPr>
-            <a:spLocks noGrp="1"/>
-          </p:cNvSpPr>
-          <p:nvPr>
-            <p:ph type="title"/>
-          </p:nvPr>
-        </p:nvSpPr>
-        <p:spPr>
-          <a:xfrm>
-            <a:off x="2590800" y="1219200"/>
-            <a:ext cx="8229600" cy="1143000"/>
-          </a:xfrm>
-        </p:spPr>
-        <p:txBody>
-          <a:bodyPr>
-            <a:normAutofit fontScale="90000"/>
-          </a:bodyPr>
-          <a:lstStyle/>
-          <a:p>
-            <a:r>
-              <a:rPr lang="en-US" dirty="0" smtClean="0"/>
-              <a:t>Develop Their </a:t>
-            </a:r>
-            <a:br>
-              <a:rPr lang="en-US" dirty="0" smtClean="0"/>
-            </a:br>
-            <a:r>
-              <a:rPr lang="en-US" dirty="0" smtClean="0"/>
-              <a:t>Career</a:t>
-            </a:r>
-            <a:endParaRPr lang="en-US" dirty="0"/>
-          </a:p>
-        </p:txBody>
-      </p:sp>
-      <p:sp>
-        <p:nvSpPr>
-          <p:cNvPr id="4" name="TextBox 3"/>
-          <p:cNvSpPr txBox="1"/>
-          <p:nvPr/>
-        </p:nvSpPr>
-        <p:spPr>
-          <a:xfrm>
-            <a:off x="121747" y="3482370"/>
-            <a:ext cx="6745957" cy="1569660"/>
-          </a:xfrm>
-          <a:prstGeom prst="rect">
-            <a:avLst/>
-          </a:prstGeom>
-          <a:noFill/>
-        </p:spPr>
-        <p:txBody>
-          <a:bodyPr wrap="none" rtlCol="0">
-            <a:spAutoFit/>
-          </a:bodyPr>
-          <a:lstStyle/>
-          <a:p>
-            <a:pPr algn="ctr"/>
-            <a:r>
-              <a:rPr lang="en-US" sz="4800" b="1" dirty="0" smtClean="0">
-                <a:solidFill>
-                  <a:schemeClr val="bg2">
-                    <a:lumMod val="50000"/>
-                  </a:schemeClr>
-                </a:solidFill>
-              </a:rPr>
-              <a:t>What Do You Want </a:t>
-            </a:r>
-            <a:r>
-              <a:rPr lang="en-US" sz="4800" b="1" smtClean="0">
-                <a:solidFill>
-                  <a:schemeClr val="bg2">
-                    <a:lumMod val="50000"/>
-                  </a:schemeClr>
-                </a:solidFill>
-              </a:rPr>
-              <a:t>To Do</a:t>
-            </a:r>
-            <a:endParaRPr lang="en-US" sz="4800" b="1" dirty="0" smtClean="0">
-              <a:solidFill>
-                <a:schemeClr val="bg2">
-                  <a:lumMod val="50000"/>
-                </a:schemeClr>
-              </a:solidFill>
-            </a:endParaRPr>
-          </a:p>
-          <a:p>
-            <a:pPr algn="ctr"/>
-            <a:r>
-              <a:rPr lang="en-US" sz="4800" b="1" dirty="0" smtClean="0"/>
-              <a:t>When You Grow Up?</a:t>
-            </a:r>
-            <a:endParaRPr lang="en-US" sz="4800" b="1" dirty="0"/>
-          </a:p>
-        </p:txBody>
-      </p:sp>
-    </p:spTree>
-    <p:extLst>
-      <p:ext uri="{BB962C8B-B14F-4D97-AF65-F5344CB8AC3E}">
-        <p14:creationId xmlns:p14="http://schemas.microsoft.com/office/powerpoint/2010/main" val="202231670"/>
-      </p:ext>
-    </p:extLst>
-  </p:cSld>
-  <p:clrMapOvr>
-    <a:masterClrMapping/>
-  </p:clrMapOvr>
-  <mc:AlternateContent xmlns:mc="http://schemas.openxmlformats.org/markup-compatibility/2006" xmlns:p14="http://schemas.microsoft.com/office/powerpoint/2010/main">
-    <mc:Choice Requires="p14">
-      <p:transition spd="slow" p14:dur="2000"/>
-    </mc:Choice>
-    <mc:Fallback xmlns="">
-      <p:transition spd="slow"/>
-    </mc:Fallback>
-  </mc:AlternateContent>
-  <p:timing>
-    <p:tnLst>
-      <p:par>
-        <p:cTn xmlns:p14="http://schemas.microsoft.com/office/powerpoint/2010/main" id="1" dur="indefinite" restart="never" nodeType="tmRoot"/>
-      </p:par>
-    </p:tnLst>
-  </p:timing>
-</p:sld>
-</file>
-
-<file path=ppt/slides/slide22.xml><?xml version="1.0" encoding="utf-8"?>
-<p:sld xmlns:a="http://schemas.openxmlformats.org/drawingml/2006/main" xmlns:r="http://schemas.openxmlformats.org/officeDocument/2006/relationships" xmlns:p="http://schemas.openxmlformats.org/presentationml/2006/main">
-  <p:cSld>
-    <p:spTree>
-      <p:nvGrpSpPr>
-        <p:cNvPr id="1" name=""/>
-        <p:cNvGrpSpPr/>
-        <p:nvPr/>
-      </p:nvGrpSpPr>
-      <p:grpSpPr>
-        <a:xfrm>
-          <a:off x="0" y="0"/>
-          <a:ext cx="0" cy="0"/>
-          <a:chOff x="0" y="0"/>
-          <a:chExt cx="0" cy="0"/>
-        </a:xfrm>
-      </p:grpSpPr>
-      <p:sp>
-        <p:nvSpPr>
-          <p:cNvPr id="2" name="Title 1"/>
-          <p:cNvSpPr>
-            <a:spLocks noGrp="1"/>
-          </p:cNvSpPr>
-          <p:nvPr>
-            <p:ph type="title"/>
-          </p:nvPr>
-        </p:nvSpPr>
-        <p:spPr>
-          <a:xfrm>
-            <a:off x="3505200" y="762000"/>
-            <a:ext cx="8229600" cy="1143000"/>
-          </a:xfrm>
-        </p:spPr>
-        <p:txBody>
-          <a:bodyPr>
-            <a:normAutofit fontScale="90000"/>
-          </a:bodyPr>
-          <a:lstStyle/>
-          <a:p>
-            <a:r>
-              <a:rPr lang="en-US" dirty="0" smtClean="0"/>
-              <a:t>Clear </a:t>
-            </a:r>
-            <a:br>
-              <a:rPr lang="en-US" dirty="0" smtClean="0"/>
-            </a:br>
-            <a:r>
-              <a:rPr lang="en-US" dirty="0" smtClean="0"/>
-              <a:t>Vision</a:t>
-            </a:r>
-            <a:endParaRPr lang="en-US" dirty="0"/>
-          </a:p>
-        </p:txBody>
-      </p:sp>
-      <p:pic>
-        <p:nvPicPr>
-          <p:cNvPr id="4" name="Content Placeholder 3"/>
-          <p:cNvPicPr>
-            <a:picLocks noGrp="1" noChangeAspect="1"/>
-          </p:cNvPicPr>
-          <p:nvPr>
-            <p:ph idx="1"/>
-          </p:nvPr>
-        </p:nvPicPr>
-        <p:blipFill>
-          <a:blip r:embed="rId3" cstate="print">
-            <a:extLst>
-              <a:ext uri="{28A0092B-C50C-407E-A947-70E740481C1C}">
-                <a14:useLocalDpi xmlns:a14="http://schemas.microsoft.com/office/drawing/2010/main" val="0"/>
-              </a:ext>
-            </a:extLst>
-          </a:blip>
-          <a:stretch>
-            <a:fillRect/>
-          </a:stretch>
-        </p:blipFill>
-        <p:spPr>
-          <a:xfrm>
-            <a:off x="228600" y="609600"/>
-            <a:ext cx="4876800" cy="3226509"/>
-          </a:xfrm>
-        </p:spPr>
-      </p:pic>
-      <p:pic>
-        <p:nvPicPr>
-          <p:cNvPr id="5" name="Picture 4"/>
-          <p:cNvPicPr>
-            <a:picLocks noChangeAspect="1"/>
-          </p:cNvPicPr>
-          <p:nvPr/>
-        </p:nvPicPr>
-        <p:blipFill>
-          <a:blip r:embed="rId4">
-            <a:extLst>
-              <a:ext uri="{28A0092B-C50C-407E-A947-70E740481C1C}">
-                <a14:useLocalDpi xmlns:a14="http://schemas.microsoft.com/office/drawing/2010/main" val="0"/>
-              </a:ext>
-            </a:extLst>
-          </a:blip>
-          <a:stretch>
-            <a:fillRect/>
-          </a:stretch>
-        </p:blipFill>
-        <p:spPr>
-          <a:xfrm>
-            <a:off x="4114800" y="3276600"/>
-            <a:ext cx="4915507" cy="3271215"/>
-          </a:xfrm>
-          <a:prstGeom prst="rect">
-            <a:avLst/>
-          </a:prstGeom>
-        </p:spPr>
-      </p:pic>
-      <p:sp>
-        <p:nvSpPr>
-          <p:cNvPr id="6" name="TextBox 5"/>
-          <p:cNvSpPr txBox="1"/>
-          <p:nvPr/>
-        </p:nvSpPr>
-        <p:spPr>
-          <a:xfrm>
-            <a:off x="990600" y="4912207"/>
-            <a:ext cx="2209800" cy="1446550"/>
-          </a:xfrm>
-          <a:prstGeom prst="rect">
-            <a:avLst/>
-          </a:prstGeom>
-          <a:noFill/>
-        </p:spPr>
-        <p:txBody>
-          <a:bodyPr wrap="square" rtlCol="0">
-            <a:spAutoFit/>
-          </a:bodyPr>
-          <a:lstStyle/>
-          <a:p>
-            <a:pPr algn="ctr"/>
-            <a:r>
-              <a:rPr lang="en-US" sz="4400" dirty="0"/>
-              <a:t>and Strategy</a:t>
-            </a:r>
-          </a:p>
-        </p:txBody>
-      </p:sp>
-    </p:spTree>
-    <p:extLst>
-      <p:ext uri="{BB962C8B-B14F-4D97-AF65-F5344CB8AC3E}">
-        <p14:creationId xmlns:p14="http://schemas.microsoft.com/office/powerpoint/2010/main" val="3969528866"/>
-      </p:ext>
-    </p:extLst>
-  </p:cSld>
-  <p:clrMapOvr>
-    <a:masterClrMapping/>
-  </p:clrMapOvr>
-  <mc:AlternateContent xmlns:mc="http://schemas.openxmlformats.org/markup-compatibility/2006" xmlns:p14="http://schemas.microsoft.com/office/powerpoint/2010/main">
-    <mc:Choice Requires="p14">
-      <p:transition spd="slow" p14:dur="2000"/>
-    </mc:Choice>
-    <mc:Fallback xmlns="">
-      <p:transition spd="slow"/>
-    </mc:Fallback>
-  </mc:AlternateContent>
-  <p:timing>
-    <p:tnLst>
-      <p:par>
-        <p:cTn xmlns:p14="http://schemas.microsoft.com/office/powerpoint/2010/main" id="1" dur="indefinite" restart="never" nodeType="tmRoot">
-          <p:childTnLst>
-            <p:seq concurrent="1" nextAc="seek">
-              <p:cTn id="2" dur="indefinite" nodeType="mainSeq">
-                <p:childTnLst>
-                  <p:par>
-                    <p:cTn id="3" fill="hold">
-                      <p:stCondLst>
-                        <p:cond delay="indefinite"/>
-                      </p:stCondLst>
-                      <p:childTnLst>
-                        <p:par>
-                          <p:cTn id="4" fill="hold">
-                            <p:stCondLst>
-                              <p:cond delay="0"/>
-                            </p:stCondLst>
-                            <p:childTnLst>
-                              <p:par>
-                                <p:cTn id="5" presetID="1" presetClass="entr" presetSubtype="0" fill="hold" nodeType="clickEffect">
-                                  <p:stCondLst>
-                                    <p:cond delay="0"/>
-                                  </p:stCondLst>
-                                  <p:childTnLst>
-                                    <p:set>
-                                      <p:cBhvr>
-                                        <p:cTn id="6" dur="1" fill="hold">
-                                          <p:stCondLst>
-                                            <p:cond delay="0"/>
-                                          </p:stCondLst>
-                                        </p:cTn>
-                                        <p:tgtEl>
-                                          <p:spTgt spid="5"/>
-                                        </p:tgtEl>
-                                        <p:attrNameLst>
-                                          <p:attrName>style.visibility</p:attrName>
-                                        </p:attrNameLst>
-                                      </p:cBhvr>
-                                      <p:to>
-                                        <p:strVal val="visible"/>
-                                      </p:to>
-                                    </p:set>
-                                  </p:childTnLst>
-                                </p:cTn>
-                              </p:par>
-                              <p:par>
-                                <p:cTn id="7" presetID="1" presetClass="entr" presetSubtype="0" fill="hold" grpId="0" nodeType="withEffect">
-                                  <p:stCondLst>
-                                    <p:cond delay="0"/>
-                                  </p:stCondLst>
-                                  <p:childTnLst>
-                                    <p:set>
-                                      <p:cBhvr>
-                                        <p:cTn id="8" dur="1" fill="hold">
-                                          <p:stCondLst>
-                                            <p:cond delay="0"/>
-                                          </p:stCondLst>
-                                        </p:cTn>
-                                        <p:tgtEl>
-                                          <p:spTgt spid="6"/>
-                                        </p:tgtEl>
-                                        <p:attrNameLst>
-                                          <p:attrName>style.visibility</p:attrName>
-                                        </p:attrNameLst>
-                                      </p:cBhvr>
-                                      <p:to>
-                                        <p:strVal val="visible"/>
-                                      </p:to>
-                                    </p:set>
-                                  </p:childTnLst>
-                                </p:cTn>
-                              </p:par>
-                            </p:childTnLst>
-                          </p:cTn>
-                        </p:par>
-                      </p:childTnLst>
-                    </p:cTn>
-                  </p:par>
-                </p:childTnLst>
-              </p:cTn>
-              <p:prevCondLst>
-                <p:cond evt="onPrev" delay="0">
-                  <p:tgtEl>
-                    <p:sldTgt/>
-                  </p:tgtEl>
-                </p:cond>
-              </p:prevCondLst>
-              <p:nextCondLst>
-                <p:cond evt="onNext" delay="0">
-                  <p:tgtEl>
-                    <p:sldTgt/>
-                  </p:tgtEl>
-                </p:cond>
-              </p:nextCondLst>
-            </p:seq>
-          </p:childTnLst>
-        </p:cTn>
-      </p:par>
-    </p:tnLst>
-    <p:bldLst>
-      <p:bldP spid="6" grpId="0"/>
-    </p:bldLst>
-  </p:timing>
-</p:sld>
-</file>
-
-<file path=ppt/slides/slide23.xml><?xml version="1.0" encoding="utf-8"?>
-<p:sld xmlns:a="http://schemas.openxmlformats.org/drawingml/2006/main" xmlns:r="http://schemas.openxmlformats.org/officeDocument/2006/relationships" xmlns:p="http://schemas.openxmlformats.org/presentationml/2006/main">
-  <p:cSld>
-    <p:spTree>
-      <p:nvGrpSpPr>
-        <p:cNvPr id="1" name=""/>
-        <p:cNvGrpSpPr/>
-        <p:nvPr/>
-      </p:nvGrpSpPr>
-      <p:grpSpPr>
-        <a:xfrm>
-          <a:off x="0" y="0"/>
-          <a:ext cx="0" cy="0"/>
-          <a:chOff x="0" y="0"/>
-          <a:chExt cx="0" cy="0"/>
-        </a:xfrm>
-      </p:grpSpPr>
-      <p:sp>
-        <p:nvSpPr>
-          <p:cNvPr id="2" name="Title 1"/>
-          <p:cNvSpPr>
-            <a:spLocks noGrp="1"/>
-          </p:cNvSpPr>
-          <p:nvPr>
-            <p:ph type="title"/>
-          </p:nvPr>
-        </p:nvSpPr>
-        <p:spPr>
-          <a:xfrm>
-            <a:off x="533400" y="2362200"/>
-            <a:ext cx="8229600" cy="1143000"/>
-          </a:xfrm>
-        </p:spPr>
-        <p:txBody>
-          <a:bodyPr>
-            <a:normAutofit/>
-          </a:bodyPr>
-          <a:lstStyle/>
-          <a:p>
-            <a:r>
-              <a:rPr lang="en-US" dirty="0" smtClean="0"/>
-              <a:t>Know what you are talking about….</a:t>
-            </a:r>
-            <a:endParaRPr lang="en-US" dirty="0"/>
-          </a:p>
-        </p:txBody>
-      </p:sp>
-    </p:spTree>
-    <p:extLst>
-      <p:ext uri="{BB962C8B-B14F-4D97-AF65-F5344CB8AC3E}">
-        <p14:creationId xmlns:p14="http://schemas.microsoft.com/office/powerpoint/2010/main" val="3257762514"/>
-      </p:ext>
-    </p:extLst>
-  </p:cSld>
-  <p:clrMapOvr>
-    <a:masterClrMapping/>
-  </p:clrMapOvr>
-  <mc:AlternateContent xmlns:mc="http://schemas.openxmlformats.org/markup-compatibility/2006" xmlns:p14="http://schemas.microsoft.com/office/powerpoint/2010/main">
-    <mc:Choice Requires="p14">
-      <p:transition spd="slow" p14:dur="2000"/>
-    </mc:Choice>
-    <mc:Fallback xmlns="">
-      <p:transition spd="slow"/>
-    </mc:Fallback>
-  </mc:AlternateContent>
-  <p:timing>
-    <p:tnLst>
-      <p:par>
-        <p:cTn xmlns:p14="http://schemas.microsoft.com/office/powerpoint/2010/main" id="1" dur="indefinite" restart="never" nodeType="tmRoot"/>
-      </p:par>
-    </p:tnLst>
-  </p:timing>
-</p:sld>
-</file>
-
-<file path=ppt/slides/slide24.xml><?xml version="1.0" encoding="utf-8"?>
-<p:sld xmlns:a="http://schemas.openxmlformats.org/drawingml/2006/main" xmlns:r="http://schemas.openxmlformats.org/officeDocument/2006/relationships" xmlns:p="http://schemas.openxmlformats.org/presentationml/2006/main">
-  <p:cSld>
-    <p:spTree>
-      <p:nvGrpSpPr>
-        <p:cNvPr id="1" name=""/>
-        <p:cNvGrpSpPr/>
-        <p:nvPr/>
-      </p:nvGrpSpPr>
-      <p:grpSpPr>
-        <a:xfrm>
-          <a:off x="0" y="0"/>
-          <a:ext cx="0" cy="0"/>
-          <a:chOff x="0" y="0"/>
-          <a:chExt cx="0" cy="0"/>
-        </a:xfrm>
-      </p:grpSpPr>
-      <p:sp>
-        <p:nvSpPr>
-          <p:cNvPr id="2" name="Title 1"/>
-          <p:cNvSpPr>
-            <a:spLocks noGrp="1"/>
-          </p:cNvSpPr>
-          <p:nvPr>
-            <p:ph type="title"/>
-          </p:nvPr>
-        </p:nvSpPr>
-        <p:spPr/>
-        <p:txBody>
-          <a:bodyPr/>
-          <a:lstStyle/>
-          <a:p>
-            <a:r>
-              <a:rPr lang="en-US" dirty="0" smtClean="0"/>
-              <a:t>Questions?</a:t>
-            </a:r>
-            <a:endParaRPr lang="en-US" dirty="0"/>
-          </a:p>
-        </p:txBody>
-      </p:sp>
-      <p:pic>
-        <p:nvPicPr>
-          <p:cNvPr id="4" name="Content Placeholder 3"/>
-          <p:cNvPicPr>
-            <a:picLocks noGrp="1" noChangeAspect="1"/>
-          </p:cNvPicPr>
-          <p:nvPr>
-            <p:ph idx="1"/>
-          </p:nvPr>
-        </p:nvPicPr>
-        <p:blipFill>
-          <a:blip r:embed="rId2" cstate="print">
-            <a:extLst>
-              <a:ext uri="{28A0092B-C50C-407E-A947-70E740481C1C}">
-                <a14:useLocalDpi xmlns:a14="http://schemas.microsoft.com/office/drawing/2010/main" val="0"/>
-              </a:ext>
-            </a:extLst>
-          </a:blip>
-          <a:stretch>
-            <a:fillRect/>
-          </a:stretch>
-        </p:blipFill>
-        <p:spPr>
-          <a:xfrm>
-            <a:off x="381000" y="1219200"/>
-            <a:ext cx="4525963" cy="4525963"/>
-          </a:xfrm>
-        </p:spPr>
-      </p:pic>
-    </p:spTree>
-    <p:extLst>
-      <p:ext uri="{BB962C8B-B14F-4D97-AF65-F5344CB8AC3E}">
-        <p14:creationId xmlns:p14="http://schemas.microsoft.com/office/powerpoint/2010/main" val="284972159"/>
-      </p:ext>
-    </p:extLst>
-  </p:cSld>
-  <p:clrMapOvr>
-    <a:masterClrMapping/>
-  </p:clrMapOvr>
-  <p:timing>
-    <p:tnLst>
-      <p:par>
-        <p:cTn xmlns:p14="http://schemas.microsoft.com/office/powerpoint/2010/main" id="1" dur="indefinite" restart="never" nodeType="tmRoot"/>
-      </p:par>
-    </p:tnLst>
-  </p:timing>
-</p:sld>
-</file>
-
-<file path=ppt/slides/slide25.xml><?xml version="1.0" encoding="utf-8"?>
-<p:sld xmlns:a="http://schemas.openxmlformats.org/drawingml/2006/main" xmlns:r="http://schemas.openxmlformats.org/officeDocument/2006/relationships" xmlns:p="http://schemas.openxmlformats.org/presentationml/2006/main">
-  <p:cSld>
-    <p:spTree>
-      <p:nvGrpSpPr>
-        <p:cNvPr id="1" name=""/>
-        <p:cNvGrpSpPr/>
-        <p:nvPr/>
-      </p:nvGrpSpPr>
-      <p:grpSpPr>
-        <a:xfrm>
-          <a:off x="0" y="0"/>
-          <a:ext cx="0" cy="0"/>
-          <a:chOff x="0" y="0"/>
-          <a:chExt cx="0" cy="0"/>
-        </a:xfrm>
-      </p:grpSpPr>
-      <p:sp>
-        <p:nvSpPr>
-          <p:cNvPr id="2" name="Title 1"/>
-          <p:cNvSpPr>
-            <a:spLocks noGrp="1"/>
-          </p:cNvSpPr>
-          <p:nvPr>
-            <p:ph type="title"/>
-          </p:nvPr>
-        </p:nvSpPr>
-        <p:spPr/>
-        <p:txBody>
-          <a:bodyPr/>
-          <a:lstStyle/>
-          <a:p>
-            <a:pPr marL="0" indent="0">
-              <a:buNone/>
-            </a:pPr>
-            <a:r>
-              <a:rPr lang="en-US" dirty="0" smtClean="0"/>
-              <a:t>Who Is This Guy?</a:t>
-            </a:r>
-            <a:endParaRPr lang="en-US" dirty="0"/>
-          </a:p>
-        </p:txBody>
-      </p:sp>
-      <p:sp>
-        <p:nvSpPr>
-          <p:cNvPr id="3" name="Content Placeholder 2"/>
-          <p:cNvSpPr>
-            <a:spLocks noGrp="1"/>
-          </p:cNvSpPr>
-          <p:nvPr>
-            <p:ph sz="quarter" idx="4294967295"/>
-          </p:nvPr>
-        </p:nvSpPr>
-        <p:spPr>
-          <a:xfrm>
-            <a:off x="402348" y="1905000"/>
-            <a:ext cx="7751051" cy="3474720"/>
-          </a:xfrm>
-          <a:prstGeom prst="rect">
-            <a:avLst/>
-          </a:prstGeom>
-        </p:spPr>
-        <p:txBody>
-          <a:bodyPr/>
-          <a:lstStyle/>
-          <a:p>
-            <a:r>
-              <a:rPr lang="en-US" smtClean="0"/>
-              <a:t>Director </a:t>
-            </a:r>
-            <a:r>
-              <a:rPr lang="en-US" dirty="0" smtClean="0"/>
-              <a:t>/ Paige Technologies</a:t>
-            </a:r>
-          </a:p>
-          <a:p>
-            <a:r>
-              <a:rPr lang="en-US" dirty="0" smtClean="0"/>
-              <a:t>@</a:t>
-            </a:r>
-            <a:r>
-              <a:rPr lang="en-US" dirty="0" err="1" smtClean="0"/>
-              <a:t>jonathanfmills</a:t>
-            </a:r>
-            <a:endParaRPr lang="en-US" dirty="0" smtClean="0"/>
-          </a:p>
-          <a:p>
-            <a:r>
-              <a:rPr lang="en-US" dirty="0" smtClean="0"/>
-              <a:t>Jonathanfmills.com</a:t>
-            </a:r>
-          </a:p>
-          <a:p>
-            <a:endParaRPr lang="en-US" dirty="0" smtClean="0"/>
-          </a:p>
-        </p:txBody>
-      </p:sp>
-      <p:pic>
-        <p:nvPicPr>
-          <p:cNvPr id="4" name="Picture 3"/>
-          <p:cNvPicPr>
-            <a:picLocks noChangeAspect="1"/>
-          </p:cNvPicPr>
-          <p:nvPr/>
-        </p:nvPicPr>
-        <p:blipFill rotWithShape="1">
-          <a:blip r:embed="rId3" cstate="print">
-            <a:extLst>
-              <a:ext uri="{28A0092B-C50C-407E-A947-70E740481C1C}">
-                <a14:useLocalDpi xmlns:a14="http://schemas.microsoft.com/office/drawing/2010/main" val="0"/>
-              </a:ext>
-            </a:extLst>
-          </a:blip>
-          <a:srcRect l="21263" t="6298" r="18446" b="487"/>
-          <a:stretch/>
-        </p:blipFill>
-        <p:spPr>
-          <a:xfrm>
-            <a:off x="5257800" y="3124200"/>
-            <a:ext cx="3700298" cy="3421997"/>
-          </a:xfrm>
-          <a:prstGeom prst="rect">
-            <a:avLst/>
-          </a:prstGeom>
-        </p:spPr>
-      </p:pic>
-    </p:spTree>
-    <p:extLst>
-      <p:ext uri="{BB962C8B-B14F-4D97-AF65-F5344CB8AC3E}">
-        <p14:creationId xmlns:p14="http://schemas.microsoft.com/office/powerpoint/2010/main" val="2409358463"/>
-      </p:ext>
-    </p:extLst>
-  </p:cSld>
-  <p:clrMapOvr>
-    <a:masterClrMapping/>
-  </p:clrMapOvr>
-  <p:timing>
-    <p:tnLst>
-      <p:par>
-        <p:cTn xmlns:p14="http://schemas.microsoft.com/office/powerpoint/2010/main" id="1" dur="indefinite" restart="never" nodeType="tmRoot"/>
-      </p:par>
-    </p:tnLst>
-  </p:timing>
-</p:sld>
-</file>
-
-<file path=ppt/slides/slide3.xml><?xml version="1.0" encoding="utf-8"?>
-<p:sld xmlns:a="http://schemas.openxmlformats.org/drawingml/2006/main" xmlns:r="http://schemas.openxmlformats.org/officeDocument/2006/relationships" xmlns:p="http://schemas.openxmlformats.org/presentationml/2006/main">
-  <p:cSld>
-    <p:spTree>
-      <p:nvGrpSpPr>
-        <p:cNvPr id="1" name=""/>
-        <p:cNvGrpSpPr/>
-        <p:nvPr/>
-      </p:nvGrpSpPr>
-      <p:grpSpPr>
-        <a:xfrm>
-          <a:off x="0" y="0"/>
-          <a:ext cx="0" cy="0"/>
-          <a:chOff x="0" y="0"/>
-          <a:chExt cx="0" cy="0"/>
-        </a:xfrm>
-      </p:grpSpPr>
-      <p:sp>
-        <p:nvSpPr>
-          <p:cNvPr id="2" name="Title 1"/>
-          <p:cNvSpPr>
-            <a:spLocks noGrp="1"/>
-          </p:cNvSpPr>
-          <p:nvPr>
-            <p:ph type="title"/>
-          </p:nvPr>
-        </p:nvSpPr>
-        <p:spPr>
-          <a:xfrm>
-            <a:off x="457200" y="28755"/>
-            <a:ext cx="8229600" cy="1143000"/>
-          </a:xfrm>
-        </p:spPr>
-        <p:txBody>
-          <a:bodyPr/>
-          <a:lstStyle/>
-          <a:p>
-            <a:r>
-              <a:rPr lang="en-US" dirty="0" smtClean="0">
-                <a:solidFill>
-                  <a:srgbClr val="000000"/>
-                </a:solidFill>
-              </a:rPr>
-              <a:t>Conference Mobile App</a:t>
-            </a:r>
-            <a:endParaRPr lang="en-US" dirty="0">
-              <a:solidFill>
-                <a:srgbClr val="000000"/>
-              </a:solidFill>
-            </a:endParaRPr>
-          </a:p>
-        </p:txBody>
-      </p:sp>
-      <p:sp>
-        <p:nvSpPr>
-          <p:cNvPr id="3" name="Content Placeholder 2"/>
-          <p:cNvSpPr>
-            <a:spLocks noGrp="1"/>
-          </p:cNvSpPr>
-          <p:nvPr>
-            <p:ph idx="1"/>
-          </p:nvPr>
-        </p:nvSpPr>
-        <p:spPr>
-          <a:xfrm>
-            <a:off x="304800" y="2133600"/>
-            <a:ext cx="6000750" cy="3394472"/>
-          </a:xfrm>
-        </p:spPr>
-        <p:txBody>
-          <a:bodyPr>
-            <a:normAutofit lnSpcReduction="10000"/>
-          </a:bodyPr>
-          <a:lstStyle/>
-          <a:p>
-            <a:r>
-              <a:rPr lang="en-US" dirty="0">
-                <a:solidFill>
-                  <a:srgbClr val="000000"/>
-                </a:solidFill>
-              </a:rPr>
-              <a:t>d</a:t>
-            </a:r>
-            <a:r>
-              <a:rPr lang="en-US" dirty="0" smtClean="0">
-                <a:solidFill>
-                  <a:srgbClr val="000000"/>
-                </a:solidFill>
-              </a:rPr>
-              <a:t>odn14.azurewebsites.net</a:t>
-            </a:r>
-          </a:p>
-          <a:p>
-            <a:r>
-              <a:rPr lang="en-US" dirty="0" smtClean="0">
-                <a:solidFill>
-                  <a:srgbClr val="000000"/>
-                </a:solidFill>
-              </a:rPr>
-              <a:t>Quick access to conference info</a:t>
-            </a:r>
-          </a:p>
-          <a:p>
-            <a:r>
-              <a:rPr lang="en-US" dirty="0" smtClean="0">
-                <a:solidFill>
-                  <a:srgbClr val="000000"/>
-                </a:solidFill>
-              </a:rPr>
-              <a:t>Build your custom agenda</a:t>
-            </a:r>
-          </a:p>
-          <a:p>
-            <a:r>
-              <a:rPr lang="en-US" dirty="0" smtClean="0">
-                <a:solidFill>
-                  <a:srgbClr val="000000"/>
-                </a:solidFill>
-              </a:rPr>
-              <a:t>Anonymously rate the sessions you attended</a:t>
-            </a:r>
-          </a:p>
-          <a:p>
-            <a:r>
-              <a:rPr lang="en-US" dirty="0" smtClean="0">
-                <a:solidFill>
-                  <a:srgbClr val="000000"/>
-                </a:solidFill>
-              </a:rPr>
-              <a:t>Share with the Twitter-verse</a:t>
-            </a:r>
-            <a:endParaRPr lang="en-US" dirty="0">
-              <a:solidFill>
-                <a:srgbClr val="000000"/>
-              </a:solidFill>
-            </a:endParaRPr>
-          </a:p>
-        </p:txBody>
-      </p:sp>
-      <p:pic>
-        <p:nvPicPr>
-          <p:cNvPr id="5" name="Picture 4"/>
-          <p:cNvPicPr/>
-          <p:nvPr/>
-        </p:nvPicPr>
-        <p:blipFill>
-          <a:blip r:embed="rId3">
-            <a:extLst>
-              <a:ext uri="{28A0092B-C50C-407E-A947-70E740481C1C}">
-                <a14:useLocalDpi xmlns:a14="http://schemas.microsoft.com/office/drawing/2010/main" val="0"/>
-              </a:ext>
-            </a:extLst>
-          </a:blip>
-          <a:stretch>
-            <a:fillRect/>
-          </a:stretch>
-        </p:blipFill>
-        <p:spPr>
-          <a:xfrm>
-            <a:off x="6324600" y="1066800"/>
-            <a:ext cx="2743200" cy="5181600"/>
-          </a:xfrm>
-          <a:prstGeom prst="rect">
-            <a:avLst/>
-          </a:prstGeom>
-        </p:spPr>
-      </p:pic>
-    </p:spTree>
-    <p:extLst>
-      <p:ext uri="{BB962C8B-B14F-4D97-AF65-F5344CB8AC3E}">
-        <p14:creationId xmlns:p14="http://schemas.microsoft.com/office/powerpoint/2010/main" val="667442459"/>
-      </p:ext>
-    </p:extLst>
-  </p:cSld>
-  <p:clrMapOvr>
-    <a:masterClrMapping/>
-  </p:clrMapOvr>
-  <p:timing>
-    <p:tnLst>
-      <p:par>
-        <p:cTn xmlns:p14="http://schemas.microsoft.com/office/powerpoint/2010/main" id="1" dur="indefinite" restart="never" nodeType="tmRoot"/>
-      </p:par>
-    </p:tnLst>
-  </p:timing>
-</p:sld>
-</file>
-
-<file path=ppt/slides/slide4.xml><?xml version="1.0" encoding="utf-8"?>
-<p:sld xmlns:a="http://schemas.openxmlformats.org/drawingml/2006/main" xmlns:r="http://schemas.openxmlformats.org/officeDocument/2006/relationships" xmlns:p="http://schemas.openxmlformats.org/presentationml/2006/main">
-  <p:cSld>
-    <p:spTree>
-      <p:nvGrpSpPr>
-        <p:cNvPr id="1" name=""/>
-        <p:cNvGrpSpPr/>
-        <p:nvPr/>
-      </p:nvGrpSpPr>
-      <p:grpSpPr>
-        <a:xfrm>
-          <a:off x="0" y="0"/>
-          <a:ext cx="0" cy="0"/>
-          <a:chOff x="0" y="0"/>
-          <a:chExt cx="0" cy="0"/>
-        </a:xfrm>
-      </p:grpSpPr>
-      <p:sp>
-        <p:nvSpPr>
-          <p:cNvPr id="2" name="Title 1"/>
-          <p:cNvSpPr>
-            <a:spLocks noGrp="1"/>
-          </p:cNvSpPr>
-          <p:nvPr>
-            <p:ph type="title"/>
-          </p:nvPr>
-        </p:nvSpPr>
-        <p:spPr/>
-        <p:txBody>
-          <a:bodyPr/>
-          <a:lstStyle/>
-          <a:p>
-            <a:r>
-              <a:rPr lang="en-US" dirty="0"/>
-              <a:t>Fun </a:t>
-            </a:r>
-            <a:r>
-              <a:rPr lang="en-US" dirty="0" smtClean="0"/>
-              <a:t>Stuff Downstairs</a:t>
-            </a:r>
-            <a:endParaRPr lang="en-US" dirty="0"/>
-          </a:p>
-        </p:txBody>
-      </p:sp>
-      <p:pic>
-        <p:nvPicPr>
-          <p:cNvPr id="5" name="Picture 4"/>
-          <p:cNvPicPr>
-            <a:picLocks noChangeAspect="1"/>
-          </p:cNvPicPr>
-          <p:nvPr/>
-        </p:nvPicPr>
-        <p:blipFill>
-          <a:blip r:embed="rId3" cstate="print">
-            <a:extLst>
-              <a:ext uri="{28A0092B-C50C-407E-A947-70E740481C1C}">
-                <a14:useLocalDpi xmlns:a14="http://schemas.microsoft.com/office/drawing/2010/main" val="0"/>
-              </a:ext>
-            </a:extLst>
-          </a:blip>
-          <a:stretch>
-            <a:fillRect/>
-          </a:stretch>
-        </p:blipFill>
-        <p:spPr>
-          <a:xfrm>
-            <a:off x="381000" y="1451155"/>
-            <a:ext cx="3825038" cy="2049981"/>
-          </a:xfrm>
-          <a:prstGeom prst="rect">
-            <a:avLst/>
-          </a:prstGeom>
-        </p:spPr>
-      </p:pic>
-      <p:pic>
-        <p:nvPicPr>
-          <p:cNvPr id="7" name="Picture 6"/>
-          <p:cNvPicPr>
-            <a:picLocks noChangeAspect="1"/>
-          </p:cNvPicPr>
-          <p:nvPr/>
-        </p:nvPicPr>
-        <p:blipFill>
-          <a:blip r:embed="rId4" cstate="print">
-            <a:extLst>
-              <a:ext uri="{28A0092B-C50C-407E-A947-70E740481C1C}">
-                <a14:useLocalDpi xmlns:a14="http://schemas.microsoft.com/office/drawing/2010/main" val="0"/>
-              </a:ext>
-            </a:extLst>
-          </a:blip>
-          <a:stretch>
-            <a:fillRect/>
-          </a:stretch>
-        </p:blipFill>
-        <p:spPr>
-          <a:xfrm>
-            <a:off x="5181600" y="1484455"/>
-            <a:ext cx="3602076" cy="2026168"/>
-          </a:xfrm>
-          <a:prstGeom prst="rect">
-            <a:avLst/>
-          </a:prstGeom>
-        </p:spPr>
-      </p:pic>
-      <p:pic>
-        <p:nvPicPr>
-          <p:cNvPr id="9" name="Picture 8"/>
-          <p:cNvPicPr>
-            <a:picLocks noChangeAspect="1"/>
-          </p:cNvPicPr>
-          <p:nvPr/>
-        </p:nvPicPr>
-        <p:blipFill>
-          <a:blip r:embed="rId5" cstate="print">
-            <a:extLst>
-              <a:ext uri="{28A0092B-C50C-407E-A947-70E740481C1C}">
-                <a14:useLocalDpi xmlns:a14="http://schemas.microsoft.com/office/drawing/2010/main" val="0"/>
-              </a:ext>
-            </a:extLst>
-          </a:blip>
-          <a:stretch>
-            <a:fillRect/>
-          </a:stretch>
-        </p:blipFill>
-        <p:spPr>
-          <a:xfrm>
-            <a:off x="3657600" y="1828800"/>
-            <a:ext cx="2112383" cy="1408255"/>
-          </a:xfrm>
-          <a:prstGeom prst="rect">
-            <a:avLst/>
-          </a:prstGeom>
-        </p:spPr>
-      </p:pic>
-      <p:pic>
-        <p:nvPicPr>
-          <p:cNvPr id="4" name="Picture 3"/>
-          <p:cNvPicPr>
-            <a:picLocks noChangeAspect="1"/>
-          </p:cNvPicPr>
-          <p:nvPr/>
-        </p:nvPicPr>
-        <p:blipFill>
-          <a:blip r:embed="rId6"/>
-          <a:stretch>
-            <a:fillRect/>
-          </a:stretch>
-        </p:blipFill>
-        <p:spPr>
-          <a:xfrm>
-            <a:off x="1066800" y="3657600"/>
-            <a:ext cx="7356552" cy="2949560"/>
-          </a:xfrm>
-          <a:prstGeom prst="rect">
-            <a:avLst/>
-          </a:prstGeom>
-        </p:spPr>
-      </p:pic>
-    </p:spTree>
-    <p:extLst>
-      <p:ext uri="{BB962C8B-B14F-4D97-AF65-F5344CB8AC3E}">
-        <p14:creationId xmlns:p14="http://schemas.microsoft.com/office/powerpoint/2010/main" val="1446548559"/>
-      </p:ext>
-    </p:extLst>
-  </p:cSld>
-  <p:clrMapOvr>
-    <a:masterClrMapping/>
-  </p:clrMapOvr>
-  <p:timing>
-    <p:tnLst>
-      <p:par>
-        <p:cTn xmlns:p14="http://schemas.microsoft.com/office/powerpoint/2010/main" id="1" dur="indefinite" restart="never" nodeType="tmRoot"/>
-      </p:par>
-    </p:tnLst>
-  </p:timing>
-</p:sld>
-</file>
-
-<file path=ppt/slides/slide5.xml><?xml version="1.0" encoding="utf-8"?>
-<p:sld xmlns:a="http://schemas.openxmlformats.org/drawingml/2006/main" xmlns:r="http://schemas.openxmlformats.org/officeDocument/2006/relationships" xmlns:p="http://schemas.openxmlformats.org/presentationml/2006/main">
-  <p:cSld>
-    <p:spTree>
-      <p:nvGrpSpPr>
-        <p:cNvPr id="1" name=""/>
-        <p:cNvGrpSpPr/>
-        <p:nvPr/>
-      </p:nvGrpSpPr>
-      <p:grpSpPr>
-        <a:xfrm>
-          <a:off x="0" y="0"/>
-          <a:ext cx="0" cy="0"/>
-          <a:chOff x="0" y="0"/>
-          <a:chExt cx="0" cy="0"/>
-        </a:xfrm>
-      </p:grpSpPr>
-      <p:sp>
-        <p:nvSpPr>
-          <p:cNvPr id="2" name="Title 1"/>
-          <p:cNvSpPr>
-            <a:spLocks noGrp="1"/>
-          </p:cNvSpPr>
-          <p:nvPr>
-            <p:ph type="ctrTitle"/>
-          </p:nvPr>
-        </p:nvSpPr>
-        <p:spPr/>
-        <p:txBody>
-          <a:bodyPr>
-            <a:normAutofit/>
-          </a:bodyPr>
-          <a:lstStyle/>
-          <a:p>
-            <a:r>
-              <a:rPr lang="en-US" dirty="0" smtClean="0"/>
-              <a:t>Managing </a:t>
-            </a:r>
-            <a:r>
-              <a:rPr lang="en-US" dirty="0" smtClean="0"/>
-              <a:t>People</a:t>
-            </a:r>
-            <a:endParaRPr lang="en-US" dirty="0"/>
-          </a:p>
-        </p:txBody>
-      </p:sp>
-      <p:sp>
-        <p:nvSpPr>
-          <p:cNvPr id="3" name="Subtitle 2"/>
-          <p:cNvSpPr>
-            <a:spLocks noGrp="1"/>
-          </p:cNvSpPr>
-          <p:nvPr>
-            <p:ph type="subTitle" idx="1"/>
-          </p:nvPr>
-        </p:nvSpPr>
-        <p:spPr/>
-        <p:txBody>
-          <a:bodyPr/>
-          <a:lstStyle/>
-          <a:p>
-            <a:r>
-              <a:rPr lang="en-US" dirty="0" smtClean="0"/>
-              <a:t>Jonathan Mills</a:t>
-            </a:r>
-            <a:endParaRPr lang="en-US" dirty="0"/>
-          </a:p>
-        </p:txBody>
-      </p:sp>
-    </p:spTree>
-    <p:extLst>
-      <p:ext uri="{BB962C8B-B14F-4D97-AF65-F5344CB8AC3E}">
-        <p14:creationId xmlns:p14="http://schemas.microsoft.com/office/powerpoint/2010/main" val="633744302"/>
-      </p:ext>
-    </p:extLst>
-  </p:cSld>
-  <p:clrMapOvr>
-    <a:masterClrMapping/>
-  </p:clrMapOvr>
-  <mc:AlternateContent xmlns:mc="http://schemas.openxmlformats.org/markup-compatibility/2006" xmlns:p14="http://schemas.microsoft.com/office/powerpoint/2010/main">
-    <mc:Choice Requires="p14">
-      <p:transition spd="slow" p14:dur="2000"/>
-    </mc:Choice>
-    <mc:Fallback xmlns="">
-      <p:transition spd="slow"/>
-    </mc:Fallback>
-  </mc:AlternateContent>
-  <p:timing>
-    <p:tnLst>
-      <p:par>
-        <p:cTn xmlns:p14="http://schemas.microsoft.com/office/powerpoint/2010/main" id="1" dur="indefinite" restart="never" nodeType="tmRoot"/>
-      </p:par>
-    </p:tnLst>
-  </p:timing>
-</p:sld>
-</file>
-
-<file path=ppt/slides/slide6.xml><?xml version="1.0" encoding="utf-8"?>
-<p:sld xmlns:a="http://schemas.openxmlformats.org/drawingml/2006/main" xmlns:r="http://schemas.openxmlformats.org/officeDocument/2006/relationships" xmlns:p="http://schemas.openxmlformats.org/presentationml/2006/main">
-  <p:cSld>
-    <p:spTree>
-      <p:nvGrpSpPr>
-        <p:cNvPr id="1" name=""/>
-        <p:cNvGrpSpPr/>
-        <p:nvPr/>
-      </p:nvGrpSpPr>
-      <p:grpSpPr>
-        <a:xfrm>
-          <a:off x="0" y="0"/>
-          <a:ext cx="0" cy="0"/>
-          <a:chOff x="0" y="0"/>
-          <a:chExt cx="0" cy="0"/>
-        </a:xfrm>
-      </p:grpSpPr>
-      <p:sp>
-        <p:nvSpPr>
-          <p:cNvPr id="2" name="Title 1"/>
-          <p:cNvSpPr>
-            <a:spLocks noGrp="1"/>
-          </p:cNvSpPr>
-          <p:nvPr>
-            <p:ph type="ctrTitle"/>
-          </p:nvPr>
-        </p:nvSpPr>
-        <p:spPr/>
-        <p:txBody>
-          <a:bodyPr>
-            <a:normAutofit/>
-          </a:bodyPr>
-          <a:lstStyle/>
-          <a:p>
-            <a:r>
-              <a:rPr lang="en-US" dirty="0" smtClean="0"/>
-              <a:t>Managing Good </a:t>
-            </a:r>
-            <a:r>
-              <a:rPr lang="en-US" dirty="0" smtClean="0"/>
-              <a:t>People</a:t>
-            </a:r>
-            <a:endParaRPr lang="en-US" dirty="0"/>
-          </a:p>
-        </p:txBody>
-      </p:sp>
-      <p:sp>
-        <p:nvSpPr>
-          <p:cNvPr id="3" name="Subtitle 2"/>
-          <p:cNvSpPr>
-            <a:spLocks noGrp="1"/>
-          </p:cNvSpPr>
-          <p:nvPr>
-            <p:ph type="subTitle" idx="1"/>
-          </p:nvPr>
-        </p:nvSpPr>
-        <p:spPr/>
-        <p:txBody>
-          <a:bodyPr/>
-          <a:lstStyle/>
-          <a:p>
-            <a:r>
-              <a:rPr lang="en-US" dirty="0" smtClean="0"/>
-              <a:t>Jonathan Mills</a:t>
-            </a:r>
-            <a:endParaRPr lang="en-US" dirty="0"/>
-          </a:p>
-        </p:txBody>
-      </p:sp>
-    </p:spTree>
-    <p:extLst>
-      <p:ext uri="{BB962C8B-B14F-4D97-AF65-F5344CB8AC3E}">
-        <p14:creationId xmlns:p14="http://schemas.microsoft.com/office/powerpoint/2010/main" val="815739272"/>
-      </p:ext>
-    </p:extLst>
-  </p:cSld>
-  <p:clrMapOvr>
-    <a:masterClrMapping/>
-  </p:clrMapOvr>
-  <mc:AlternateContent xmlns:mc="http://schemas.openxmlformats.org/markup-compatibility/2006" xmlns:p14="http://schemas.microsoft.com/office/powerpoint/2010/main">
-    <mc:Choice Requires="p14">
-      <p:transition spd="slow" p14:dur="2000"/>
-    </mc:Choice>
-    <mc:Fallback xmlns="">
-      <p:transition spd="slow"/>
-    </mc:Fallback>
-  </mc:AlternateContent>
-  <p:timing>
-    <p:tnLst>
-      <p:par>
-        <p:cTn xmlns:p14="http://schemas.microsoft.com/office/powerpoint/2010/main" id="1" dur="indefinite" restart="never" nodeType="tmRoot"/>
-      </p:par>
-    </p:tnLst>
-  </p:timing>
-</p:sld>
-</file>
-
-<file path=ppt/slides/slide7.xml><?xml version="1.0" encoding="utf-8"?>
-<p:sld xmlns:a="http://schemas.openxmlformats.org/drawingml/2006/main" xmlns:r="http://schemas.openxmlformats.org/officeDocument/2006/relationships" xmlns:p="http://schemas.openxmlformats.org/presentationml/2006/main">
-  <p:cSld>
-    <p:spTree>
-      <p:nvGrpSpPr>
-        <p:cNvPr id="1" name=""/>
-        <p:cNvGrpSpPr/>
-        <p:nvPr/>
-      </p:nvGrpSpPr>
-      <p:grpSpPr>
-        <a:xfrm>
-          <a:off x="0" y="0"/>
-          <a:ext cx="0" cy="0"/>
-          <a:chOff x="0" y="0"/>
-          <a:chExt cx="0" cy="0"/>
-        </a:xfrm>
-      </p:grpSpPr>
-      <p:sp>
-        <p:nvSpPr>
-          <p:cNvPr id="2" name="Title 1"/>
-          <p:cNvSpPr>
-            <a:spLocks noGrp="1"/>
-          </p:cNvSpPr>
-          <p:nvPr>
-            <p:ph type="title"/>
-          </p:nvPr>
-        </p:nvSpPr>
-        <p:spPr>
-          <a:xfrm>
-            <a:off x="457200" y="2667000"/>
-            <a:ext cx="8229600" cy="1143000"/>
-          </a:xfrm>
-        </p:spPr>
-        <p:txBody>
-          <a:bodyPr>
-            <a:normAutofit/>
-          </a:bodyPr>
-          <a:lstStyle/>
-          <a:p>
-            <a:endParaRPr lang="en-US" dirty="0"/>
-          </a:p>
-        </p:txBody>
-      </p:sp>
-      <p:pic>
-        <p:nvPicPr>
-          <p:cNvPr id="1026" name="Picture 2"/>
-          <p:cNvPicPr>
-            <a:picLocks noChangeAspect="1" noChangeArrowheads="1"/>
-          </p:cNvPicPr>
-          <p:nvPr/>
-        </p:nvPicPr>
-        <p:blipFill rotWithShape="1">
-          <a:blip r:embed="rId3">
-            <a:extLst>
-              <a:ext uri="{28A0092B-C50C-407E-A947-70E740481C1C}">
-                <a14:useLocalDpi xmlns:a14="http://schemas.microsoft.com/office/drawing/2010/main" val="0"/>
-              </a:ext>
-            </a:extLst>
-          </a:blip>
-          <a:srcRect t="37182" r="36808"/>
-          <a:stretch/>
-        </p:blipFill>
-        <p:spPr bwMode="auto">
-          <a:xfrm>
-            <a:off x="381000" y="685800"/>
-            <a:ext cx="3755877" cy="4667072"/>
-          </a:xfrm>
-          <a:prstGeom prst="rect">
-            <a:avLst/>
-          </a:prstGeom>
-          <a:noFill/>
-          <a:ln>
-            <a:noFill/>
-          </a:ln>
-          <a:effectLst/>
-          <a:extLst>
-            <a:ext uri="{909E8E84-426E-40dd-AFC4-6F175D3DCCD1}">
-              <a14:hiddenFill xmlns:a14="http://schemas.microsoft.com/office/drawing/2010/main">
-                <a:solidFill>
-                  <a:schemeClr val="accent1"/>
-                </a:solidFill>
-              </a14:hiddenFill>
-            </a:ext>
-            <a:ext uri="{91240B29-F687-4f45-9708-019B960494DF}">
-              <a14:hiddenLine xmlns:a14="http://schemas.microsoft.com/office/drawing/2010/main" w="9525">
-                <a:solidFill>
-                  <a:schemeClr val="tx1"/>
-                </a:solidFill>
-                <a:miter lim="800000"/>
-                <a:headEnd/>
-                <a:tailEnd/>
-              </a14:hiddenLine>
-            </a:ext>
-            <a:ext uri="{AF507438-7753-43e0-B8FC-AC1667EBCBE1}">
-              <a14:hiddenEffects xmlns:a14="http://schemas.microsoft.com/office/drawing/2010/main">
-                <a:effectLst>
-                  <a:outerShdw dist="35921" dir="2700000" algn="ctr" rotWithShape="0">
-                    <a:schemeClr val="bg2"/>
-                  </a:outerShdw>
-                </a:effectLst>
-              </a14:hiddenEffects>
-            </a:ext>
-          </a:extLst>
-        </p:spPr>
-      </p:pic>
-      <p:sp>
-        <p:nvSpPr>
-          <p:cNvPr id="3" name="TextBox 2"/>
-          <p:cNvSpPr txBox="1"/>
-          <p:nvPr/>
-        </p:nvSpPr>
-        <p:spPr>
-          <a:xfrm>
-            <a:off x="4343400" y="609600"/>
-            <a:ext cx="4267200" cy="1815882"/>
-          </a:xfrm>
-          <a:prstGeom prst="rect">
-            <a:avLst/>
-          </a:prstGeom>
-          <a:noFill/>
-        </p:spPr>
-        <p:txBody>
-          <a:bodyPr wrap="square" rtlCol="0">
-            <a:spAutoFit/>
-          </a:bodyPr>
-          <a:lstStyle/>
-          <a:p>
-            <a:r>
-              <a:rPr lang="en-US" sz="2800" dirty="0" smtClean="0"/>
-              <a:t>“How </a:t>
-            </a:r>
-            <a:r>
-              <a:rPr lang="en-US" sz="2800" dirty="0"/>
-              <a:t>a company can make profits with all these </a:t>
-            </a:r>
-            <a:endParaRPr lang="en-US" sz="2800" dirty="0" smtClean="0"/>
-          </a:p>
-          <a:p>
-            <a:r>
-              <a:rPr lang="en-US" sz="2800" dirty="0" smtClean="0"/>
-              <a:t>PARASITES</a:t>
-            </a:r>
-            <a:r>
-              <a:rPr lang="en-US" sz="2800" dirty="0"/>
-              <a:t>  chatting and drinking </a:t>
-            </a:r>
-            <a:r>
-              <a:rPr lang="en-US" sz="2800" dirty="0" smtClean="0"/>
-              <a:t>coffee?”</a:t>
-            </a:r>
-            <a:endParaRPr lang="en-US" sz="2800" dirty="0"/>
-          </a:p>
-        </p:txBody>
-      </p:sp>
-      <p:sp>
-        <p:nvSpPr>
-          <p:cNvPr id="4" name="TextBox 3"/>
-          <p:cNvSpPr txBox="1"/>
-          <p:nvPr/>
-        </p:nvSpPr>
-        <p:spPr>
-          <a:xfrm>
-            <a:off x="4343400" y="4191000"/>
-            <a:ext cx="4038600" cy="2062103"/>
-          </a:xfrm>
-          <a:prstGeom prst="rect">
-            <a:avLst/>
-          </a:prstGeom>
-          <a:noFill/>
-        </p:spPr>
-        <p:txBody>
-          <a:bodyPr wrap="square" rtlCol="0">
-            <a:spAutoFit/>
-          </a:bodyPr>
-          <a:lstStyle/>
-          <a:p>
-            <a:r>
-              <a:rPr lang="en-US" sz="3200" b="1" dirty="0"/>
-              <a:t>The countless hours </a:t>
-            </a:r>
-            <a:r>
-              <a:rPr lang="en-US" sz="3200" b="1" dirty="0" smtClean="0"/>
-              <a:t>that team leads … </a:t>
-            </a:r>
-            <a:endParaRPr lang="en-US" sz="3200" b="1" dirty="0"/>
-          </a:p>
-          <a:p>
-            <a:r>
-              <a:rPr lang="en-US" sz="3200" b="1" dirty="0"/>
-              <a:t>devote to supervising the work…</a:t>
-            </a:r>
-          </a:p>
-        </p:txBody>
-      </p:sp>
-    </p:spTree>
-    <p:extLst>
-      <p:ext uri="{BB962C8B-B14F-4D97-AF65-F5344CB8AC3E}">
-        <p14:creationId xmlns:p14="http://schemas.microsoft.com/office/powerpoint/2010/main" val="1141239631"/>
-      </p:ext>
-    </p:extLst>
-  </p:cSld>
-  <p:clrMapOvr>
-    <a:masterClrMapping/>
-  </p:clrMapOvr>
-  <p:timing>
-    <p:tnLst>
-      <p:par>
-        <p:cTn xmlns:p14="http://schemas.microsoft.com/office/powerpoint/2010/main" id="1" dur="indefinite" restart="never" nodeType="tmRoot">
-          <p:childTnLst>
-            <p:seq concurrent="1" nextAc="seek">
-              <p:cTn id="2" dur="indefinite" nodeType="mainSeq">
-                <p:childTnLst>
-                  <p:par>
-                    <p:cTn id="3" fill="hold">
-                      <p:stCondLst>
-                        <p:cond delay="indefinite"/>
-                      </p:stCondLst>
-                      <p:childTnLst>
-                        <p:par>
-                          <p:cTn id="4" fill="hold">
-                            <p:stCondLst>
-                              <p:cond delay="0"/>
-                            </p:stCondLst>
-                            <p:childTnLst>
-                              <p:par>
-                                <p:cTn id="5" presetID="1" presetClass="entr" presetSubtype="0" fill="hold" grpId="0" nodeType="clickEffect">
-                                  <p:stCondLst>
-                                    <p:cond delay="0"/>
-                                  </p:stCondLst>
-                                  <p:childTnLst>
-                                    <p:set>
-                                      <p:cBhvr>
-                                        <p:cTn id="6" dur="1" fill="hold">
-                                          <p:stCondLst>
-                                            <p:cond delay="0"/>
-                                          </p:stCondLst>
-                                        </p:cTn>
-                                        <p:tgtEl>
-                                          <p:spTgt spid="4"/>
-                                        </p:tgtEl>
-                                        <p:attrNameLst>
-                                          <p:attrName>style.visibility</p:attrName>
-                                        </p:attrNameLst>
-                                      </p:cBhvr>
-                                      <p:to>
-                                        <p:strVal val="visible"/>
-                                      </p:to>
-                                    </p:set>
-                                  </p:childTnLst>
-                                </p:cTn>
-                              </p:par>
-                            </p:childTnLst>
-                          </p:cTn>
-                        </p:par>
-                      </p:childTnLst>
-                    </p:cTn>
-                  </p:par>
-                  <p:par>
-                    <p:cTn id="7" fill="hold">
-                      <p:stCondLst>
-                        <p:cond delay="indefinite"/>
-                      </p:stCondLst>
-                      <p:childTnLst>
-                        <p:par>
-                          <p:cTn id="8" fill="hold">
-                            <p:stCondLst>
-                              <p:cond delay="0"/>
-                            </p:stCondLst>
-                            <p:childTnLst>
-                              <p:par>
-                                <p:cTn id="9" presetID="1" presetClass="entr" presetSubtype="0" fill="hold" grpId="0" nodeType="clickEffect">
-                                  <p:stCondLst>
-                                    <p:cond delay="0"/>
-                                  </p:stCondLst>
-                                  <p:childTnLst>
-                                    <p:set>
-                                      <p:cBhvr>
-                                        <p:cTn id="10" dur="1" fill="hold">
-                                          <p:stCondLst>
-                                            <p:cond delay="0"/>
-                                          </p:stCondLst>
-                                        </p:cTn>
-                                        <p:tgtEl>
-                                          <p:spTgt spid="3"/>
-                                        </p:tgtEl>
-                                        <p:attrNameLst>
-                                          <p:attrName>style.visibility</p:attrName>
-                                        </p:attrNameLst>
-                                      </p:cBhvr>
-                                      <p:to>
-                                        <p:strVal val="visible"/>
-                                      </p:to>
-                                    </p:set>
-                                  </p:childTnLst>
-                                </p:cTn>
-                              </p:par>
-                            </p:childTnLst>
-                          </p:cTn>
-                        </p:par>
-                      </p:childTnLst>
-                    </p:cTn>
-                  </p:par>
-                </p:childTnLst>
-              </p:cTn>
-              <p:prevCondLst>
-                <p:cond evt="onPrev" delay="0">
-                  <p:tgtEl>
-                    <p:sldTgt/>
-                  </p:tgtEl>
-                </p:cond>
-              </p:prevCondLst>
-              <p:nextCondLst>
-                <p:cond evt="onNext" delay="0">
-                  <p:tgtEl>
-                    <p:sldTgt/>
-                  </p:tgtEl>
-                </p:cond>
-              </p:nextCondLst>
-            </p:seq>
-          </p:childTnLst>
-        </p:cTn>
-      </p:par>
-    </p:tnLst>
-    <p:bldLst>
-      <p:bldP spid="3" grpId="0"/>
-      <p:bldP spid="4" grpId="0"/>
-    </p:bldLst>
-  </p:timing>
-</p:sld>
-</file>
-
-<file path=ppt/slides/slide8.xml><?xml version="1.0" encoding="utf-8"?>
-<p:sld xmlns:a="http://schemas.openxmlformats.org/drawingml/2006/main" xmlns:r="http://schemas.openxmlformats.org/officeDocument/2006/relationships" xmlns:p="http://schemas.openxmlformats.org/presentationml/2006/main">
-  <p:cSld>
-    <p:spTree>
-      <p:nvGrpSpPr>
-        <p:cNvPr id="1" name=""/>
-        <p:cNvGrpSpPr/>
-        <p:nvPr/>
-      </p:nvGrpSpPr>
-      <p:grpSpPr>
-        <a:xfrm>
-          <a:off x="0" y="0"/>
-          <a:ext cx="0" cy="0"/>
-          <a:chOff x="0" y="0"/>
-          <a:chExt cx="0" cy="0"/>
-        </a:xfrm>
-      </p:grpSpPr>
-      <p:sp>
-        <p:nvSpPr>
-          <p:cNvPr id="2" name="Title 1"/>
-          <p:cNvSpPr>
-            <a:spLocks noGrp="1"/>
-          </p:cNvSpPr>
-          <p:nvPr>
-            <p:ph type="title"/>
-          </p:nvPr>
-        </p:nvSpPr>
-        <p:spPr/>
-        <p:txBody>
-          <a:bodyPr/>
-          <a:lstStyle/>
-          <a:p>
-            <a:endParaRPr lang="en-US"/>
-          </a:p>
-        </p:txBody>
-      </p:sp>
-      <p:sp>
-        <p:nvSpPr>
-          <p:cNvPr id="3" name="Content Placeholder 2"/>
-          <p:cNvSpPr>
-            <a:spLocks noGrp="1"/>
-          </p:cNvSpPr>
-          <p:nvPr>
-            <p:ph idx="1"/>
-          </p:nvPr>
-        </p:nvSpPr>
-        <p:spPr/>
-        <p:txBody>
-          <a:bodyPr/>
-          <a:lstStyle/>
-          <a:p>
-            <a:endParaRPr lang="en-US" dirty="0"/>
-          </a:p>
-        </p:txBody>
-      </p:sp>
-      <p:pic>
-        <p:nvPicPr>
-          <p:cNvPr id="2050" name="Picture 2"/>
-          <p:cNvPicPr>
-            <a:picLocks noChangeAspect="1" noChangeArrowheads="1"/>
-          </p:cNvPicPr>
-          <p:nvPr/>
-        </p:nvPicPr>
-        <p:blipFill>
-          <a:blip r:embed="rId3">
-            <a:extLst>
-              <a:ext uri="{28A0092B-C50C-407E-A947-70E740481C1C}">
-                <a14:useLocalDpi xmlns:a14="http://schemas.microsoft.com/office/drawing/2010/main" val="0"/>
-              </a:ext>
-            </a:extLst>
-          </a:blip>
-          <a:srcRect/>
-          <a:stretch>
-            <a:fillRect/>
-          </a:stretch>
-        </p:blipFill>
-        <p:spPr bwMode="auto">
-          <a:xfrm>
-            <a:off x="1600200" y="381000"/>
-            <a:ext cx="5943600" cy="7429500"/>
-          </a:xfrm>
-          <a:prstGeom prst="rect">
-            <a:avLst/>
-          </a:prstGeom>
-          <a:noFill/>
-          <a:ln>
-            <a:noFill/>
-          </a:ln>
-          <a:effectLst/>
-          <a:extLst>
-            <a:ext uri="{909E8E84-426E-40dd-AFC4-6F175D3DCCD1}">
-              <a14:hiddenFill xmlns:a14="http://schemas.microsoft.com/office/drawing/2010/main">
-                <a:solidFill>
-                  <a:schemeClr val="accent1"/>
-                </a:solidFill>
-              </a14:hiddenFill>
-            </a:ext>
-            <a:ext uri="{91240B29-F687-4f45-9708-019B960494DF}">
-              <a14:hiddenLine xmlns:a14="http://schemas.microsoft.com/office/drawing/2010/main" w="9525">
-                <a:solidFill>
-                  <a:schemeClr val="tx1"/>
-                </a:solidFill>
-                <a:miter lim="800000"/>
-                <a:headEnd/>
-                <a:tailEnd/>
-              </a14:hiddenLine>
-            </a:ext>
-            <a:ext uri="{AF507438-7753-43e0-B8FC-AC1667EBCBE1}">
-              <a14:hiddenEffects xmlns:a14="http://schemas.microsoft.com/office/drawing/2010/main">
-                <a:effectLst>
-                  <a:outerShdw dist="35921" dir="2700000" algn="ctr" rotWithShape="0">
-                    <a:schemeClr val="bg2"/>
-                  </a:outerShdw>
-                </a:effectLst>
-              </a14:hiddenEffects>
-            </a:ext>
-          </a:extLst>
-        </p:spPr>
-      </p:pic>
-    </p:spTree>
-    <p:extLst>
-      <p:ext uri="{BB962C8B-B14F-4D97-AF65-F5344CB8AC3E}">
-        <p14:creationId xmlns:p14="http://schemas.microsoft.com/office/powerpoint/2010/main" val="427640295"/>
-      </p:ext>
-    </p:extLst>
-  </p:cSld>
-  <p:clrMapOvr>
-    <a:masterClrMapping/>
-  </p:clrMapOvr>
-  <p:timing>
-    <p:tnLst>
-      <p:par>
-        <p:cTn xmlns:p14="http://schemas.microsoft.com/office/powerpoint/2010/main" id="1" dur="indefinite" restart="never" nodeType="tmRoot"/>
-      </p:par>
-    </p:tnLst>
-  </p:timing>
-</p:sld>
-</file>
-
-<file path=ppt/slides/slide9.xml><?xml version="1.0" encoding="utf-8"?>
-<p:sld xmlns:a="http://schemas.openxmlformats.org/drawingml/2006/main" xmlns:r="http://schemas.openxmlformats.org/officeDocument/2006/relationships" xmlns:p="http://schemas.openxmlformats.org/presentationml/2006/main">
-  <p:cSld>
-    <p:spTree>
-      <p:nvGrpSpPr>
-        <p:cNvPr id="1" name=""/>
-        <p:cNvGrpSpPr/>
-        <p:nvPr/>
-      </p:nvGrpSpPr>
-      <p:grpSpPr>
-        <a:xfrm>
-          <a:off x="0" y="0"/>
-          <a:ext cx="0" cy="0"/>
-          <a:chOff x="0" y="0"/>
-          <a:chExt cx="0" cy="0"/>
-        </a:xfrm>
-      </p:grpSpPr>
-      <p:sp>
-        <p:nvSpPr>
-          <p:cNvPr id="2" name="Title 1"/>
-          <p:cNvSpPr>
-            <a:spLocks noGrp="1"/>
-          </p:cNvSpPr>
-          <p:nvPr>
-            <p:ph type="title"/>
-          </p:nvPr>
-        </p:nvSpPr>
-        <p:spPr/>
-        <p:txBody>
-          <a:bodyPr/>
-          <a:lstStyle/>
-          <a:p>
-            <a:pPr marL="0" indent="0">
-              <a:buNone/>
-            </a:pPr>
-            <a:r>
-              <a:rPr lang="en-US" dirty="0" smtClean="0"/>
-              <a:t>Who Is This Guy?</a:t>
-            </a:r>
-            <a:endParaRPr lang="en-US" dirty="0"/>
-          </a:p>
-        </p:txBody>
-      </p:sp>
-      <p:sp>
-        <p:nvSpPr>
-          <p:cNvPr id="3" name="Content Placeholder 2"/>
-          <p:cNvSpPr>
-            <a:spLocks noGrp="1"/>
-          </p:cNvSpPr>
-          <p:nvPr>
-            <p:ph sz="quarter" idx="4294967295"/>
-          </p:nvPr>
-        </p:nvSpPr>
-        <p:spPr>
-          <a:xfrm>
-            <a:off x="402348" y="1905000"/>
-            <a:ext cx="6912851" cy="3474720"/>
-          </a:xfrm>
-          <a:prstGeom prst="rect">
-            <a:avLst/>
-          </a:prstGeom>
-        </p:spPr>
-        <p:txBody>
-          <a:bodyPr/>
-          <a:lstStyle/>
-          <a:p>
-            <a:r>
-              <a:rPr lang="en-US" dirty="0" smtClean="0"/>
-              <a:t>Director / Paige Technologies</a:t>
-            </a:r>
-          </a:p>
-          <a:p>
-            <a:r>
-              <a:rPr lang="en-US" dirty="0" smtClean="0"/>
-              <a:t>@</a:t>
-            </a:r>
-            <a:r>
-              <a:rPr lang="en-US" dirty="0" err="1" smtClean="0"/>
-              <a:t>jonathanfmills</a:t>
-            </a:r>
-            <a:endParaRPr lang="en-US" dirty="0" smtClean="0"/>
-          </a:p>
-          <a:p>
-            <a:r>
-              <a:rPr lang="en-US" dirty="0" smtClean="0"/>
-              <a:t>Jonathanfmills.com</a:t>
-            </a:r>
-          </a:p>
-          <a:p>
-            <a:endParaRPr lang="en-US" dirty="0" smtClean="0"/>
-          </a:p>
-        </p:txBody>
-      </p:sp>
-      <p:pic>
-        <p:nvPicPr>
-          <p:cNvPr id="4" name="Picture 3"/>
-          <p:cNvPicPr>
-            <a:picLocks noChangeAspect="1"/>
-          </p:cNvPicPr>
-          <p:nvPr/>
-        </p:nvPicPr>
-        <p:blipFill rotWithShape="1">
-          <a:blip r:embed="rId3" cstate="print">
-            <a:extLst>
-              <a:ext uri="{28A0092B-C50C-407E-A947-70E740481C1C}">
-                <a14:useLocalDpi xmlns:a14="http://schemas.microsoft.com/office/drawing/2010/main" val="0"/>
-              </a:ext>
-            </a:extLst>
-          </a:blip>
-          <a:srcRect l="21263" t="6298" r="18446" b="487"/>
-          <a:stretch/>
-        </p:blipFill>
-        <p:spPr>
-          <a:xfrm>
-            <a:off x="5257800" y="3124200"/>
-            <a:ext cx="3700298" cy="3421997"/>
-          </a:xfrm>
-          <a:prstGeom prst="rect">
-            <a:avLst/>
-          </a:prstGeom>
-        </p:spPr>
-      </p:pic>
-    </p:spTree>
-    <p:extLst>
-      <p:ext uri="{BB962C8B-B14F-4D97-AF65-F5344CB8AC3E}">
-        <p14:creationId xmlns:p14="http://schemas.microsoft.com/office/powerpoint/2010/main" val="1293228379"/>
-      </p:ext>
-    </p:extLst>
-  </p:cSld>
-  <p:clrMapOvr>
-    <a:masterClrMapping/>
-  </p:clrMapOvr>
-  <p:timing>
-    <p:tnLst>
-      <p:par>
-        <p:cTn xmlns:p14="http://schemas.microsoft.com/office/powerpoint/2010/main" id="1" dur="indefinite" restart="never" nodeType="tmRoot"/>
-      </p:par>
-    </p:tnLst>
   </p:timing>
 </p:sld>
 </file>
